--- a/04-configmaps-und-secrets/deeptalk-04-fb.pptx
+++ b/04-configmaps-und-secrets/deeptalk-04-fb.pptx
@@ -5,46 +5,47 @@
     <p:sldMasterId id="2147483648" r:id="rId1"/>
   </p:sldMasterIdLst>
   <p:notesMasterIdLst>
-    <p:notesMasterId r:id="rId12"/>
+    <p:notesMasterId r:id="rId13"/>
   </p:notesMasterIdLst>
   <p:handoutMasterIdLst>
-    <p:handoutMasterId r:id="rId13"/>
+    <p:handoutMasterId r:id="rId14"/>
   </p:handoutMasterIdLst>
   <p:sldIdLst>
     <p:sldId id="471" r:id="rId2"/>
     <p:sldId id="496" r:id="rId3"/>
     <p:sldId id="529" r:id="rId4"/>
     <p:sldId id="527" r:id="rId5"/>
-    <p:sldId id="528" r:id="rId6"/>
-    <p:sldId id="532" r:id="rId7"/>
-    <p:sldId id="533" r:id="rId8"/>
-    <p:sldId id="521" r:id="rId9"/>
-    <p:sldId id="499" r:id="rId10"/>
-    <p:sldId id="495" r:id="rId11"/>
+    <p:sldId id="534" r:id="rId6"/>
+    <p:sldId id="528" r:id="rId7"/>
+    <p:sldId id="532" r:id="rId8"/>
+    <p:sldId id="533" r:id="rId9"/>
+    <p:sldId id="535" r:id="rId10"/>
+    <p:sldId id="499" r:id="rId11"/>
+    <p:sldId id="495" r:id="rId12"/>
   </p:sldIdLst>
   <p:sldSz cx="9144000" cy="5715000" type="screen16x10"/>
   <p:notesSz cx="7099300" cy="10234613"/>
   <p:embeddedFontLst>
     <p:embeddedFont>
       <p:font typeface="Calibri" panose="020F0502020204030204" pitchFamily="34" charset="0"/>
-      <p:regular r:id="rId14"/>
-      <p:bold r:id="rId14"/>
-      <p:italic r:id="rId14"/>
-      <p:boldItalic r:id="rId14"/>
+      <p:regular r:id="rId15"/>
+      <p:bold r:id="rId15"/>
+      <p:italic r:id="rId15"/>
+      <p:boldItalic r:id="rId15"/>
     </p:embeddedFont>
     <p:embeddedFont>
       <p:font typeface="Helvetica" panose="020B0604020202020204" pitchFamily="34" charset="0"/>
-      <p:regular r:id="rId14"/>
-      <p:bold r:id="rId14"/>
-      <p:italic r:id="rId14"/>
-      <p:boldItalic r:id="rId14"/>
+      <p:regular r:id="rId15"/>
+      <p:bold r:id="rId15"/>
+      <p:italic r:id="rId15"/>
+      <p:boldItalic r:id="rId15"/>
     </p:embeddedFont>
     <p:embeddedFont>
       <p:font typeface="Verdana" panose="020B0604030504040204" pitchFamily="34" charset="0"/>
-      <p:regular r:id="rId14"/>
-      <p:bold r:id="rId14"/>
-      <p:italic r:id="rId14"/>
-      <p:boldItalic r:id="rId14"/>
+      <p:regular r:id="rId15"/>
+      <p:bold r:id="rId15"/>
+      <p:italic r:id="rId15"/>
+      <p:boldItalic r:id="rId15"/>
     </p:embeddedFont>
   </p:embeddedFontLst>
   <p:defaultTextStyle>
@@ -385,7 +386,7 @@
             <a:fld id="{32676DCA-960E-4391-BFD1-94775D77449F}" type="datetimeFigureOut">
               <a:rPr lang="de-DE" smtClean="0"/>
               <a:pPr/>
-              <a:t>15.09.2020</a:t>
+              <a:t>16.09.2020</a:t>
             </a:fld>
             <a:endParaRPr lang="de-DE"/>
           </a:p>
@@ -1095,7 +1096,7 @@
               <a:pPr>
                 <a:defRPr/>
               </a:pPr>
-              <a:t>5</a:t>
+              <a:t>6</a:t>
             </a:fld>
             <a:endParaRPr lang="de-DE"/>
           </a:p>
@@ -1185,7 +1186,7 @@
               <a:pPr>
                 <a:defRPr/>
               </a:pPr>
-              <a:t>6</a:t>
+              <a:t>7</a:t>
             </a:fld>
             <a:endParaRPr lang="de-DE"/>
           </a:p>
@@ -1275,7 +1276,7 @@
               <a:pPr>
                 <a:defRPr/>
               </a:pPr>
-              <a:t>7</a:t>
+              <a:t>8</a:t>
             </a:fld>
             <a:endParaRPr lang="de-DE"/>
           </a:p>
@@ -1371,103 +1372,7 @@
               <a:pPr>
                 <a:defRPr/>
               </a:pPr>
-              <a:t>8</a:t>
-            </a:fld>
-            <a:endParaRPr lang="de-DE"/>
-          </a:p>
-        </p:txBody>
-      </p:sp>
-    </p:spTree>
-    <p:extLst>
-      <p:ext uri="{BB962C8B-B14F-4D97-AF65-F5344CB8AC3E}">
-        <p14:creationId xmlns:p14="http://schemas.microsoft.com/office/powerpoint/2010/main" val="6148130"/>
-      </p:ext>
-    </p:extLst>
-  </p:cSld>
-  <p:clrMapOvr>
-    <a:masterClrMapping/>
-  </p:clrMapOvr>
-</p:notes>
-</file>
-
-<file path=ppt/notesSlides/notesSlide6.xml><?xml version="1.0" encoding="utf-8"?>
-<p:notes xmlns:a="http://schemas.openxmlformats.org/drawingml/2006/main" xmlns:r="http://schemas.openxmlformats.org/officeDocument/2006/relationships" xmlns:p="http://schemas.openxmlformats.org/presentationml/2006/main">
-  <p:cSld>
-    <p:spTree>
-      <p:nvGrpSpPr>
-        <p:cNvPr id="1" name=""/>
-        <p:cNvGrpSpPr/>
-        <p:nvPr/>
-      </p:nvGrpSpPr>
-      <p:grpSpPr>
-        <a:xfrm>
-          <a:off x="0" y="0"/>
-          <a:ext cx="0" cy="0"/>
-          <a:chOff x="0" y="0"/>
-          <a:chExt cx="0" cy="0"/>
-        </a:xfrm>
-      </p:grpSpPr>
-      <p:sp>
-        <p:nvSpPr>
-          <p:cNvPr id="2" name="Folienbildplatzhalter 1"/>
-          <p:cNvSpPr>
-            <a:spLocks noGrp="1" noRot="1" noChangeAspect="1"/>
-          </p:cNvSpPr>
-          <p:nvPr>
-            <p:ph type="sldImg"/>
-          </p:nvPr>
-        </p:nvSpPr>
-        <p:spPr/>
-      </p:sp>
-      <p:sp>
-        <p:nvSpPr>
-          <p:cNvPr id="3" name="Notizenplatzhalter 2"/>
-          <p:cNvSpPr>
-            <a:spLocks noGrp="1"/>
-          </p:cNvSpPr>
-          <p:nvPr>
-            <p:ph type="body" idx="1"/>
-          </p:nvPr>
-        </p:nvSpPr>
-        <p:spPr/>
-        <p:txBody>
-          <a:bodyPr/>
-          <a:lstStyle/>
-          <a:p>
-            <a:r>
-              <a:rPr lang="de-DE" dirty="0">
-                <a:hlinkClick r:id="rId3"/>
-              </a:rPr>
-              <a:t>https://www.docker.com/resources/what-container</a:t>
-            </a:r>
-            <a:endParaRPr lang="de-DE" dirty="0"/>
-          </a:p>
-        </p:txBody>
-      </p:sp>
-      <p:sp>
-        <p:nvSpPr>
-          <p:cNvPr id="4" name="Foliennummernplatzhalter 3"/>
-          <p:cNvSpPr>
-            <a:spLocks noGrp="1"/>
-          </p:cNvSpPr>
-          <p:nvPr>
-            <p:ph type="sldNum" sz="quarter" idx="5"/>
-          </p:nvPr>
-        </p:nvSpPr>
-        <p:spPr/>
-        <p:txBody>
-          <a:bodyPr/>
-          <a:lstStyle/>
-          <a:p>
-            <a:pPr>
-              <a:defRPr/>
-            </a:pPr>
-            <a:fld id="{4D8C3D32-0CEC-4E75-98FF-2FBD233904A7}" type="slidenum">
-              <a:rPr lang="de-DE" smtClean="0"/>
-              <a:pPr>
-                <a:defRPr/>
-              </a:pPr>
-              <a:t>9</a:t>
+              <a:t>10</a:t>
             </a:fld>
             <a:endParaRPr lang="de-DE"/>
           </a:p>
@@ -4286,6 +4191,214 @@
           <p:cNvPr id="2" name="Titel 1">
             <a:extLst>
               <a:ext uri="{FF2B5EF4-FFF2-40B4-BE49-F238E27FC236}">
+                <a16:creationId xmlns:a16="http://schemas.microsoft.com/office/drawing/2014/main" id="{63E74088-BB91-574B-9695-A0121785026E}"/>
+              </a:ext>
+            </a:extLst>
+          </p:cNvPr>
+          <p:cNvSpPr>
+            <a:spLocks noGrp="1"/>
+          </p:cNvSpPr>
+          <p:nvPr>
+            <p:ph type="title"/>
+          </p:nvPr>
+        </p:nvSpPr>
+        <p:spPr/>
+        <p:txBody>
+          <a:bodyPr/>
+          <a:lstStyle/>
+          <a:p>
+            <a:r>
+              <a:rPr lang="de-DE" dirty="0" err="1"/>
+              <a:t>Misc</a:t>
+            </a:r>
+            <a:endParaRPr lang="de-DE" dirty="0"/>
+          </a:p>
+        </p:txBody>
+      </p:sp>
+      <p:sp>
+        <p:nvSpPr>
+          <p:cNvPr id="3" name="Inhaltsplatzhalter 2">
+            <a:extLst>
+              <a:ext uri="{FF2B5EF4-FFF2-40B4-BE49-F238E27FC236}">
+                <a16:creationId xmlns:a16="http://schemas.microsoft.com/office/drawing/2014/main" id="{0EEB0F87-B7B4-B946-A3AA-B4CFBE864340}"/>
+              </a:ext>
+            </a:extLst>
+          </p:cNvPr>
+          <p:cNvSpPr>
+            <a:spLocks noGrp="1"/>
+          </p:cNvSpPr>
+          <p:nvPr>
+            <p:ph idx="1"/>
+          </p:nvPr>
+        </p:nvSpPr>
+        <p:spPr/>
+        <p:txBody>
+          <a:bodyPr>
+            <a:normAutofit fontScale="92500" lnSpcReduction="20000"/>
+          </a:bodyPr>
+          <a:lstStyle/>
+          <a:p>
+            <a:r>
+              <a:rPr lang="de-DE" b="1" dirty="0"/>
+              <a:t>Materialien zum Talk</a:t>
+            </a:r>
+          </a:p>
+          <a:p>
+            <a:r>
+              <a:rPr lang="de-DE" dirty="0">
+                <a:hlinkClick r:id="rId3"/>
+              </a:rPr>
+              <a:t>https://github.com/grothesk/deeptalk</a:t>
+            </a:r>
+            <a:endParaRPr lang="de-DE" dirty="0"/>
+          </a:p>
+          <a:p>
+            <a:endParaRPr lang="de-DE" dirty="0"/>
+          </a:p>
+          <a:p>
+            <a:r>
+              <a:rPr lang="de-DE" b="1" dirty="0"/>
+              <a:t>Weiterführendes</a:t>
+            </a:r>
+          </a:p>
+          <a:p>
+            <a:r>
+              <a:rPr lang="de-DE" dirty="0" err="1"/>
+              <a:t>Postgres</a:t>
+            </a:r>
+            <a:r>
+              <a:rPr lang="de-DE" dirty="0"/>
+              <a:t> </a:t>
+            </a:r>
+            <a:r>
+              <a:rPr lang="de-DE" dirty="0">
+                <a:sym typeface="Wingdings" pitchFamily="2" charset="2"/>
+              </a:rPr>
+              <a:t> </a:t>
+            </a:r>
+            <a:r>
+              <a:rPr lang="de-DE" dirty="0">
+                <a:hlinkClick r:id="rId4"/>
+              </a:rPr>
+              <a:t>https://www.postgresql.org/</a:t>
+            </a:r>
+            <a:r>
+              <a:rPr lang="de-DE" dirty="0"/>
+              <a:t> </a:t>
+            </a:r>
+          </a:p>
+          <a:p>
+            <a:r>
+              <a:rPr lang="de-DE" dirty="0" err="1"/>
+              <a:t>Grafana</a:t>
+            </a:r>
+            <a:r>
+              <a:rPr lang="de-DE" dirty="0"/>
+              <a:t> </a:t>
+            </a:r>
+            <a:r>
+              <a:rPr lang="de-DE" dirty="0">
+                <a:sym typeface="Wingdings" pitchFamily="2" charset="2"/>
+              </a:rPr>
+              <a:t> </a:t>
+            </a:r>
+            <a:r>
+              <a:rPr lang="de-DE" dirty="0">
+                <a:sym typeface="Wingdings" pitchFamily="2" charset="2"/>
+                <a:hlinkClick r:id="rId5"/>
+              </a:rPr>
+              <a:t>https://grafana.com/</a:t>
+            </a:r>
+            <a:r>
+              <a:rPr lang="de-DE" dirty="0">
+                <a:sym typeface="Wingdings" pitchFamily="2" charset="2"/>
+              </a:rPr>
+              <a:t> </a:t>
+            </a:r>
+            <a:endParaRPr lang="de-DE" dirty="0"/>
+          </a:p>
+          <a:p>
+            <a:endParaRPr lang="de-DE" dirty="0"/>
+          </a:p>
+          <a:p>
+            <a:r>
+              <a:rPr lang="de-DE" b="1" dirty="0"/>
+              <a:t>Feedback , Anregungen, Themenvorschläge</a:t>
+            </a:r>
+          </a:p>
+          <a:p>
+            <a:r>
+              <a:rPr lang="de-DE" dirty="0">
+                <a:hlinkClick r:id="rId6"/>
+              </a:rPr>
+              <a:t>florian.boldt@deepshore.de</a:t>
+            </a:r>
+            <a:endParaRPr lang="de-DE" dirty="0"/>
+          </a:p>
+          <a:p>
+            <a:r>
+              <a:rPr lang="de-DE" dirty="0">
+                <a:hlinkClick r:id="rId7"/>
+              </a:rPr>
+              <a:t>malte.groth@deepshore.de</a:t>
+            </a:r>
+            <a:endParaRPr lang="de-DE" dirty="0"/>
+          </a:p>
+          <a:p>
+            <a:r>
+              <a:rPr lang="de-DE" dirty="0">
+                <a:hlinkClick r:id="rId8"/>
+              </a:rPr>
+              <a:t>frederic.born@deepshore.de</a:t>
+            </a:r>
+            <a:endParaRPr lang="de-DE" dirty="0"/>
+          </a:p>
+          <a:p>
+            <a:endParaRPr lang="de-DE" dirty="0"/>
+          </a:p>
+          <a:p>
+            <a:endParaRPr lang="de-DE" dirty="0"/>
+          </a:p>
+          <a:p>
+            <a:endParaRPr lang="de-DE" dirty="0"/>
+          </a:p>
+        </p:txBody>
+      </p:sp>
+    </p:spTree>
+    <p:extLst>
+      <p:ext uri="{BB962C8B-B14F-4D97-AF65-F5344CB8AC3E}">
+        <p14:creationId xmlns:p14="http://schemas.microsoft.com/office/powerpoint/2010/main" val="1579135088"/>
+      </p:ext>
+    </p:extLst>
+  </p:cSld>
+  <p:clrMapOvr>
+    <a:masterClrMapping/>
+  </p:clrMapOvr>
+</p:sld>
+</file>
+
+<file path=ppt/slides/slide11.xml><?xml version="1.0" encoding="utf-8"?>
+<p:sld xmlns:a="http://schemas.openxmlformats.org/drawingml/2006/main" xmlns:r="http://schemas.openxmlformats.org/officeDocument/2006/relationships" xmlns:p="http://schemas.openxmlformats.org/presentationml/2006/main">
+  <p:cSld>
+    <p:spTree>
+      <p:nvGrpSpPr>
+        <p:cNvPr id="1" name=""/>
+        <p:cNvGrpSpPr/>
+        <p:nvPr/>
+      </p:nvGrpSpPr>
+      <p:grpSpPr>
+        <a:xfrm>
+          <a:off x="0" y="0"/>
+          <a:ext cx="0" cy="0"/>
+          <a:chOff x="0" y="0"/>
+          <a:chExt cx="0" cy="0"/>
+        </a:xfrm>
+      </p:grpSpPr>
+      <p:sp>
+        <p:nvSpPr>
+          <p:cNvPr id="2" name="Titel 1">
+            <a:extLst>
+              <a:ext uri="{FF2B5EF4-FFF2-40B4-BE49-F238E27FC236}">
                 <a16:creationId xmlns:a16="http://schemas.microsoft.com/office/drawing/2014/main" id="{AB86CD89-439C-2346-8F13-A8BE9C864884}"/>
               </a:ext>
             </a:extLst>
@@ -4558,7 +4671,7 @@
             </a:pPr>
             <a:r>
               <a:rPr lang="de-DE" sz="1800" dirty="0"/>
-              <a:t>Trennung von Konfiguration und Anwendungscode</a:t>
+              <a:t>Key-Value-Paare</a:t>
             </a:r>
           </a:p>
           <a:p>
@@ -4571,7 +4684,7 @@
             </a:pPr>
             <a:r>
               <a:rPr lang="de-DE" sz="1800" dirty="0"/>
-              <a:t>Key-Value-Paare</a:t>
+              <a:t>Trennung von Konfiguration und Anwendungscode</a:t>
             </a:r>
           </a:p>
           <a:p>
@@ -4736,6 +4849,34 @@
             </a:r>
           </a:p>
           <a:p>
+            <a:pPr marL="285840" indent="-283680">
+              <a:spcBef>
+                <a:spcPts val="799"/>
+              </a:spcBef>
+              <a:buFont typeface="Arial"/>
+              <a:buChar char="•"/>
+            </a:pPr>
+            <a:r>
+              <a:rPr lang="de-DE" sz="1800" dirty="0"/>
+              <a:t>Einbindung wie </a:t>
+            </a:r>
+            <a:r>
+              <a:rPr lang="de-DE" sz="1800" dirty="0" err="1"/>
+              <a:t>ConfigMaps</a:t>
+            </a:r>
+            <a:endParaRPr lang="de-DE" sz="1800" dirty="0"/>
+          </a:p>
+          <a:p>
+            <a:pPr marL="285840" indent="-283680">
+              <a:spcBef>
+                <a:spcPts val="799"/>
+              </a:spcBef>
+              <a:buFont typeface="Arial"/>
+              <a:buChar char="•"/>
+            </a:pPr>
+            <a:endParaRPr lang="de-DE" sz="1800" dirty="0"/>
+          </a:p>
+          <a:p>
             <a:pPr marL="2160">
               <a:spcBef>
                 <a:spcPts val="799"/>
@@ -4774,6 +4915,212 @@
 </file>
 
 <file path=ppt/slides/slide5.xml><?xml version="1.0" encoding="utf-8"?>
+<p:sld xmlns:a="http://schemas.openxmlformats.org/drawingml/2006/main" xmlns:r="http://schemas.openxmlformats.org/officeDocument/2006/relationships" xmlns:p="http://schemas.openxmlformats.org/presentationml/2006/main">
+  <p:cSld>
+    <p:spTree>
+      <p:nvGrpSpPr>
+        <p:cNvPr id="1" name=""/>
+        <p:cNvGrpSpPr/>
+        <p:nvPr/>
+      </p:nvGrpSpPr>
+      <p:grpSpPr>
+        <a:xfrm>
+          <a:off x="0" y="0"/>
+          <a:ext cx="0" cy="0"/>
+          <a:chOff x="0" y="0"/>
+          <a:chExt cx="0" cy="0"/>
+        </a:xfrm>
+      </p:grpSpPr>
+      <p:sp>
+        <p:nvSpPr>
+          <p:cNvPr id="2" name="Titel 1">
+            <a:extLst>
+              <a:ext uri="{FF2B5EF4-FFF2-40B4-BE49-F238E27FC236}">
+                <a16:creationId xmlns:a16="http://schemas.microsoft.com/office/drawing/2014/main" id="{BF0F7ECE-1D80-4A2F-9736-EE828ABD76D8}"/>
+              </a:ext>
+            </a:extLst>
+          </p:cNvPr>
+          <p:cNvSpPr>
+            <a:spLocks noGrp="1"/>
+          </p:cNvSpPr>
+          <p:nvPr>
+            <p:ph type="title"/>
+          </p:nvPr>
+        </p:nvSpPr>
+        <p:spPr/>
+        <p:txBody>
+          <a:bodyPr/>
+          <a:lstStyle/>
+          <a:p>
+            <a:r>
+              <a:rPr lang="de-DE" dirty="0"/>
+              <a:t>Grundlagen: Fallbeispiel</a:t>
+            </a:r>
+          </a:p>
+        </p:txBody>
+      </p:sp>
+      <p:sp>
+        <p:nvSpPr>
+          <p:cNvPr id="3" name="Inhaltsplatzhalter 2">
+            <a:extLst>
+              <a:ext uri="{FF2B5EF4-FFF2-40B4-BE49-F238E27FC236}">
+                <a16:creationId xmlns:a16="http://schemas.microsoft.com/office/drawing/2014/main" id="{C71224D9-F0F5-458A-8E6E-C9E93CC6A7CA}"/>
+              </a:ext>
+            </a:extLst>
+          </p:cNvPr>
+          <p:cNvSpPr>
+            <a:spLocks noGrp="1"/>
+          </p:cNvSpPr>
+          <p:nvPr>
+            <p:ph idx="1"/>
+          </p:nvPr>
+        </p:nvSpPr>
+        <p:spPr/>
+        <p:txBody>
+          <a:bodyPr>
+            <a:normAutofit/>
+          </a:bodyPr>
+          <a:lstStyle/>
+          <a:p>
+            <a:pPr marL="285750" indent="-285750">
+              <a:buFont typeface="Arial" panose="020B0604020202020204" pitchFamily="34" charset="0"/>
+              <a:buChar char="•"/>
+            </a:pPr>
+            <a:r>
+              <a:rPr lang="de-DE" sz="1600" b="1" dirty="0"/>
+              <a:t>Ziel</a:t>
+            </a:r>
+            <a:r>
+              <a:rPr lang="de-DE" sz="1600" dirty="0"/>
+              <a:t>: Aufsetzen und Konfigurieren einer Datenbank-Infrastruktur</a:t>
+            </a:r>
+          </a:p>
+          <a:p>
+            <a:pPr marL="285750" indent="-285750">
+              <a:buFont typeface="Arial" panose="020B0604020202020204" pitchFamily="34" charset="0"/>
+              <a:buChar char="•"/>
+            </a:pPr>
+            <a:r>
+              <a:rPr lang="de-DE" sz="1600" dirty="0"/>
+              <a:t>PostgreSQL / </a:t>
+            </a:r>
+            <a:r>
+              <a:rPr lang="de-DE" sz="1600" dirty="0" err="1"/>
+              <a:t>Postgres</a:t>
+            </a:r>
+            <a:r>
+              <a:rPr lang="de-DE" sz="1600" dirty="0"/>
+              <a:t> als objektrelationales Datenbankmanagementsystem</a:t>
+            </a:r>
+          </a:p>
+          <a:p>
+            <a:pPr marL="285750" indent="-285750">
+              <a:buFont typeface="Arial" panose="020B0604020202020204" pitchFamily="34" charset="0"/>
+              <a:buChar char="•"/>
+            </a:pPr>
+            <a:r>
+              <a:rPr lang="de-DE" sz="1600" b="1" dirty="0"/>
+              <a:t>Vorgehen</a:t>
+            </a:r>
+            <a:r>
+              <a:rPr lang="de-DE" sz="1600" dirty="0"/>
+              <a:t>: Schrittweises Einbinden von Konfigurationsparametern durch:</a:t>
+            </a:r>
+          </a:p>
+          <a:p>
+            <a:pPr marL="552450" lvl="1" indent="-285750">
+              <a:buFont typeface="Arial" panose="020B0604020202020204" pitchFamily="34" charset="0"/>
+              <a:buChar char="•"/>
+            </a:pPr>
+            <a:r>
+              <a:rPr lang="de-DE" sz="1600" dirty="0"/>
+              <a:t>1. Umgebungsvariablen</a:t>
+            </a:r>
+          </a:p>
+          <a:p>
+            <a:pPr marL="552450" lvl="1" indent="-285750">
+              <a:buFont typeface="Arial" panose="020B0604020202020204" pitchFamily="34" charset="0"/>
+              <a:buChar char="•"/>
+            </a:pPr>
+            <a:r>
+              <a:rPr lang="de-DE" sz="1600" dirty="0"/>
+              <a:t>2. </a:t>
+            </a:r>
+            <a:r>
+              <a:rPr lang="de-DE" sz="1600" dirty="0" err="1"/>
+              <a:t>ConfigMaps</a:t>
+            </a:r>
+            <a:endParaRPr lang="de-DE" sz="1600" dirty="0"/>
+          </a:p>
+          <a:p>
+            <a:pPr marL="552450" lvl="1" indent="-285750">
+              <a:buFont typeface="Arial" panose="020B0604020202020204" pitchFamily="34" charset="0"/>
+              <a:buChar char="•"/>
+            </a:pPr>
+            <a:r>
+              <a:rPr lang="de-DE" sz="1600" dirty="0"/>
+              <a:t>3. </a:t>
+            </a:r>
+            <a:r>
+              <a:rPr lang="de-DE" sz="1600" dirty="0" err="1"/>
+              <a:t>ConfigMaps</a:t>
+            </a:r>
+            <a:r>
+              <a:rPr lang="de-DE" sz="1600" dirty="0"/>
+              <a:t> + Secrets</a:t>
+            </a:r>
+          </a:p>
+        </p:txBody>
+      </p:sp>
+      <p:pic>
+        <p:nvPicPr>
+          <p:cNvPr id="7" name="Grafik 6">
+            <a:extLst>
+              <a:ext uri="{FF2B5EF4-FFF2-40B4-BE49-F238E27FC236}">
+                <a16:creationId xmlns:a16="http://schemas.microsoft.com/office/drawing/2014/main" id="{56587A80-C595-433B-AF11-D753092967FC}"/>
+              </a:ext>
+            </a:extLst>
+          </p:cNvPr>
+          <p:cNvPicPr>
+            <a:picLocks noChangeAspect="1"/>
+          </p:cNvPicPr>
+          <p:nvPr/>
+        </p:nvPicPr>
+        <p:blipFill>
+          <a:blip r:embed="rId2">
+            <a:extLst>
+              <a:ext uri="{28A0092B-C50C-407E-A947-70E740481C1C}">
+                <a14:useLocalDpi xmlns:a14="http://schemas.microsoft.com/office/drawing/2010/main" val="0"/>
+              </a:ext>
+            </a:extLst>
+          </a:blip>
+          <a:srcRect/>
+          <a:stretch/>
+        </p:blipFill>
+        <p:spPr>
+          <a:xfrm>
+            <a:off x="899905" y="2369827"/>
+            <a:ext cx="1224170" cy="1126237"/>
+          </a:xfrm>
+          <a:prstGeom prst="rect">
+            <a:avLst/>
+          </a:prstGeom>
+        </p:spPr>
+      </p:pic>
+    </p:spTree>
+    <p:extLst>
+      <p:ext uri="{BB962C8B-B14F-4D97-AF65-F5344CB8AC3E}">
+        <p14:creationId xmlns:p14="http://schemas.microsoft.com/office/powerpoint/2010/main" val="3017560351"/>
+      </p:ext>
+    </p:extLst>
+  </p:cSld>
+  <p:clrMapOvr>
+    <a:masterClrMapping/>
+  </p:clrMapOvr>
+</p:sld>
+</file>
+
+<file path=ppt/slides/slide6.xml><?xml version="1.0" encoding="utf-8"?>
 <p:sld xmlns:a="http://schemas.openxmlformats.org/drawingml/2006/main" xmlns:r="http://schemas.openxmlformats.org/officeDocument/2006/relationships" xmlns:p="http://schemas.openxmlformats.org/presentationml/2006/main">
   <p:cSld>
     <p:spTree>
@@ -6231,7 +6578,7 @@
 </p:sld>
 </file>
 
-<file path=ppt/slides/slide6.xml><?xml version="1.0" encoding="utf-8"?>
+<file path=ppt/slides/slide7.xml><?xml version="1.0" encoding="utf-8"?>
 <p:sld xmlns:a="http://schemas.openxmlformats.org/drawingml/2006/main" xmlns:r="http://schemas.openxmlformats.org/officeDocument/2006/relationships" xmlns:p="http://schemas.openxmlformats.org/presentationml/2006/main">
   <p:cSld>
     <p:spTree>
@@ -7603,7 +7950,7 @@
 </p:sld>
 </file>
 
-<file path=ppt/slides/slide7.xml><?xml version="1.0" encoding="utf-8"?>
+<file path=ppt/slides/slide8.xml><?xml version="1.0" encoding="utf-8"?>
 <p:sld xmlns:a="http://schemas.openxmlformats.org/drawingml/2006/main" xmlns:r="http://schemas.openxmlformats.org/officeDocument/2006/relationships" xmlns:p="http://schemas.openxmlformats.org/presentationml/2006/main">
   <p:cSld>
     <p:spTree>
@@ -9321,250 +9668,6 @@
 </p:sld>
 </file>
 
-<file path=ppt/slides/slide8.xml><?xml version="1.0" encoding="utf-8"?>
-<p:sld xmlns:a="http://schemas.openxmlformats.org/drawingml/2006/main" xmlns:r="http://schemas.openxmlformats.org/officeDocument/2006/relationships" xmlns:p="http://schemas.openxmlformats.org/presentationml/2006/main">
-  <p:cSld>
-    <p:spTree>
-      <p:nvGrpSpPr>
-        <p:cNvPr id="1" name=""/>
-        <p:cNvGrpSpPr/>
-        <p:nvPr/>
-      </p:nvGrpSpPr>
-      <p:grpSpPr>
-        <a:xfrm>
-          <a:off x="0" y="0"/>
-          <a:ext cx="0" cy="0"/>
-          <a:chOff x="0" y="0"/>
-          <a:chExt cx="0" cy="0"/>
-        </a:xfrm>
-      </p:grpSpPr>
-      <p:sp>
-        <p:nvSpPr>
-          <p:cNvPr id="2" name="Titel 1">
-            <a:extLst>
-              <a:ext uri="{FF2B5EF4-FFF2-40B4-BE49-F238E27FC236}">
-                <a16:creationId xmlns:a16="http://schemas.microsoft.com/office/drawing/2014/main" id="{63E74088-BB91-574B-9695-A0121785026E}"/>
-              </a:ext>
-            </a:extLst>
-          </p:cNvPr>
-          <p:cNvSpPr>
-            <a:spLocks noGrp="1"/>
-          </p:cNvSpPr>
-          <p:nvPr>
-            <p:ph type="title"/>
-          </p:nvPr>
-        </p:nvSpPr>
-        <p:spPr/>
-        <p:txBody>
-          <a:bodyPr/>
-          <a:lstStyle/>
-          <a:p>
-            <a:r>
-              <a:rPr lang="de-DE" dirty="0" err="1"/>
-              <a:t>ConfigMaps</a:t>
-            </a:r>
-            <a:r>
-              <a:rPr lang="de-DE" dirty="0"/>
-              <a:t> und </a:t>
-            </a:r>
-            <a:r>
-              <a:rPr lang="de-DE" dirty="0" err="1"/>
-              <a:t>Secrets</a:t>
-            </a:r>
-            <a:endParaRPr lang="de-DE" dirty="0"/>
-          </a:p>
-        </p:txBody>
-      </p:sp>
-      <p:sp>
-        <p:nvSpPr>
-          <p:cNvPr id="3" name="Inhaltsplatzhalter 2">
-            <a:extLst>
-              <a:ext uri="{FF2B5EF4-FFF2-40B4-BE49-F238E27FC236}">
-                <a16:creationId xmlns:a16="http://schemas.microsoft.com/office/drawing/2014/main" id="{0EEB0F87-B7B4-B946-A3AA-B4CFBE864340}"/>
-              </a:ext>
-            </a:extLst>
-          </p:cNvPr>
-          <p:cNvSpPr>
-            <a:spLocks noGrp="1"/>
-          </p:cNvSpPr>
-          <p:nvPr>
-            <p:ph idx="1"/>
-          </p:nvPr>
-        </p:nvSpPr>
-        <p:spPr/>
-        <p:txBody>
-          <a:bodyPr>
-            <a:normAutofit/>
-          </a:bodyPr>
-          <a:lstStyle/>
-          <a:p>
-            <a:r>
-              <a:rPr lang="de-DE" b="1" dirty="0" err="1"/>
-              <a:t>ConfigMaps</a:t>
-            </a:r>
-            <a:endParaRPr lang="de-DE" b="1" dirty="0"/>
-          </a:p>
-          <a:p>
-            <a:pPr marL="285750" indent="-285750">
-              <a:buFont typeface="Arial" panose="020B0604020202020204" pitchFamily="34" charset="0"/>
-              <a:buChar char="•"/>
-            </a:pPr>
-            <a:r>
-              <a:rPr lang="de-DE" dirty="0"/>
-              <a:t>„</a:t>
-            </a:r>
-            <a:r>
-              <a:rPr lang="de-DE" dirty="0" err="1"/>
-              <a:t>decouple</a:t>
-            </a:r>
-            <a:r>
-              <a:rPr lang="de-DE" dirty="0"/>
-              <a:t> environment-specific configuration from your </a:t>
-            </a:r>
-            <a:r>
-              <a:rPr lang="de-DE" dirty="0">
-                <a:hlinkClick r:id="rId3"/>
-              </a:rPr>
-              <a:t>container images</a:t>
-            </a:r>
-            <a:r>
-              <a:rPr lang="de-DE" dirty="0"/>
-              <a:t>“</a:t>
-            </a:r>
-          </a:p>
-          <a:p>
-            <a:pPr marL="285750" indent="-285750">
-              <a:buFont typeface="Arial" panose="020B0604020202020204" pitchFamily="34" charset="0"/>
-              <a:buChar char="•"/>
-            </a:pPr>
-            <a:r>
-              <a:rPr lang="de-DE" dirty="0"/>
-              <a:t>Key-Value-Paare</a:t>
-            </a:r>
-          </a:p>
-          <a:p>
-            <a:pPr marL="285750" indent="-285750">
-              <a:buFont typeface="Arial" panose="020B0604020202020204" pitchFamily="34" charset="0"/>
-              <a:buChar char="•"/>
-            </a:pPr>
-            <a:r>
-              <a:rPr lang="de-DE" dirty="0"/>
-              <a:t>Umgebungsvariablen, CLI-Argumente, Konfigurationsdateien</a:t>
-            </a:r>
-          </a:p>
-          <a:p>
-            <a:r>
-              <a:rPr lang="de-DE" b="1" dirty="0" err="1"/>
-              <a:t>Secrets</a:t>
-            </a:r>
-            <a:endParaRPr lang="de-DE" b="1" dirty="0"/>
-          </a:p>
-          <a:p>
-            <a:pPr marL="285750" indent="-285750">
-              <a:buFont typeface="Arial" panose="020B0604020202020204" pitchFamily="34" charset="0"/>
-              <a:buChar char="•"/>
-            </a:pPr>
-            <a:r>
-              <a:rPr lang="de-DE" dirty="0"/>
-              <a:t>„store and manage sensitive </a:t>
-            </a:r>
-            <a:r>
-              <a:rPr lang="de-DE" dirty="0" err="1"/>
-              <a:t>information</a:t>
-            </a:r>
-            <a:r>
-              <a:rPr lang="de-DE" dirty="0"/>
-              <a:t>“</a:t>
-            </a:r>
-          </a:p>
-          <a:p>
-            <a:pPr marL="285750" indent="-285750">
-              <a:buFont typeface="Arial" panose="020B0604020202020204" pitchFamily="34" charset="0"/>
-              <a:buChar char="•"/>
-            </a:pPr>
-            <a:r>
-              <a:rPr lang="de-DE" dirty="0"/>
-              <a:t>Key-Value-Paare (Value: base64-encoded)</a:t>
-            </a:r>
-          </a:p>
-          <a:p>
-            <a:pPr marL="285750" indent="-285750">
-              <a:buFont typeface="Arial" panose="020B0604020202020204" pitchFamily="34" charset="0"/>
-              <a:buChar char="•"/>
-            </a:pPr>
-            <a:r>
-              <a:rPr lang="de-DE" dirty="0"/>
-              <a:t>Passwörter, </a:t>
-            </a:r>
-            <a:r>
-              <a:rPr lang="de-DE" dirty="0" err="1"/>
-              <a:t>Oauth</a:t>
-            </a:r>
-            <a:r>
-              <a:rPr lang="de-DE" dirty="0"/>
-              <a:t>-Tokens, SSH-Keys</a:t>
-            </a:r>
-          </a:p>
-          <a:p>
-            <a:pPr marL="285750" indent="-285750">
-              <a:buFont typeface="Arial" panose="020B0604020202020204" pitchFamily="34" charset="0"/>
-              <a:buChar char="•"/>
-            </a:pPr>
-            <a:endParaRPr lang="de-DE" dirty="0"/>
-          </a:p>
-          <a:p>
-            <a:endParaRPr lang="de-DE" dirty="0"/>
-          </a:p>
-        </p:txBody>
-      </p:sp>
-      <p:pic>
-        <p:nvPicPr>
-          <p:cNvPr id="5" name="Grafik 4">
-            <a:extLst>
-              <a:ext uri="{FF2B5EF4-FFF2-40B4-BE49-F238E27FC236}">
-                <a16:creationId xmlns:a16="http://schemas.microsoft.com/office/drawing/2014/main" id="{988C64FA-94CE-4610-A608-E3C1439794C4}"/>
-              </a:ext>
-            </a:extLst>
-          </p:cNvPr>
-          <p:cNvPicPr>
-            <a:picLocks noChangeAspect="1"/>
-          </p:cNvPicPr>
-          <p:nvPr/>
-        </p:nvPicPr>
-        <p:blipFill rotWithShape="1">
-          <a:blip r:embed="rId4">
-            <a:extLst>
-              <a:ext uri="{28A0092B-C50C-407E-A947-70E740481C1C}">
-                <a14:useLocalDpi xmlns:a14="http://schemas.microsoft.com/office/drawing/2010/main" val="0"/>
-              </a:ext>
-            </a:extLst>
-          </a:blip>
-          <a:srcRect r="41459"/>
-          <a:stretch/>
-        </p:blipFill>
-        <p:spPr>
-          <a:xfrm>
-            <a:off x="179390" y="1780729"/>
-            <a:ext cx="2464954" cy="3610479"/>
-          </a:xfrm>
-          <a:prstGeom prst="rect">
-            <a:avLst/>
-          </a:prstGeom>
-        </p:spPr>
-      </p:pic>
-    </p:spTree>
-    <p:extLst>
-      <p:ext uri="{BB962C8B-B14F-4D97-AF65-F5344CB8AC3E}">
-        <p14:creationId xmlns:p14="http://schemas.microsoft.com/office/powerpoint/2010/main" val="3116183614"/>
-      </p:ext>
-    </p:extLst>
-  </p:cSld>
-  <p:clrMapOvr>
-    <a:masterClrMapping/>
-  </p:clrMapOvr>
-</p:sld>
-</file>
-
 <file path=ppt/slides/slide9.xml><?xml version="1.0" encoding="utf-8"?>
 <p:sld xmlns:a="http://schemas.openxmlformats.org/drawingml/2006/main" xmlns:r="http://schemas.openxmlformats.org/officeDocument/2006/relationships" xmlns:p="http://schemas.openxmlformats.org/presentationml/2006/main">
   <p:cSld>
@@ -9584,10 +9687,10 @@
       </p:grpSpPr>
       <p:sp>
         <p:nvSpPr>
-          <p:cNvPr id="2" name="Titel 1">
+          <p:cNvPr id="3" name="Titel 2">
             <a:extLst>
               <a:ext uri="{FF2B5EF4-FFF2-40B4-BE49-F238E27FC236}">
-                <a16:creationId xmlns:a16="http://schemas.microsoft.com/office/drawing/2014/main" id="{63E74088-BB91-574B-9695-A0121785026E}"/>
+                <a16:creationId xmlns:a16="http://schemas.microsoft.com/office/drawing/2014/main" id="{087F43E8-4C31-4A76-8542-C36B59914730}"/>
               </a:ext>
             </a:extLst>
           </p:cNvPr>
@@ -9604,19 +9707,18 @@
           <a:lstStyle/>
           <a:p>
             <a:r>
-              <a:rPr lang="de-DE" dirty="0" err="1"/>
-              <a:t>Misc</a:t>
-            </a:r>
-            <a:endParaRPr lang="de-DE" dirty="0"/>
+              <a:rPr lang="de-DE" dirty="0"/>
+              <a:t>Zusammenfassung</a:t>
+            </a:r>
           </a:p>
         </p:txBody>
       </p:sp>
       <p:sp>
         <p:nvSpPr>
-          <p:cNvPr id="3" name="Inhaltsplatzhalter 2">
+          <p:cNvPr id="4" name="Inhaltsplatzhalter 3">
             <a:extLst>
               <a:ext uri="{FF2B5EF4-FFF2-40B4-BE49-F238E27FC236}">
-                <a16:creationId xmlns:a16="http://schemas.microsoft.com/office/drawing/2014/main" id="{0EEB0F87-B7B4-B946-A3AA-B4CFBE864340}"/>
+                <a16:creationId xmlns:a16="http://schemas.microsoft.com/office/drawing/2014/main" id="{BCD6F537-4122-45A0-B4D8-37DDA00DDECC}"/>
               </a:ext>
             </a:extLst>
           </p:cNvPr>
@@ -9629,141 +9731,44 @@
         </p:nvSpPr>
         <p:spPr/>
         <p:txBody>
-          <a:bodyPr>
-            <a:normAutofit fontScale="92500" lnSpcReduction="20000"/>
-          </a:bodyPr>
+          <a:bodyPr/>
           <a:lstStyle/>
           <a:p>
-            <a:r>
-              <a:rPr lang="de-DE" b="1" dirty="0"/>
-              <a:t>Materialien zum Talk</a:t>
-            </a:r>
-          </a:p>
-          <a:p>
-            <a:r>
-              <a:rPr lang="de-DE" dirty="0">
-                <a:hlinkClick r:id="rId3"/>
-              </a:rPr>
-              <a:t>https://github.com/grothesk/deeptalk</a:t>
-            </a:r>
-            <a:endParaRPr lang="de-DE" dirty="0"/>
-          </a:p>
-          <a:p>
-            <a:endParaRPr lang="de-DE" dirty="0"/>
-          </a:p>
-          <a:p>
-            <a:r>
-              <a:rPr lang="de-DE" b="1" dirty="0"/>
-              <a:t>Weiterführendes</a:t>
-            </a:r>
-          </a:p>
-          <a:p>
-            <a:r>
-              <a:rPr lang="de-DE" dirty="0" err="1"/>
-              <a:t>Postgres</a:t>
-            </a:r>
+            <a:pPr marL="285750" indent="-285750">
+              <a:buFont typeface="Arial" panose="020B0604020202020204" pitchFamily="34" charset="0"/>
+              <a:buChar char="•"/>
+            </a:pPr>
             <a:r>
               <a:rPr lang="de-DE" dirty="0"/>
-              <a:t> </a:t>
-            </a:r>
-            <a:r>
-              <a:rPr lang="de-DE" dirty="0">
-                <a:sym typeface="Wingdings" pitchFamily="2" charset="2"/>
-              </a:rPr>
-              <a:t> </a:t>
-            </a:r>
-            <a:r>
-              <a:rPr lang="de-DE" dirty="0">
-                <a:hlinkClick r:id="rId4"/>
-              </a:rPr>
-              <a:t>https://www.postgresql.org/</a:t>
-            </a:r>
+              <a:t>Best Practices Secrets:</a:t>
+            </a:r>
+          </a:p>
+          <a:p>
+            <a:pPr marL="552450" lvl="1" indent="-285750">
+              <a:buFont typeface="Arial" panose="020B0604020202020204" pitchFamily="34" charset="0"/>
+              <a:buChar char="•"/>
+            </a:pPr>
             <a:r>
               <a:rPr lang="de-DE" dirty="0"/>
-              <a:t> </a:t>
-            </a:r>
-          </a:p>
-          <a:p>
-            <a:r>
-              <a:rPr lang="de-DE" dirty="0" err="1"/>
-              <a:t>Grafana</a:t>
-            </a:r>
+              <a:t>Zugriff auf Secrets einschränken</a:t>
+            </a:r>
+          </a:p>
+          <a:p>
+            <a:pPr marL="552450" lvl="1" indent="-285750">
+              <a:buFont typeface="Arial" panose="020B0604020202020204" pitchFamily="34" charset="0"/>
+              <a:buChar char="•"/>
+            </a:pPr>
             <a:r>
               <a:rPr lang="de-DE" dirty="0"/>
-              <a:t> </a:t>
-            </a:r>
-            <a:r>
-              <a:rPr lang="de-DE" dirty="0">
-                <a:sym typeface="Wingdings" pitchFamily="2" charset="2"/>
-              </a:rPr>
-              <a:t> </a:t>
-            </a:r>
-            <a:r>
-              <a:rPr lang="de-DE" dirty="0">
-                <a:sym typeface="Wingdings" pitchFamily="2" charset="2"/>
-                <a:hlinkClick r:id="rId5"/>
-              </a:rPr>
-              <a:t>https://grafana.com/</a:t>
-            </a:r>
-            <a:r>
-              <a:rPr lang="de-DE" dirty="0">
-                <a:sym typeface="Wingdings" pitchFamily="2" charset="2"/>
-              </a:rPr>
-              <a:t> </a:t>
-            </a:r>
-            <a:endParaRPr lang="de-DE" dirty="0"/>
-          </a:p>
-          <a:p>
-            <a:endParaRPr lang="de-DE" dirty="0"/>
-          </a:p>
-          <a:p>
-            <a:r>
-              <a:rPr lang="de-DE" b="1" dirty="0"/>
-              <a:t>Feedback , Anregungen, Themenvorschläge</a:t>
-            </a:r>
-          </a:p>
-          <a:p>
-            <a:r>
-              <a:rPr lang="de-DE" dirty="0">
-                <a:hlinkClick r:id="rId6"/>
-              </a:rPr>
-              <a:t>florian.boldt@deepshore.de</a:t>
-            </a:r>
-            <a:endParaRPr lang="de-DE" dirty="0"/>
-          </a:p>
-          <a:p>
-            <a:r>
-              <a:rPr lang="de-DE" dirty="0">
-                <a:hlinkClick r:id="rId7"/>
-              </a:rPr>
-              <a:t>malte.groth@deepshore.de</a:t>
-            </a:r>
-            <a:endParaRPr lang="de-DE" dirty="0"/>
-          </a:p>
-          <a:p>
-            <a:r>
-              <a:rPr lang="de-DE" dirty="0">
-                <a:hlinkClick r:id="rId8"/>
-              </a:rPr>
-              <a:t>frederic.born@deepshore.de</a:t>
-            </a:r>
-            <a:endParaRPr lang="de-DE" dirty="0"/>
-          </a:p>
-          <a:p>
-            <a:endParaRPr lang="de-DE" dirty="0"/>
-          </a:p>
-          <a:p>
-            <a:endParaRPr lang="de-DE" dirty="0"/>
-          </a:p>
-          <a:p>
-            <a:endParaRPr lang="de-DE" dirty="0"/>
+              <a:t>Keine Manifeste verwenden / speichern</a:t>
+            </a:r>
           </a:p>
         </p:txBody>
       </p:sp>
     </p:spTree>
     <p:extLst>
       <p:ext uri="{BB962C8B-B14F-4D97-AF65-F5344CB8AC3E}">
-        <p14:creationId xmlns:p14="http://schemas.microsoft.com/office/powerpoint/2010/main" val="1579135088"/>
+        <p14:creationId xmlns:p14="http://schemas.microsoft.com/office/powerpoint/2010/main" val="1683466741"/>
       </p:ext>
     </p:extLst>
   </p:cSld>

--- a/04-configmaps-und-secrets/deeptalk-04-fb.pptx
+++ b/04-configmaps-und-secrets/deeptalk-04-fb.pptx
@@ -5,47 +5,57 @@
     <p:sldMasterId id="2147483648" r:id="rId1"/>
   </p:sldMasterIdLst>
   <p:notesMasterIdLst>
-    <p:notesMasterId r:id="rId13"/>
+    <p:notesMasterId r:id="rId23"/>
   </p:notesMasterIdLst>
   <p:handoutMasterIdLst>
-    <p:handoutMasterId r:id="rId14"/>
+    <p:handoutMasterId r:id="rId24"/>
   </p:handoutMasterIdLst>
   <p:sldIdLst>
     <p:sldId id="471" r:id="rId2"/>
     <p:sldId id="496" r:id="rId3"/>
-    <p:sldId id="529" r:id="rId4"/>
-    <p:sldId id="527" r:id="rId5"/>
-    <p:sldId id="534" r:id="rId6"/>
-    <p:sldId id="528" r:id="rId7"/>
-    <p:sldId id="532" r:id="rId8"/>
-    <p:sldId id="533" r:id="rId9"/>
-    <p:sldId id="535" r:id="rId10"/>
-    <p:sldId id="499" r:id="rId11"/>
-    <p:sldId id="495" r:id="rId12"/>
+    <p:sldId id="497" r:id="rId4"/>
+    <p:sldId id="534" r:id="rId5"/>
+    <p:sldId id="529" r:id="rId6"/>
+    <p:sldId id="527" r:id="rId7"/>
+    <p:sldId id="528" r:id="rId8"/>
+    <p:sldId id="532" r:id="rId9"/>
+    <p:sldId id="533" r:id="rId10"/>
+    <p:sldId id="531" r:id="rId11"/>
+    <p:sldId id="536" r:id="rId12"/>
+    <p:sldId id="537" r:id="rId13"/>
+    <p:sldId id="538" r:id="rId14"/>
+    <p:sldId id="539" r:id="rId15"/>
+    <p:sldId id="540" r:id="rId16"/>
+    <p:sldId id="541" r:id="rId17"/>
+    <p:sldId id="530" r:id="rId18"/>
+    <p:sldId id="509" r:id="rId19"/>
+    <p:sldId id="499" r:id="rId20"/>
+    <p:sldId id="508" r:id="rId21"/>
+    <p:sldId id="495" r:id="rId22"/>
   </p:sldIdLst>
   <p:sldSz cx="9144000" cy="5715000" type="screen16x10"/>
   <p:notesSz cx="7099300" cy="10234613"/>
   <p:embeddedFontLst>
     <p:embeddedFont>
       <p:font typeface="Calibri" panose="020F0502020204030204" pitchFamily="34" charset="0"/>
-      <p:regular r:id="rId15"/>
-      <p:bold r:id="rId15"/>
-      <p:italic r:id="rId15"/>
-      <p:boldItalic r:id="rId15"/>
+      <p:regular r:id="rId25"/>
+      <p:bold r:id="rId25"/>
+      <p:italic r:id="rId25"/>
+      <p:boldItalic r:id="rId25"/>
     </p:embeddedFont>
     <p:embeddedFont>
       <p:font typeface="Helvetica" panose="020B0604020202020204" pitchFamily="34" charset="0"/>
-      <p:regular r:id="rId15"/>
-      <p:bold r:id="rId15"/>
-      <p:italic r:id="rId15"/>
-      <p:boldItalic r:id="rId15"/>
+      <p:regular r:id="rId25"/>
+      <p:bold r:id="rId25"/>
+      <p:italic r:id="rId25"/>
+      <p:boldItalic r:id="rId25"/>
     </p:embeddedFont>
     <p:embeddedFont>
       <p:font typeface="Verdana" panose="020B0604030504040204" pitchFamily="34" charset="0"/>
-      <p:regular r:id="rId15"/>
-      <p:bold r:id="rId15"/>
-      <p:italic r:id="rId15"/>
-      <p:boldItalic r:id="rId15"/>
+      <p:regular r:id="rId25"/>
+      <p:bold r:id="rId25"/>
+      <p:italic r:id="rId25"/>
+      <p:boldItalic r:id="rId25"/>
     </p:embeddedFont>
   </p:embeddedFontLst>
   <p:defaultTextStyle>
@@ -1025,6 +1035,552 @@
 </p:notes>
 </file>
 
+<file path=ppt/notesSlides/notesSlide10.xml><?xml version="1.0" encoding="utf-8"?>
+<p:notes xmlns:a="http://schemas.openxmlformats.org/drawingml/2006/main" xmlns:r="http://schemas.openxmlformats.org/officeDocument/2006/relationships" xmlns:p="http://schemas.openxmlformats.org/presentationml/2006/main">
+  <p:cSld>
+    <p:spTree>
+      <p:nvGrpSpPr>
+        <p:cNvPr id="1" name=""/>
+        <p:cNvGrpSpPr/>
+        <p:nvPr/>
+      </p:nvGrpSpPr>
+      <p:grpSpPr>
+        <a:xfrm>
+          <a:off x="0" y="0"/>
+          <a:ext cx="0" cy="0"/>
+          <a:chOff x="0" y="0"/>
+          <a:chExt cx="0" cy="0"/>
+        </a:xfrm>
+      </p:grpSpPr>
+      <p:sp>
+        <p:nvSpPr>
+          <p:cNvPr id="2" name="Folienbildplatzhalter 1"/>
+          <p:cNvSpPr>
+            <a:spLocks noGrp="1" noRot="1" noChangeAspect="1"/>
+          </p:cNvSpPr>
+          <p:nvPr>
+            <p:ph type="sldImg"/>
+          </p:nvPr>
+        </p:nvSpPr>
+        <p:spPr/>
+      </p:sp>
+      <p:sp>
+        <p:nvSpPr>
+          <p:cNvPr id="3" name="Notizenplatzhalter 2"/>
+          <p:cNvSpPr>
+            <a:spLocks noGrp="1"/>
+          </p:cNvSpPr>
+          <p:nvPr>
+            <p:ph type="body" idx="1"/>
+          </p:nvPr>
+        </p:nvSpPr>
+        <p:spPr/>
+        <p:txBody>
+          <a:bodyPr/>
+          <a:lstStyle/>
+          <a:p>
+            <a:endParaRPr lang="de-DE" dirty="0"/>
+          </a:p>
+        </p:txBody>
+      </p:sp>
+      <p:sp>
+        <p:nvSpPr>
+          <p:cNvPr id="4" name="Foliennummernplatzhalter 3"/>
+          <p:cNvSpPr>
+            <a:spLocks noGrp="1"/>
+          </p:cNvSpPr>
+          <p:nvPr>
+            <p:ph type="sldNum" sz="quarter" idx="5"/>
+          </p:nvPr>
+        </p:nvSpPr>
+        <p:spPr/>
+        <p:txBody>
+          <a:bodyPr/>
+          <a:lstStyle/>
+          <a:p>
+            <a:pPr>
+              <a:defRPr/>
+            </a:pPr>
+            <a:fld id="{4D8C3D32-0CEC-4E75-98FF-2FBD233904A7}" type="slidenum">
+              <a:rPr lang="de-DE" smtClean="0"/>
+              <a:pPr>
+                <a:defRPr/>
+              </a:pPr>
+              <a:t>14</a:t>
+            </a:fld>
+            <a:endParaRPr lang="de-DE"/>
+          </a:p>
+        </p:txBody>
+      </p:sp>
+    </p:spTree>
+    <p:extLst>
+      <p:ext uri="{BB962C8B-B14F-4D97-AF65-F5344CB8AC3E}">
+        <p14:creationId xmlns:p14="http://schemas.microsoft.com/office/powerpoint/2010/main" val="1677379968"/>
+      </p:ext>
+    </p:extLst>
+  </p:cSld>
+  <p:clrMapOvr>
+    <a:masterClrMapping/>
+  </p:clrMapOvr>
+</p:notes>
+</file>
+
+<file path=ppt/notesSlides/notesSlide11.xml><?xml version="1.0" encoding="utf-8"?>
+<p:notes xmlns:a="http://schemas.openxmlformats.org/drawingml/2006/main" xmlns:r="http://schemas.openxmlformats.org/officeDocument/2006/relationships" xmlns:p="http://schemas.openxmlformats.org/presentationml/2006/main">
+  <p:cSld>
+    <p:spTree>
+      <p:nvGrpSpPr>
+        <p:cNvPr id="1" name=""/>
+        <p:cNvGrpSpPr/>
+        <p:nvPr/>
+      </p:nvGrpSpPr>
+      <p:grpSpPr>
+        <a:xfrm>
+          <a:off x="0" y="0"/>
+          <a:ext cx="0" cy="0"/>
+          <a:chOff x="0" y="0"/>
+          <a:chExt cx="0" cy="0"/>
+        </a:xfrm>
+      </p:grpSpPr>
+      <p:sp>
+        <p:nvSpPr>
+          <p:cNvPr id="2" name="Folienbildplatzhalter 1"/>
+          <p:cNvSpPr>
+            <a:spLocks noGrp="1" noRot="1" noChangeAspect="1"/>
+          </p:cNvSpPr>
+          <p:nvPr>
+            <p:ph type="sldImg"/>
+          </p:nvPr>
+        </p:nvSpPr>
+        <p:spPr/>
+      </p:sp>
+      <p:sp>
+        <p:nvSpPr>
+          <p:cNvPr id="3" name="Notizenplatzhalter 2"/>
+          <p:cNvSpPr>
+            <a:spLocks noGrp="1"/>
+          </p:cNvSpPr>
+          <p:nvPr>
+            <p:ph type="body" idx="1"/>
+          </p:nvPr>
+        </p:nvSpPr>
+        <p:spPr/>
+        <p:txBody>
+          <a:bodyPr/>
+          <a:lstStyle/>
+          <a:p>
+            <a:endParaRPr lang="de-DE" dirty="0"/>
+          </a:p>
+        </p:txBody>
+      </p:sp>
+      <p:sp>
+        <p:nvSpPr>
+          <p:cNvPr id="4" name="Foliennummernplatzhalter 3"/>
+          <p:cNvSpPr>
+            <a:spLocks noGrp="1"/>
+          </p:cNvSpPr>
+          <p:nvPr>
+            <p:ph type="sldNum" sz="quarter" idx="5"/>
+          </p:nvPr>
+        </p:nvSpPr>
+        <p:spPr/>
+        <p:txBody>
+          <a:bodyPr/>
+          <a:lstStyle/>
+          <a:p>
+            <a:pPr>
+              <a:defRPr/>
+            </a:pPr>
+            <a:fld id="{4D8C3D32-0CEC-4E75-98FF-2FBD233904A7}" type="slidenum">
+              <a:rPr lang="de-DE" smtClean="0"/>
+              <a:pPr>
+                <a:defRPr/>
+              </a:pPr>
+              <a:t>15</a:t>
+            </a:fld>
+            <a:endParaRPr lang="de-DE"/>
+          </a:p>
+        </p:txBody>
+      </p:sp>
+    </p:spTree>
+    <p:extLst>
+      <p:ext uri="{BB962C8B-B14F-4D97-AF65-F5344CB8AC3E}">
+        <p14:creationId xmlns:p14="http://schemas.microsoft.com/office/powerpoint/2010/main" val="4110080689"/>
+      </p:ext>
+    </p:extLst>
+  </p:cSld>
+  <p:clrMapOvr>
+    <a:masterClrMapping/>
+  </p:clrMapOvr>
+</p:notes>
+</file>
+
+<file path=ppt/notesSlides/notesSlide12.xml><?xml version="1.0" encoding="utf-8"?>
+<p:notes xmlns:a="http://schemas.openxmlformats.org/drawingml/2006/main" xmlns:r="http://schemas.openxmlformats.org/officeDocument/2006/relationships" xmlns:p="http://schemas.openxmlformats.org/presentationml/2006/main">
+  <p:cSld>
+    <p:spTree>
+      <p:nvGrpSpPr>
+        <p:cNvPr id="1" name=""/>
+        <p:cNvGrpSpPr/>
+        <p:nvPr/>
+      </p:nvGrpSpPr>
+      <p:grpSpPr>
+        <a:xfrm>
+          <a:off x="0" y="0"/>
+          <a:ext cx="0" cy="0"/>
+          <a:chOff x="0" y="0"/>
+          <a:chExt cx="0" cy="0"/>
+        </a:xfrm>
+      </p:grpSpPr>
+      <p:sp>
+        <p:nvSpPr>
+          <p:cNvPr id="2" name="Folienbildplatzhalter 1"/>
+          <p:cNvSpPr>
+            <a:spLocks noGrp="1" noRot="1" noChangeAspect="1"/>
+          </p:cNvSpPr>
+          <p:nvPr>
+            <p:ph type="sldImg"/>
+          </p:nvPr>
+        </p:nvSpPr>
+        <p:spPr/>
+      </p:sp>
+      <p:sp>
+        <p:nvSpPr>
+          <p:cNvPr id="3" name="Notizenplatzhalter 2"/>
+          <p:cNvSpPr>
+            <a:spLocks noGrp="1"/>
+          </p:cNvSpPr>
+          <p:nvPr>
+            <p:ph type="body" idx="1"/>
+          </p:nvPr>
+        </p:nvSpPr>
+        <p:spPr/>
+        <p:txBody>
+          <a:bodyPr/>
+          <a:lstStyle/>
+          <a:p>
+            <a:endParaRPr lang="de-DE" dirty="0"/>
+          </a:p>
+        </p:txBody>
+      </p:sp>
+      <p:sp>
+        <p:nvSpPr>
+          <p:cNvPr id="4" name="Foliennummernplatzhalter 3"/>
+          <p:cNvSpPr>
+            <a:spLocks noGrp="1"/>
+          </p:cNvSpPr>
+          <p:nvPr>
+            <p:ph type="sldNum" sz="quarter" idx="5"/>
+          </p:nvPr>
+        </p:nvSpPr>
+        <p:spPr/>
+        <p:txBody>
+          <a:bodyPr/>
+          <a:lstStyle/>
+          <a:p>
+            <a:pPr>
+              <a:defRPr/>
+            </a:pPr>
+            <a:fld id="{4D8C3D32-0CEC-4E75-98FF-2FBD233904A7}" type="slidenum">
+              <a:rPr lang="de-DE" smtClean="0"/>
+              <a:pPr>
+                <a:defRPr/>
+              </a:pPr>
+              <a:t>16</a:t>
+            </a:fld>
+            <a:endParaRPr lang="de-DE"/>
+          </a:p>
+        </p:txBody>
+      </p:sp>
+    </p:spTree>
+    <p:extLst>
+      <p:ext uri="{BB962C8B-B14F-4D97-AF65-F5344CB8AC3E}">
+        <p14:creationId xmlns:p14="http://schemas.microsoft.com/office/powerpoint/2010/main" val="478657989"/>
+      </p:ext>
+    </p:extLst>
+  </p:cSld>
+  <p:clrMapOvr>
+    <a:masterClrMapping/>
+  </p:clrMapOvr>
+</p:notes>
+</file>
+
+<file path=ppt/notesSlides/notesSlide13.xml><?xml version="1.0" encoding="utf-8"?>
+<p:notes xmlns:a="http://schemas.openxmlformats.org/drawingml/2006/main" xmlns:r="http://schemas.openxmlformats.org/officeDocument/2006/relationships" xmlns:p="http://schemas.openxmlformats.org/presentationml/2006/main">
+  <p:cSld>
+    <p:spTree>
+      <p:nvGrpSpPr>
+        <p:cNvPr id="1" name=""/>
+        <p:cNvGrpSpPr/>
+        <p:nvPr/>
+      </p:nvGrpSpPr>
+      <p:grpSpPr>
+        <a:xfrm>
+          <a:off x="0" y="0"/>
+          <a:ext cx="0" cy="0"/>
+          <a:chOff x="0" y="0"/>
+          <a:chExt cx="0" cy="0"/>
+        </a:xfrm>
+      </p:grpSpPr>
+      <p:sp>
+        <p:nvSpPr>
+          <p:cNvPr id="2" name="Folienbildplatzhalter 1"/>
+          <p:cNvSpPr>
+            <a:spLocks noGrp="1" noRot="1" noChangeAspect="1"/>
+          </p:cNvSpPr>
+          <p:nvPr>
+            <p:ph type="sldImg"/>
+          </p:nvPr>
+        </p:nvSpPr>
+        <p:spPr/>
+      </p:sp>
+      <p:sp>
+        <p:nvSpPr>
+          <p:cNvPr id="3" name="Notizenplatzhalter 2"/>
+          <p:cNvSpPr>
+            <a:spLocks noGrp="1"/>
+          </p:cNvSpPr>
+          <p:nvPr>
+            <p:ph type="body" idx="1"/>
+          </p:nvPr>
+        </p:nvSpPr>
+        <p:spPr/>
+        <p:txBody>
+          <a:bodyPr/>
+          <a:lstStyle/>
+          <a:p>
+            <a:endParaRPr lang="de-DE" dirty="0"/>
+          </a:p>
+        </p:txBody>
+      </p:sp>
+      <p:sp>
+        <p:nvSpPr>
+          <p:cNvPr id="4" name="Foliennummernplatzhalter 3"/>
+          <p:cNvSpPr>
+            <a:spLocks noGrp="1"/>
+          </p:cNvSpPr>
+          <p:nvPr>
+            <p:ph type="sldNum" sz="quarter" idx="5"/>
+          </p:nvPr>
+        </p:nvSpPr>
+        <p:spPr/>
+        <p:txBody>
+          <a:bodyPr/>
+          <a:lstStyle/>
+          <a:p>
+            <a:pPr>
+              <a:defRPr/>
+            </a:pPr>
+            <a:fld id="{4D8C3D32-0CEC-4E75-98FF-2FBD233904A7}" type="slidenum">
+              <a:rPr lang="de-DE" smtClean="0"/>
+              <a:pPr>
+                <a:defRPr/>
+              </a:pPr>
+              <a:t>17</a:t>
+            </a:fld>
+            <a:endParaRPr lang="de-DE"/>
+          </a:p>
+        </p:txBody>
+      </p:sp>
+    </p:spTree>
+    <p:extLst>
+      <p:ext uri="{BB962C8B-B14F-4D97-AF65-F5344CB8AC3E}">
+        <p14:creationId xmlns:p14="http://schemas.microsoft.com/office/powerpoint/2010/main" val="1988012244"/>
+      </p:ext>
+    </p:extLst>
+  </p:cSld>
+  <p:clrMapOvr>
+    <a:masterClrMapping/>
+  </p:clrMapOvr>
+</p:notes>
+</file>
+
+<file path=ppt/notesSlides/notesSlide14.xml><?xml version="1.0" encoding="utf-8"?>
+<p:notes xmlns:a="http://schemas.openxmlformats.org/drawingml/2006/main" xmlns:r="http://schemas.openxmlformats.org/officeDocument/2006/relationships" xmlns:p="http://schemas.openxmlformats.org/presentationml/2006/main">
+  <p:cSld>
+    <p:spTree>
+      <p:nvGrpSpPr>
+        <p:cNvPr id="1" name=""/>
+        <p:cNvGrpSpPr/>
+        <p:nvPr/>
+      </p:nvGrpSpPr>
+      <p:grpSpPr>
+        <a:xfrm>
+          <a:off x="0" y="0"/>
+          <a:ext cx="0" cy="0"/>
+          <a:chOff x="0" y="0"/>
+          <a:chExt cx="0" cy="0"/>
+        </a:xfrm>
+      </p:grpSpPr>
+      <p:sp>
+        <p:nvSpPr>
+          <p:cNvPr id="2" name="Folienbildplatzhalter 1"/>
+          <p:cNvSpPr>
+            <a:spLocks noGrp="1" noRot="1" noChangeAspect="1"/>
+          </p:cNvSpPr>
+          <p:nvPr>
+            <p:ph type="sldImg"/>
+          </p:nvPr>
+        </p:nvSpPr>
+        <p:spPr/>
+      </p:sp>
+      <p:sp>
+        <p:nvSpPr>
+          <p:cNvPr id="3" name="Notizenplatzhalter 2"/>
+          <p:cNvSpPr>
+            <a:spLocks noGrp="1"/>
+          </p:cNvSpPr>
+          <p:nvPr>
+            <p:ph type="body" idx="1"/>
+          </p:nvPr>
+        </p:nvSpPr>
+        <p:spPr/>
+        <p:txBody>
+          <a:bodyPr/>
+          <a:lstStyle/>
+          <a:p>
+            <a:endParaRPr lang="de-DE" dirty="0"/>
+          </a:p>
+        </p:txBody>
+      </p:sp>
+      <p:sp>
+        <p:nvSpPr>
+          <p:cNvPr id="4" name="Foliennummernplatzhalter 3"/>
+          <p:cNvSpPr>
+            <a:spLocks noGrp="1"/>
+          </p:cNvSpPr>
+          <p:nvPr>
+            <p:ph type="sldNum" sz="quarter" idx="5"/>
+          </p:nvPr>
+        </p:nvSpPr>
+        <p:spPr/>
+        <p:txBody>
+          <a:bodyPr/>
+          <a:lstStyle/>
+          <a:p>
+            <a:pPr>
+              <a:defRPr/>
+            </a:pPr>
+            <a:fld id="{4D8C3D32-0CEC-4E75-98FF-2FBD233904A7}" type="slidenum">
+              <a:rPr lang="de-DE" smtClean="0"/>
+              <a:pPr>
+                <a:defRPr/>
+              </a:pPr>
+              <a:t>18</a:t>
+            </a:fld>
+            <a:endParaRPr lang="de-DE"/>
+          </a:p>
+        </p:txBody>
+      </p:sp>
+    </p:spTree>
+    <p:extLst>
+      <p:ext uri="{BB962C8B-B14F-4D97-AF65-F5344CB8AC3E}">
+        <p14:creationId xmlns:p14="http://schemas.microsoft.com/office/powerpoint/2010/main" val="1492651428"/>
+      </p:ext>
+    </p:extLst>
+  </p:cSld>
+  <p:clrMapOvr>
+    <a:masterClrMapping/>
+  </p:clrMapOvr>
+</p:notes>
+</file>
+
+<file path=ppt/notesSlides/notesSlide15.xml><?xml version="1.0" encoding="utf-8"?>
+<p:notes xmlns:a="http://schemas.openxmlformats.org/drawingml/2006/main" xmlns:r="http://schemas.openxmlformats.org/officeDocument/2006/relationships" xmlns:p="http://schemas.openxmlformats.org/presentationml/2006/main">
+  <p:cSld>
+    <p:spTree>
+      <p:nvGrpSpPr>
+        <p:cNvPr id="1" name=""/>
+        <p:cNvGrpSpPr/>
+        <p:nvPr/>
+      </p:nvGrpSpPr>
+      <p:grpSpPr>
+        <a:xfrm>
+          <a:off x="0" y="0"/>
+          <a:ext cx="0" cy="0"/>
+          <a:chOff x="0" y="0"/>
+          <a:chExt cx="0" cy="0"/>
+        </a:xfrm>
+      </p:grpSpPr>
+      <p:sp>
+        <p:nvSpPr>
+          <p:cNvPr id="2" name="Folienbildplatzhalter 1"/>
+          <p:cNvSpPr>
+            <a:spLocks noGrp="1" noRot="1" noChangeAspect="1"/>
+          </p:cNvSpPr>
+          <p:nvPr>
+            <p:ph type="sldImg"/>
+          </p:nvPr>
+        </p:nvSpPr>
+        <p:spPr/>
+      </p:sp>
+      <p:sp>
+        <p:nvSpPr>
+          <p:cNvPr id="3" name="Notizenplatzhalter 2"/>
+          <p:cNvSpPr>
+            <a:spLocks noGrp="1"/>
+          </p:cNvSpPr>
+          <p:nvPr>
+            <p:ph type="body" idx="1"/>
+          </p:nvPr>
+        </p:nvSpPr>
+        <p:spPr/>
+        <p:txBody>
+          <a:bodyPr/>
+          <a:lstStyle/>
+          <a:p>
+            <a:r>
+              <a:rPr lang="de-DE" dirty="0">
+                <a:hlinkClick r:id="rId3"/>
+              </a:rPr>
+              <a:t>https://www.docker.com/resources/what-container</a:t>
+            </a:r>
+            <a:endParaRPr lang="de-DE" dirty="0"/>
+          </a:p>
+        </p:txBody>
+      </p:sp>
+      <p:sp>
+        <p:nvSpPr>
+          <p:cNvPr id="4" name="Foliennummernplatzhalter 3"/>
+          <p:cNvSpPr>
+            <a:spLocks noGrp="1"/>
+          </p:cNvSpPr>
+          <p:nvPr>
+            <p:ph type="sldNum" sz="quarter" idx="5"/>
+          </p:nvPr>
+        </p:nvSpPr>
+        <p:spPr/>
+        <p:txBody>
+          <a:bodyPr/>
+          <a:lstStyle/>
+          <a:p>
+            <a:pPr>
+              <a:defRPr/>
+            </a:pPr>
+            <a:fld id="{4D8C3D32-0CEC-4E75-98FF-2FBD233904A7}" type="slidenum">
+              <a:rPr lang="de-DE" smtClean="0"/>
+              <a:pPr>
+                <a:defRPr/>
+              </a:pPr>
+              <a:t>19</a:t>
+            </a:fld>
+            <a:endParaRPr lang="de-DE"/>
+          </a:p>
+        </p:txBody>
+      </p:sp>
+    </p:spTree>
+    <p:extLst>
+      <p:ext uri="{BB962C8B-B14F-4D97-AF65-F5344CB8AC3E}">
+        <p14:creationId xmlns:p14="http://schemas.microsoft.com/office/powerpoint/2010/main" val="646348872"/>
+      </p:ext>
+    </p:extLst>
+  </p:cSld>
+  <p:clrMapOvr>
+    <a:masterClrMapping/>
+  </p:clrMapOvr>
+</p:notes>
+</file>
+
 <file path=ppt/notesSlides/notesSlide2.xml><?xml version="1.0" encoding="utf-8"?>
 <p:notes xmlns:a="http://schemas.openxmlformats.org/drawingml/2006/main" xmlns:r="http://schemas.openxmlformats.org/officeDocument/2006/relationships" xmlns:p="http://schemas.openxmlformats.org/presentationml/2006/main">
   <p:cSld>
@@ -1096,7 +1652,7 @@
               <a:pPr>
                 <a:defRPr/>
               </a:pPr>
-              <a:t>6</a:t>
+              <a:t>3</a:t>
             </a:fld>
             <a:endParaRPr lang="de-DE"/>
           </a:p>
@@ -1105,7 +1661,7 @@
     </p:spTree>
     <p:extLst>
       <p:ext uri="{BB962C8B-B14F-4D97-AF65-F5344CB8AC3E}">
-        <p14:creationId xmlns:p14="http://schemas.microsoft.com/office/powerpoint/2010/main" val="1903785835"/>
+        <p14:creationId xmlns:p14="http://schemas.microsoft.com/office/powerpoint/2010/main" val="3118081866"/>
       </p:ext>
     </p:extLst>
   </p:cSld>
@@ -1195,7 +1751,7 @@
     </p:spTree>
     <p:extLst>
       <p:ext uri="{BB962C8B-B14F-4D97-AF65-F5344CB8AC3E}">
-        <p14:creationId xmlns:p14="http://schemas.microsoft.com/office/powerpoint/2010/main" val="3147672055"/>
+        <p14:creationId xmlns:p14="http://schemas.microsoft.com/office/powerpoint/2010/main" val="1903785835"/>
       </p:ext>
     </p:extLst>
   </p:cSld>
@@ -1285,7 +1841,7 @@
     </p:spTree>
     <p:extLst>
       <p:ext uri="{BB962C8B-B14F-4D97-AF65-F5344CB8AC3E}">
-        <p14:creationId xmlns:p14="http://schemas.microsoft.com/office/powerpoint/2010/main" val="2679680571"/>
+        <p14:creationId xmlns:p14="http://schemas.microsoft.com/office/powerpoint/2010/main" val="3147672055"/>
       </p:ext>
     </p:extLst>
   </p:cSld>
@@ -1339,12 +1895,6 @@
           <a:bodyPr/>
           <a:lstStyle/>
           <a:p>
-            <a:r>
-              <a:rPr lang="de-DE" dirty="0">
-                <a:hlinkClick r:id="rId3"/>
-              </a:rPr>
-              <a:t>https://www.docker.com/resources/what-container</a:t>
-            </a:r>
             <a:endParaRPr lang="de-DE" dirty="0"/>
           </a:p>
         </p:txBody>
@@ -1372,7 +1922,7 @@
               <a:pPr>
                 <a:defRPr/>
               </a:pPr>
-              <a:t>10</a:t>
+              <a:t>9</a:t>
             </a:fld>
             <a:endParaRPr lang="de-DE"/>
           </a:p>
@@ -1381,7 +1931,367 @@
     </p:spTree>
     <p:extLst>
       <p:ext uri="{BB962C8B-B14F-4D97-AF65-F5344CB8AC3E}">
-        <p14:creationId xmlns:p14="http://schemas.microsoft.com/office/powerpoint/2010/main" val="646348872"/>
+        <p14:creationId xmlns:p14="http://schemas.microsoft.com/office/powerpoint/2010/main" val="2679680571"/>
+      </p:ext>
+    </p:extLst>
+  </p:cSld>
+  <p:clrMapOvr>
+    <a:masterClrMapping/>
+  </p:clrMapOvr>
+</p:notes>
+</file>
+
+<file path=ppt/notesSlides/notesSlide6.xml><?xml version="1.0" encoding="utf-8"?>
+<p:notes xmlns:a="http://schemas.openxmlformats.org/drawingml/2006/main" xmlns:r="http://schemas.openxmlformats.org/officeDocument/2006/relationships" xmlns:p="http://schemas.openxmlformats.org/presentationml/2006/main">
+  <p:cSld>
+    <p:spTree>
+      <p:nvGrpSpPr>
+        <p:cNvPr id="1" name=""/>
+        <p:cNvGrpSpPr/>
+        <p:nvPr/>
+      </p:nvGrpSpPr>
+      <p:grpSpPr>
+        <a:xfrm>
+          <a:off x="0" y="0"/>
+          <a:ext cx="0" cy="0"/>
+          <a:chOff x="0" y="0"/>
+          <a:chExt cx="0" cy="0"/>
+        </a:xfrm>
+      </p:grpSpPr>
+      <p:sp>
+        <p:nvSpPr>
+          <p:cNvPr id="2" name="Folienbildplatzhalter 1"/>
+          <p:cNvSpPr>
+            <a:spLocks noGrp="1" noRot="1" noChangeAspect="1"/>
+          </p:cNvSpPr>
+          <p:nvPr>
+            <p:ph type="sldImg"/>
+          </p:nvPr>
+        </p:nvSpPr>
+        <p:spPr/>
+      </p:sp>
+      <p:sp>
+        <p:nvSpPr>
+          <p:cNvPr id="3" name="Notizenplatzhalter 2"/>
+          <p:cNvSpPr>
+            <a:spLocks noGrp="1"/>
+          </p:cNvSpPr>
+          <p:nvPr>
+            <p:ph type="body" idx="1"/>
+          </p:nvPr>
+        </p:nvSpPr>
+        <p:spPr/>
+        <p:txBody>
+          <a:bodyPr/>
+          <a:lstStyle/>
+          <a:p>
+            <a:endParaRPr lang="de-DE" dirty="0"/>
+          </a:p>
+        </p:txBody>
+      </p:sp>
+      <p:sp>
+        <p:nvSpPr>
+          <p:cNvPr id="4" name="Foliennummernplatzhalter 3"/>
+          <p:cNvSpPr>
+            <a:spLocks noGrp="1"/>
+          </p:cNvSpPr>
+          <p:nvPr>
+            <p:ph type="sldNum" sz="quarter" idx="5"/>
+          </p:nvPr>
+        </p:nvSpPr>
+        <p:spPr/>
+        <p:txBody>
+          <a:bodyPr/>
+          <a:lstStyle/>
+          <a:p>
+            <a:pPr>
+              <a:defRPr/>
+            </a:pPr>
+            <a:fld id="{4D8C3D32-0CEC-4E75-98FF-2FBD233904A7}" type="slidenum">
+              <a:rPr lang="de-DE" smtClean="0"/>
+              <a:pPr>
+                <a:defRPr/>
+              </a:pPr>
+              <a:t>10</a:t>
+            </a:fld>
+            <a:endParaRPr lang="de-DE"/>
+          </a:p>
+        </p:txBody>
+      </p:sp>
+    </p:spTree>
+    <p:extLst>
+      <p:ext uri="{BB962C8B-B14F-4D97-AF65-F5344CB8AC3E}">
+        <p14:creationId xmlns:p14="http://schemas.microsoft.com/office/powerpoint/2010/main" val="1656368060"/>
+      </p:ext>
+    </p:extLst>
+  </p:cSld>
+  <p:clrMapOvr>
+    <a:masterClrMapping/>
+  </p:clrMapOvr>
+</p:notes>
+</file>
+
+<file path=ppt/notesSlides/notesSlide7.xml><?xml version="1.0" encoding="utf-8"?>
+<p:notes xmlns:a="http://schemas.openxmlformats.org/drawingml/2006/main" xmlns:r="http://schemas.openxmlformats.org/officeDocument/2006/relationships" xmlns:p="http://schemas.openxmlformats.org/presentationml/2006/main">
+  <p:cSld>
+    <p:spTree>
+      <p:nvGrpSpPr>
+        <p:cNvPr id="1" name=""/>
+        <p:cNvGrpSpPr/>
+        <p:nvPr/>
+      </p:nvGrpSpPr>
+      <p:grpSpPr>
+        <a:xfrm>
+          <a:off x="0" y="0"/>
+          <a:ext cx="0" cy="0"/>
+          <a:chOff x="0" y="0"/>
+          <a:chExt cx="0" cy="0"/>
+        </a:xfrm>
+      </p:grpSpPr>
+      <p:sp>
+        <p:nvSpPr>
+          <p:cNvPr id="2" name="Folienbildplatzhalter 1"/>
+          <p:cNvSpPr>
+            <a:spLocks noGrp="1" noRot="1" noChangeAspect="1"/>
+          </p:cNvSpPr>
+          <p:nvPr>
+            <p:ph type="sldImg"/>
+          </p:nvPr>
+        </p:nvSpPr>
+        <p:spPr/>
+      </p:sp>
+      <p:sp>
+        <p:nvSpPr>
+          <p:cNvPr id="3" name="Notizenplatzhalter 2"/>
+          <p:cNvSpPr>
+            <a:spLocks noGrp="1"/>
+          </p:cNvSpPr>
+          <p:nvPr>
+            <p:ph type="body" idx="1"/>
+          </p:nvPr>
+        </p:nvSpPr>
+        <p:spPr/>
+        <p:txBody>
+          <a:bodyPr/>
+          <a:lstStyle/>
+          <a:p>
+            <a:endParaRPr lang="de-DE" dirty="0"/>
+          </a:p>
+        </p:txBody>
+      </p:sp>
+      <p:sp>
+        <p:nvSpPr>
+          <p:cNvPr id="4" name="Foliennummernplatzhalter 3"/>
+          <p:cNvSpPr>
+            <a:spLocks noGrp="1"/>
+          </p:cNvSpPr>
+          <p:nvPr>
+            <p:ph type="sldNum" sz="quarter" idx="5"/>
+          </p:nvPr>
+        </p:nvSpPr>
+        <p:spPr/>
+        <p:txBody>
+          <a:bodyPr/>
+          <a:lstStyle/>
+          <a:p>
+            <a:pPr>
+              <a:defRPr/>
+            </a:pPr>
+            <a:fld id="{4D8C3D32-0CEC-4E75-98FF-2FBD233904A7}" type="slidenum">
+              <a:rPr lang="de-DE" smtClean="0"/>
+              <a:pPr>
+                <a:defRPr/>
+              </a:pPr>
+              <a:t>11</a:t>
+            </a:fld>
+            <a:endParaRPr lang="de-DE"/>
+          </a:p>
+        </p:txBody>
+      </p:sp>
+    </p:spTree>
+    <p:extLst>
+      <p:ext uri="{BB962C8B-B14F-4D97-AF65-F5344CB8AC3E}">
+        <p14:creationId xmlns:p14="http://schemas.microsoft.com/office/powerpoint/2010/main" val="1997193544"/>
+      </p:ext>
+    </p:extLst>
+  </p:cSld>
+  <p:clrMapOvr>
+    <a:masterClrMapping/>
+  </p:clrMapOvr>
+</p:notes>
+</file>
+
+<file path=ppt/notesSlides/notesSlide8.xml><?xml version="1.0" encoding="utf-8"?>
+<p:notes xmlns:a="http://schemas.openxmlformats.org/drawingml/2006/main" xmlns:r="http://schemas.openxmlformats.org/officeDocument/2006/relationships" xmlns:p="http://schemas.openxmlformats.org/presentationml/2006/main">
+  <p:cSld>
+    <p:spTree>
+      <p:nvGrpSpPr>
+        <p:cNvPr id="1" name=""/>
+        <p:cNvGrpSpPr/>
+        <p:nvPr/>
+      </p:nvGrpSpPr>
+      <p:grpSpPr>
+        <a:xfrm>
+          <a:off x="0" y="0"/>
+          <a:ext cx="0" cy="0"/>
+          <a:chOff x="0" y="0"/>
+          <a:chExt cx="0" cy="0"/>
+        </a:xfrm>
+      </p:grpSpPr>
+      <p:sp>
+        <p:nvSpPr>
+          <p:cNvPr id="2" name="Folienbildplatzhalter 1"/>
+          <p:cNvSpPr>
+            <a:spLocks noGrp="1" noRot="1" noChangeAspect="1"/>
+          </p:cNvSpPr>
+          <p:nvPr>
+            <p:ph type="sldImg"/>
+          </p:nvPr>
+        </p:nvSpPr>
+        <p:spPr/>
+      </p:sp>
+      <p:sp>
+        <p:nvSpPr>
+          <p:cNvPr id="3" name="Notizenplatzhalter 2"/>
+          <p:cNvSpPr>
+            <a:spLocks noGrp="1"/>
+          </p:cNvSpPr>
+          <p:nvPr>
+            <p:ph type="body" idx="1"/>
+          </p:nvPr>
+        </p:nvSpPr>
+        <p:spPr/>
+        <p:txBody>
+          <a:bodyPr/>
+          <a:lstStyle/>
+          <a:p>
+            <a:endParaRPr lang="de-DE" dirty="0"/>
+          </a:p>
+        </p:txBody>
+      </p:sp>
+      <p:sp>
+        <p:nvSpPr>
+          <p:cNvPr id="4" name="Foliennummernplatzhalter 3"/>
+          <p:cNvSpPr>
+            <a:spLocks noGrp="1"/>
+          </p:cNvSpPr>
+          <p:nvPr>
+            <p:ph type="sldNum" sz="quarter" idx="5"/>
+          </p:nvPr>
+        </p:nvSpPr>
+        <p:spPr/>
+        <p:txBody>
+          <a:bodyPr/>
+          <a:lstStyle/>
+          <a:p>
+            <a:pPr>
+              <a:defRPr/>
+            </a:pPr>
+            <a:fld id="{4D8C3D32-0CEC-4E75-98FF-2FBD233904A7}" type="slidenum">
+              <a:rPr lang="de-DE" smtClean="0"/>
+              <a:pPr>
+                <a:defRPr/>
+              </a:pPr>
+              <a:t>12</a:t>
+            </a:fld>
+            <a:endParaRPr lang="de-DE"/>
+          </a:p>
+        </p:txBody>
+      </p:sp>
+    </p:spTree>
+    <p:extLst>
+      <p:ext uri="{BB962C8B-B14F-4D97-AF65-F5344CB8AC3E}">
+        <p14:creationId xmlns:p14="http://schemas.microsoft.com/office/powerpoint/2010/main" val="4167669448"/>
+      </p:ext>
+    </p:extLst>
+  </p:cSld>
+  <p:clrMapOvr>
+    <a:masterClrMapping/>
+  </p:clrMapOvr>
+</p:notes>
+</file>
+
+<file path=ppt/notesSlides/notesSlide9.xml><?xml version="1.0" encoding="utf-8"?>
+<p:notes xmlns:a="http://schemas.openxmlformats.org/drawingml/2006/main" xmlns:r="http://schemas.openxmlformats.org/officeDocument/2006/relationships" xmlns:p="http://schemas.openxmlformats.org/presentationml/2006/main">
+  <p:cSld>
+    <p:spTree>
+      <p:nvGrpSpPr>
+        <p:cNvPr id="1" name=""/>
+        <p:cNvGrpSpPr/>
+        <p:nvPr/>
+      </p:nvGrpSpPr>
+      <p:grpSpPr>
+        <a:xfrm>
+          <a:off x="0" y="0"/>
+          <a:ext cx="0" cy="0"/>
+          <a:chOff x="0" y="0"/>
+          <a:chExt cx="0" cy="0"/>
+        </a:xfrm>
+      </p:grpSpPr>
+      <p:sp>
+        <p:nvSpPr>
+          <p:cNvPr id="2" name="Folienbildplatzhalter 1"/>
+          <p:cNvSpPr>
+            <a:spLocks noGrp="1" noRot="1" noChangeAspect="1"/>
+          </p:cNvSpPr>
+          <p:nvPr>
+            <p:ph type="sldImg"/>
+          </p:nvPr>
+        </p:nvSpPr>
+        <p:spPr/>
+      </p:sp>
+      <p:sp>
+        <p:nvSpPr>
+          <p:cNvPr id="3" name="Notizenplatzhalter 2"/>
+          <p:cNvSpPr>
+            <a:spLocks noGrp="1"/>
+          </p:cNvSpPr>
+          <p:nvPr>
+            <p:ph type="body" idx="1"/>
+          </p:nvPr>
+        </p:nvSpPr>
+        <p:spPr/>
+        <p:txBody>
+          <a:bodyPr/>
+          <a:lstStyle/>
+          <a:p>
+            <a:endParaRPr lang="de-DE" dirty="0"/>
+          </a:p>
+        </p:txBody>
+      </p:sp>
+      <p:sp>
+        <p:nvSpPr>
+          <p:cNvPr id="4" name="Foliennummernplatzhalter 3"/>
+          <p:cNvSpPr>
+            <a:spLocks noGrp="1"/>
+          </p:cNvSpPr>
+          <p:nvPr>
+            <p:ph type="sldNum" sz="quarter" idx="5"/>
+          </p:nvPr>
+        </p:nvSpPr>
+        <p:spPr/>
+        <p:txBody>
+          <a:bodyPr/>
+          <a:lstStyle/>
+          <a:p>
+            <a:pPr>
+              <a:defRPr/>
+            </a:pPr>
+            <a:fld id="{4D8C3D32-0CEC-4E75-98FF-2FBD233904A7}" type="slidenum">
+              <a:rPr lang="de-DE" smtClean="0"/>
+              <a:pPr>
+                <a:defRPr/>
+              </a:pPr>
+              <a:t>13</a:t>
+            </a:fld>
+            <a:endParaRPr lang="de-DE"/>
+          </a:p>
+        </p:txBody>
+      </p:sp>
+    </p:spTree>
+    <p:extLst>
+      <p:ext uri="{BB962C8B-B14F-4D97-AF65-F5344CB8AC3E}">
+        <p14:creationId xmlns:p14="http://schemas.microsoft.com/office/powerpoint/2010/main" val="2430851618"/>
       </p:ext>
     </p:extLst>
   </p:cSld>
@@ -4090,8 +5000,13 @@
             </a:r>
             <a:r>
               <a:rPr lang="de-DE" dirty="0"/>
-              <a:t> und Secrets</a:t>
-            </a:r>
+              <a:t> und </a:t>
+            </a:r>
+            <a:r>
+              <a:rPr lang="de-DE" dirty="0" err="1"/>
+              <a:t>Secrets</a:t>
+            </a:r>
+            <a:endParaRPr lang="de-DE" dirty="0"/>
           </a:p>
         </p:txBody>
       </p:sp>
@@ -4209,9 +5124,12 @@
           <a:p>
             <a:r>
               <a:rPr lang="de-DE" dirty="0" err="1"/>
-              <a:t>Misc</a:t>
-            </a:r>
-            <a:endParaRPr lang="de-DE" dirty="0"/>
+              <a:t>Grafana</a:t>
+            </a:r>
+            <a:r>
+              <a:rPr lang="de-DE" dirty="0"/>
+              <a:t> vorkonfigurieren</a:t>
+            </a:r>
           </a:p>
         </p:txBody>
       </p:sp>
@@ -4234,130 +5152,327 @@
         <p:spPr/>
         <p:txBody>
           <a:bodyPr>
-            <a:normAutofit fontScale="92500" lnSpcReduction="20000"/>
+            <a:normAutofit lnSpcReduction="10000"/>
           </a:bodyPr>
           <a:lstStyle/>
           <a:p>
-            <a:r>
-              <a:rPr lang="de-DE" b="1" dirty="0"/>
-              <a:t>Materialien zum Talk</a:t>
-            </a:r>
-          </a:p>
-          <a:p>
-            <a:r>
-              <a:rPr lang="de-DE" dirty="0">
-                <a:hlinkClick r:id="rId3"/>
+            <a:pPr>
+              <a:spcBef>
+                <a:spcPts val="799"/>
+              </a:spcBef>
+            </a:pPr>
+            <a:r>
+              <a:rPr lang="de-DE" b="1" spc="-1" dirty="0" err="1">
+                <a:solidFill>
+                  <a:srgbClr val="000000"/>
+                </a:solidFill>
+                <a:latin typeface="Verdana"/>
+                <a:ea typeface="Verdana"/>
               </a:rPr>
-              <a:t>https://github.com/grothesk/deeptalk</a:t>
-            </a:r>
-            <a:endParaRPr lang="de-DE" dirty="0"/>
-          </a:p>
-          <a:p>
-            <a:endParaRPr lang="de-DE" dirty="0"/>
-          </a:p>
-          <a:p>
-            <a:r>
-              <a:rPr lang="de-DE" b="1" dirty="0"/>
-              <a:t>Weiterführendes</a:t>
-            </a:r>
-          </a:p>
-          <a:p>
-            <a:r>
-              <a:rPr lang="de-DE" dirty="0" err="1"/>
-              <a:t>Postgres</a:t>
-            </a:r>
-            <a:r>
-              <a:rPr lang="de-DE" dirty="0"/>
-              <a:t> </a:t>
-            </a:r>
-            <a:r>
-              <a:rPr lang="de-DE" dirty="0">
-                <a:sym typeface="Wingdings" pitchFamily="2" charset="2"/>
+              <a:t>Grafana</a:t>
+            </a:r>
+            <a:endParaRPr lang="de-DE" spc="-1" dirty="0">
+              <a:latin typeface="Arial"/>
+            </a:endParaRPr>
+          </a:p>
+          <a:p>
+            <a:pPr marL="1440">
+              <a:spcBef>
+                <a:spcPts val="799"/>
+              </a:spcBef>
+            </a:pPr>
+            <a:r>
+              <a:rPr lang="en-GB" spc="-1" dirty="0" err="1">
+                <a:solidFill>
+                  <a:srgbClr val="000000"/>
+                </a:solidFill>
+                <a:latin typeface="Verdana"/>
+                <a:ea typeface="Verdana"/>
               </a:rPr>
-              <a:t> </a:t>
-            </a:r>
-            <a:r>
-              <a:rPr lang="de-DE" dirty="0">
-                <a:hlinkClick r:id="rId4"/>
-              </a:rPr>
-              <a:t>https://www.postgresql.org/</a:t>
-            </a:r>
-            <a:r>
-              <a:rPr lang="de-DE" dirty="0"/>
-              <a:t> </a:t>
-            </a:r>
-          </a:p>
-          <a:p>
-            <a:r>
-              <a:rPr lang="de-DE" dirty="0" err="1"/>
-              <a:t>Grafana</a:t>
-            </a:r>
-            <a:r>
-              <a:rPr lang="de-DE" dirty="0"/>
-              <a:t> </a:t>
-            </a:r>
-            <a:r>
-              <a:rPr lang="de-DE" dirty="0">
-                <a:sym typeface="Wingdings" pitchFamily="2" charset="2"/>
-              </a:rPr>
-              <a:t> </a:t>
-            </a:r>
-            <a:r>
-              <a:rPr lang="de-DE" dirty="0">
-                <a:sym typeface="Wingdings" pitchFamily="2" charset="2"/>
-                <a:hlinkClick r:id="rId5"/>
-              </a:rPr>
-              <a:t>https://grafana.com/</a:t>
-            </a:r>
-            <a:r>
-              <a:rPr lang="de-DE" dirty="0">
-                <a:sym typeface="Wingdings" pitchFamily="2" charset="2"/>
+              <a:t>Webanwendung</a:t>
+            </a:r>
+            <a:r>
+              <a:rPr lang="en-GB" spc="-1" dirty="0">
+                <a:solidFill>
+                  <a:srgbClr val="000000"/>
+                </a:solidFill>
+                <a:latin typeface="Verdana"/>
+                <a:ea typeface="Verdana"/>
               </a:rPr>
               <a:t> </a:t>
             </a:r>
-            <a:endParaRPr lang="de-DE" dirty="0"/>
-          </a:p>
-          <a:p>
-            <a:endParaRPr lang="de-DE" dirty="0"/>
-          </a:p>
-          <a:p>
-            <a:r>
-              <a:rPr lang="de-DE" b="1" dirty="0"/>
-              <a:t>Feedback , Anregungen, Themenvorschläge</a:t>
-            </a:r>
-          </a:p>
-          <a:p>
-            <a:r>
-              <a:rPr lang="de-DE" dirty="0">
-                <a:hlinkClick r:id="rId6"/>
+            <a:r>
+              <a:rPr lang="en-GB" spc="-1" dirty="0" err="1">
+                <a:solidFill>
+                  <a:srgbClr val="000000"/>
+                </a:solidFill>
+                <a:latin typeface="Verdana"/>
+                <a:ea typeface="Verdana"/>
               </a:rPr>
-              <a:t>florian.boldt@deepshore.de</a:t>
-            </a:r>
-            <a:endParaRPr lang="de-DE" dirty="0"/>
-          </a:p>
-          <a:p>
-            <a:r>
-              <a:rPr lang="de-DE" dirty="0">
-                <a:hlinkClick r:id="rId7"/>
+              <a:t>für</a:t>
+            </a:r>
+            <a:r>
+              <a:rPr lang="en-GB" spc="-1" dirty="0">
+                <a:solidFill>
+                  <a:srgbClr val="000000"/>
+                </a:solidFill>
+                <a:latin typeface="Verdana"/>
+                <a:ea typeface="Verdana"/>
               </a:rPr>
-              <a:t>malte.groth@deepshore.de</a:t>
-            </a:r>
-            <a:endParaRPr lang="de-DE" dirty="0"/>
-          </a:p>
-          <a:p>
-            <a:r>
-              <a:rPr lang="de-DE" dirty="0">
-                <a:hlinkClick r:id="rId8"/>
+              <a:t> </a:t>
+            </a:r>
+            <a:r>
+              <a:rPr lang="en-GB" spc="-1" dirty="0" err="1">
+                <a:solidFill>
+                  <a:srgbClr val="000000"/>
+                </a:solidFill>
+                <a:latin typeface="Verdana"/>
+                <a:ea typeface="Verdana"/>
               </a:rPr>
-              <a:t>frederic.born@deepshore.de</a:t>
-            </a:r>
-            <a:endParaRPr lang="de-DE" dirty="0"/>
-          </a:p>
-          <a:p>
-            <a:endParaRPr lang="de-DE" dirty="0"/>
-          </a:p>
-          <a:p>
-            <a:endParaRPr lang="de-DE" dirty="0"/>
+              <a:t>interaktive</a:t>
+            </a:r>
+            <a:r>
+              <a:rPr lang="en-GB" spc="-1" dirty="0">
+                <a:solidFill>
+                  <a:srgbClr val="000000"/>
+                </a:solidFill>
+                <a:latin typeface="Verdana"/>
+                <a:ea typeface="Verdana"/>
+              </a:rPr>
+              <a:t> </a:t>
+            </a:r>
+            <a:r>
+              <a:rPr lang="en-GB" spc="-1" dirty="0" err="1">
+                <a:solidFill>
+                  <a:srgbClr val="000000"/>
+                </a:solidFill>
+                <a:latin typeface="Verdana"/>
+                <a:ea typeface="Verdana"/>
+              </a:rPr>
+              <a:t>Visualisierung</a:t>
+            </a:r>
+            <a:r>
+              <a:rPr lang="en-GB" spc="-1" dirty="0">
+                <a:solidFill>
+                  <a:srgbClr val="000000"/>
+                </a:solidFill>
+                <a:latin typeface="Verdana"/>
+                <a:ea typeface="Verdana"/>
+              </a:rPr>
+              <a:t> von </a:t>
+            </a:r>
+            <a:r>
+              <a:rPr lang="en-GB" spc="-1" dirty="0" err="1">
+                <a:solidFill>
+                  <a:srgbClr val="000000"/>
+                </a:solidFill>
+                <a:latin typeface="Verdana"/>
+                <a:ea typeface="Verdana"/>
+              </a:rPr>
+              <a:t>Daten</a:t>
+            </a:r>
+            <a:endParaRPr lang="en-GB" spc="-1" dirty="0">
+              <a:solidFill>
+                <a:srgbClr val="000000"/>
+              </a:solidFill>
+              <a:latin typeface="Verdana"/>
+              <a:ea typeface="Verdana"/>
+            </a:endParaRPr>
+          </a:p>
+          <a:p>
+            <a:pPr marL="1440">
+              <a:spcBef>
+                <a:spcPts val="799"/>
+              </a:spcBef>
+            </a:pPr>
+            <a:endParaRPr lang="en-GB" spc="-1" dirty="0">
+              <a:solidFill>
+                <a:srgbClr val="000000"/>
+              </a:solidFill>
+              <a:latin typeface="Verdana"/>
+              <a:ea typeface="Verdana"/>
+            </a:endParaRPr>
+          </a:p>
+          <a:p>
+            <a:pPr marL="1440">
+              <a:spcBef>
+                <a:spcPts val="799"/>
+              </a:spcBef>
+            </a:pPr>
+            <a:r>
+              <a:rPr lang="en-GB" b="1" spc="-1" dirty="0" err="1">
+                <a:solidFill>
+                  <a:srgbClr val="000000"/>
+                </a:solidFill>
+                <a:latin typeface="Verdana"/>
+                <a:ea typeface="Verdana"/>
+              </a:rPr>
+              <a:t>Datenquelle</a:t>
+            </a:r>
+            <a:endParaRPr lang="en-GB" b="1" spc="-1" dirty="0">
+              <a:solidFill>
+                <a:srgbClr val="000000"/>
+              </a:solidFill>
+              <a:latin typeface="Verdana"/>
+              <a:ea typeface="Verdana"/>
+            </a:endParaRPr>
+          </a:p>
+          <a:p>
+            <a:pPr marL="1440">
+              <a:spcBef>
+                <a:spcPts val="799"/>
+              </a:spcBef>
+            </a:pPr>
+            <a:r>
+              <a:rPr lang="en-GB" spc="-1" dirty="0">
+                <a:solidFill>
+                  <a:srgbClr val="000000"/>
+                </a:solidFill>
+                <a:latin typeface="Verdana"/>
+                <a:ea typeface="Verdana"/>
+              </a:rPr>
+              <a:t>Postgres</a:t>
+            </a:r>
+          </a:p>
+          <a:p>
+            <a:pPr marL="1440">
+              <a:spcBef>
+                <a:spcPts val="799"/>
+              </a:spcBef>
+            </a:pPr>
+            <a:endParaRPr lang="en-GB" spc="-1" dirty="0">
+              <a:solidFill>
+                <a:srgbClr val="000000"/>
+              </a:solidFill>
+              <a:latin typeface="Verdana"/>
+              <a:ea typeface="Verdana"/>
+            </a:endParaRPr>
+          </a:p>
+          <a:p>
+            <a:pPr marL="1440">
+              <a:spcBef>
+                <a:spcPts val="799"/>
+              </a:spcBef>
+            </a:pPr>
+            <a:r>
+              <a:rPr lang="en-GB" b="1" spc="-1" dirty="0" err="1">
+                <a:solidFill>
+                  <a:srgbClr val="000000"/>
+                </a:solidFill>
+                <a:latin typeface="Verdana"/>
+                <a:ea typeface="Verdana"/>
+              </a:rPr>
+              <a:t>Konfiguration</a:t>
+            </a:r>
+            <a:endParaRPr lang="en-GB" b="1" spc="-1" dirty="0">
+              <a:solidFill>
+                <a:srgbClr val="000000"/>
+              </a:solidFill>
+              <a:latin typeface="Verdana"/>
+              <a:ea typeface="Verdana"/>
+            </a:endParaRPr>
+          </a:p>
+          <a:p>
+            <a:pPr marL="287190" indent="-285750">
+              <a:spcBef>
+                <a:spcPts val="799"/>
+              </a:spcBef>
+              <a:buFont typeface="Arial" panose="020B0604020202020204" pitchFamily="34" charset="0"/>
+              <a:buChar char="•"/>
+            </a:pPr>
+            <a:r>
+              <a:rPr lang="en-GB" spc="-1" dirty="0">
+                <a:solidFill>
+                  <a:srgbClr val="000000"/>
+                </a:solidFill>
+                <a:latin typeface="Verdana"/>
+                <a:ea typeface="Verdana"/>
+              </a:rPr>
+              <a:t>Credentials</a:t>
+            </a:r>
+          </a:p>
+          <a:p>
+            <a:pPr marL="287190" indent="-285750">
+              <a:spcBef>
+                <a:spcPts val="799"/>
+              </a:spcBef>
+              <a:buFont typeface="Arial" panose="020B0604020202020204" pitchFamily="34" charset="0"/>
+              <a:buChar char="•"/>
+            </a:pPr>
+            <a:r>
+              <a:rPr lang="en-GB" spc="-1" dirty="0" err="1">
+                <a:solidFill>
+                  <a:srgbClr val="000000"/>
+                </a:solidFill>
+                <a:latin typeface="Verdana"/>
+                <a:ea typeface="Verdana"/>
+              </a:rPr>
+              <a:t>Datenquellen</a:t>
+            </a:r>
+            <a:endParaRPr lang="en-GB" spc="-1" dirty="0">
+              <a:solidFill>
+                <a:srgbClr val="000000"/>
+              </a:solidFill>
+              <a:latin typeface="Verdana"/>
+              <a:ea typeface="Verdana"/>
+            </a:endParaRPr>
+          </a:p>
+          <a:p>
+            <a:pPr marL="287190" indent="-285750">
+              <a:spcBef>
+                <a:spcPts val="799"/>
+              </a:spcBef>
+              <a:buFont typeface="Arial" panose="020B0604020202020204" pitchFamily="34" charset="0"/>
+              <a:buChar char="•"/>
+            </a:pPr>
+            <a:r>
+              <a:rPr lang="en-GB" spc="-1" dirty="0">
+                <a:solidFill>
+                  <a:srgbClr val="000000"/>
+                </a:solidFill>
+                <a:latin typeface="Verdana"/>
+                <a:ea typeface="Verdana"/>
+              </a:rPr>
+              <a:t>Dashboards</a:t>
+            </a:r>
+          </a:p>
+          <a:p>
+            <a:pPr marL="1440">
+              <a:spcBef>
+                <a:spcPts val="799"/>
+              </a:spcBef>
+            </a:pPr>
+            <a:endParaRPr lang="en-GB" spc="-1" dirty="0">
+              <a:solidFill>
+                <a:srgbClr val="000000"/>
+              </a:solidFill>
+              <a:latin typeface="Verdana"/>
+              <a:ea typeface="Verdana"/>
+            </a:endParaRPr>
+          </a:p>
+          <a:p>
+            <a:pPr marL="1440">
+              <a:spcBef>
+                <a:spcPts val="799"/>
+              </a:spcBef>
+            </a:pPr>
+            <a:endParaRPr lang="en-GB" spc="-1" dirty="0">
+              <a:solidFill>
+                <a:srgbClr val="000000"/>
+              </a:solidFill>
+              <a:latin typeface="Verdana"/>
+              <a:ea typeface="Verdana"/>
+            </a:endParaRPr>
+          </a:p>
+          <a:p>
+            <a:pPr marL="1440">
+              <a:spcBef>
+                <a:spcPts val="799"/>
+              </a:spcBef>
+            </a:pPr>
+            <a:endParaRPr lang="de-DE" spc="-1" dirty="0">
+              <a:latin typeface="Arial"/>
+            </a:endParaRPr>
           </a:p>
           <a:p>
             <a:endParaRPr lang="de-DE" dirty="0"/>
@@ -4367,7 +5482,7 @@
     </p:spTree>
     <p:extLst>
       <p:ext uri="{BB962C8B-B14F-4D97-AF65-F5344CB8AC3E}">
-        <p14:creationId xmlns:p14="http://schemas.microsoft.com/office/powerpoint/2010/main" val="1579135088"/>
+        <p14:creationId xmlns:p14="http://schemas.microsoft.com/office/powerpoint/2010/main" val="3223301392"/>
       </p:ext>
     </p:extLst>
   </p:cSld>
@@ -4399,7 +5514,7 @@
           <p:cNvPr id="2" name="Titel 1">
             <a:extLst>
               <a:ext uri="{FF2B5EF4-FFF2-40B4-BE49-F238E27FC236}">
-                <a16:creationId xmlns:a16="http://schemas.microsoft.com/office/drawing/2014/main" id="{AB86CD89-439C-2346-8F13-A8BE9C864884}"/>
+                <a16:creationId xmlns:a16="http://schemas.microsoft.com/office/drawing/2014/main" id="{63E74088-BB91-574B-9695-A0121785026E}"/>
               </a:ext>
             </a:extLst>
           </p:cNvPr>
@@ -4412,35 +5527,621 @@
         </p:nvSpPr>
         <p:spPr/>
         <p:txBody>
-          <a:bodyPr>
-            <a:normAutofit/>
-          </a:bodyPr>
+          <a:bodyPr/>
           <a:lstStyle/>
           <a:p>
             <a:r>
               <a:rPr lang="de-DE" dirty="0"/>
-              <a:t>Vielen Dank.</a:t>
+              <a:t>Initiale </a:t>
+            </a:r>
+            <a:r>
+              <a:rPr lang="de-DE" dirty="0" err="1"/>
+              <a:t>Credentials</a:t>
+            </a:r>
+            <a:r>
+              <a:rPr lang="de-DE" dirty="0"/>
+              <a:t> festlegen</a:t>
             </a:r>
           </a:p>
         </p:txBody>
       </p:sp>
       <p:sp>
         <p:nvSpPr>
-          <p:cNvPr id="3" name="Textfeld 2"/>
+          <p:cNvPr id="12" name="Rechteck 11">
+            <a:extLst>
+              <a:ext uri="{FF2B5EF4-FFF2-40B4-BE49-F238E27FC236}">
+                <a16:creationId xmlns:a16="http://schemas.microsoft.com/office/drawing/2014/main" id="{57A7CC03-CA37-A247-AF54-5D0403616895}"/>
+              </a:ext>
+            </a:extLst>
+          </p:cNvPr>
+          <p:cNvSpPr/>
+          <p:nvPr/>
+        </p:nvSpPr>
+        <p:spPr>
+          <a:xfrm>
+            <a:off x="2735890" y="3088080"/>
+            <a:ext cx="1656230" cy="432060"/>
+          </a:xfrm>
+          <a:prstGeom prst="rect">
+            <a:avLst/>
+          </a:prstGeom>
+          <a:solidFill>
+            <a:srgbClr val="0070C0"/>
+          </a:solidFill>
+          <a:ln>
+            <a:noFill/>
+          </a:ln>
+        </p:spPr>
+        <p:style>
+          <a:lnRef idx="2">
+            <a:schemeClr val="accent1">
+              <a:shade val="50000"/>
+            </a:schemeClr>
+          </a:lnRef>
+          <a:fillRef idx="1">
+            <a:schemeClr val="accent1"/>
+          </a:fillRef>
+          <a:effectRef idx="0">
+            <a:schemeClr val="accent1"/>
+          </a:effectRef>
+          <a:fontRef idx="minor">
+            <a:schemeClr val="lt1"/>
+          </a:fontRef>
+        </p:style>
+        <p:txBody>
+          <a:bodyPr rtlCol="0" anchor="ctr"/>
+          <a:lstStyle/>
+          <a:p>
+            <a:pPr algn="ctr"/>
+            <a:r>
+              <a:rPr lang="de-DE" sz="1200" dirty="0" err="1"/>
+              <a:t>postgres</a:t>
+            </a:r>
+            <a:r>
+              <a:rPr lang="de-DE" sz="1200" dirty="0"/>
+              <a:t>-service</a:t>
+            </a:r>
+          </a:p>
+        </p:txBody>
+      </p:sp>
+      <p:sp>
+        <p:nvSpPr>
+          <p:cNvPr id="13" name="Rechteck 12">
+            <a:extLst>
+              <a:ext uri="{FF2B5EF4-FFF2-40B4-BE49-F238E27FC236}">
+                <a16:creationId xmlns:a16="http://schemas.microsoft.com/office/drawing/2014/main" id="{4CC83FC3-1958-A749-8D16-6920AA979673}"/>
+              </a:ext>
+            </a:extLst>
+          </p:cNvPr>
+          <p:cNvSpPr/>
+          <p:nvPr/>
+        </p:nvSpPr>
+        <p:spPr>
+          <a:xfrm>
+            <a:off x="2735890" y="4824672"/>
+            <a:ext cx="1656230" cy="432060"/>
+          </a:xfrm>
+          <a:prstGeom prst="rect">
+            <a:avLst/>
+          </a:prstGeom>
+          <a:solidFill>
+            <a:srgbClr val="0070C0"/>
+          </a:solidFill>
+          <a:ln>
+            <a:noFill/>
+          </a:ln>
+        </p:spPr>
+        <p:style>
+          <a:lnRef idx="2">
+            <a:schemeClr val="accent1">
+              <a:shade val="50000"/>
+            </a:schemeClr>
+          </a:lnRef>
+          <a:fillRef idx="1">
+            <a:schemeClr val="accent1"/>
+          </a:fillRef>
+          <a:effectRef idx="0">
+            <a:schemeClr val="accent1"/>
+          </a:effectRef>
+          <a:fontRef idx="minor">
+            <a:schemeClr val="lt1"/>
+          </a:fontRef>
+        </p:style>
+        <p:txBody>
+          <a:bodyPr rtlCol="0" anchor="ctr"/>
+          <a:lstStyle/>
+          <a:p>
+            <a:pPr algn="ctr"/>
+            <a:r>
+              <a:rPr lang="de-DE" sz="1200" dirty="0" err="1"/>
+              <a:t>postgres-configmap</a:t>
+            </a:r>
+            <a:endParaRPr lang="de-DE" sz="1200" dirty="0"/>
+          </a:p>
+        </p:txBody>
+      </p:sp>
+      <p:sp>
+        <p:nvSpPr>
+          <p:cNvPr id="23" name="Rechteck 22">
+            <a:extLst>
+              <a:ext uri="{FF2B5EF4-FFF2-40B4-BE49-F238E27FC236}">
+                <a16:creationId xmlns:a16="http://schemas.microsoft.com/office/drawing/2014/main" id="{C7A95584-A429-2741-9DE4-E5F9D8D5EC2B}"/>
+              </a:ext>
+            </a:extLst>
+          </p:cNvPr>
+          <p:cNvSpPr/>
+          <p:nvPr/>
+        </p:nvSpPr>
+        <p:spPr>
+          <a:xfrm>
+            <a:off x="2735890" y="3956376"/>
+            <a:ext cx="1656230" cy="432060"/>
+          </a:xfrm>
+          <a:prstGeom prst="rect">
+            <a:avLst/>
+          </a:prstGeom>
+          <a:solidFill>
+            <a:srgbClr val="0070C0"/>
+          </a:solidFill>
+          <a:ln>
+            <a:noFill/>
+          </a:ln>
+        </p:spPr>
+        <p:style>
+          <a:lnRef idx="2">
+            <a:schemeClr val="accent1">
+              <a:shade val="50000"/>
+            </a:schemeClr>
+          </a:lnRef>
+          <a:fillRef idx="1">
+            <a:schemeClr val="accent1"/>
+          </a:fillRef>
+          <a:effectRef idx="0">
+            <a:schemeClr val="accent1"/>
+          </a:effectRef>
+          <a:fontRef idx="minor">
+            <a:schemeClr val="lt1"/>
+          </a:fontRef>
+        </p:style>
+        <p:txBody>
+          <a:bodyPr rtlCol="0" anchor="ctr"/>
+          <a:lstStyle/>
+          <a:p>
+            <a:pPr algn="ctr"/>
+            <a:r>
+              <a:rPr lang="de-DE" sz="1200" dirty="0" err="1"/>
+              <a:t>postgres-deployment</a:t>
+            </a:r>
+            <a:endParaRPr lang="de-DE" sz="1200" dirty="0"/>
+          </a:p>
+        </p:txBody>
+      </p:sp>
+      <p:sp>
+        <p:nvSpPr>
+          <p:cNvPr id="24" name="Rechteck 23">
+            <a:extLst>
+              <a:ext uri="{FF2B5EF4-FFF2-40B4-BE49-F238E27FC236}">
+                <a16:creationId xmlns:a16="http://schemas.microsoft.com/office/drawing/2014/main" id="{D4DC9B4E-95E8-C64C-A82D-77ACE9072CBC}"/>
+              </a:ext>
+            </a:extLst>
+          </p:cNvPr>
+          <p:cNvSpPr/>
+          <p:nvPr/>
+        </p:nvSpPr>
+        <p:spPr>
+          <a:xfrm>
+            <a:off x="4824180" y="3088080"/>
+            <a:ext cx="1656230" cy="432060"/>
+          </a:xfrm>
+          <a:prstGeom prst="rect">
+            <a:avLst/>
+          </a:prstGeom>
+          <a:solidFill>
+            <a:srgbClr val="FF6451"/>
+          </a:solidFill>
+          <a:ln>
+            <a:noFill/>
+          </a:ln>
+        </p:spPr>
+        <p:style>
+          <a:lnRef idx="2">
+            <a:schemeClr val="accent1">
+              <a:shade val="50000"/>
+            </a:schemeClr>
+          </a:lnRef>
+          <a:fillRef idx="1">
+            <a:schemeClr val="accent1"/>
+          </a:fillRef>
+          <a:effectRef idx="0">
+            <a:schemeClr val="accent1"/>
+          </a:effectRef>
+          <a:fontRef idx="minor">
+            <a:schemeClr val="lt1"/>
+          </a:fontRef>
+        </p:style>
+        <p:txBody>
+          <a:bodyPr rtlCol="0" anchor="ctr"/>
+          <a:lstStyle/>
+          <a:p>
+            <a:pPr algn="ctr"/>
+            <a:r>
+              <a:rPr lang="de-DE" sz="1200" dirty="0"/>
+              <a:t>grafana-service</a:t>
+            </a:r>
+          </a:p>
+        </p:txBody>
+      </p:sp>
+      <p:sp>
+        <p:nvSpPr>
+          <p:cNvPr id="26" name="Rechteck 25">
+            <a:extLst>
+              <a:ext uri="{FF2B5EF4-FFF2-40B4-BE49-F238E27FC236}">
+                <a16:creationId xmlns:a16="http://schemas.microsoft.com/office/drawing/2014/main" id="{AA1FC284-6427-0F49-95AD-A4FA3EBDA675}"/>
+              </a:ext>
+            </a:extLst>
+          </p:cNvPr>
+          <p:cNvSpPr/>
+          <p:nvPr/>
+        </p:nvSpPr>
+        <p:spPr>
+          <a:xfrm>
+            <a:off x="4824180" y="3956376"/>
+            <a:ext cx="1656230" cy="432060"/>
+          </a:xfrm>
+          <a:prstGeom prst="rect">
+            <a:avLst/>
+          </a:prstGeom>
+          <a:solidFill>
+            <a:srgbClr val="FF6451"/>
+          </a:solidFill>
+          <a:ln>
+            <a:noFill/>
+          </a:ln>
+        </p:spPr>
+        <p:style>
+          <a:lnRef idx="2">
+            <a:schemeClr val="accent1">
+              <a:shade val="50000"/>
+            </a:schemeClr>
+          </a:lnRef>
+          <a:fillRef idx="1">
+            <a:schemeClr val="accent1"/>
+          </a:fillRef>
+          <a:effectRef idx="0">
+            <a:schemeClr val="accent1"/>
+          </a:effectRef>
+          <a:fontRef idx="minor">
+            <a:schemeClr val="lt1"/>
+          </a:fontRef>
+        </p:style>
+        <p:txBody>
+          <a:bodyPr rtlCol="0" anchor="ctr"/>
+          <a:lstStyle/>
+          <a:p>
+            <a:pPr algn="ctr"/>
+            <a:r>
+              <a:rPr lang="de-DE" sz="1200" dirty="0"/>
+              <a:t>grafana-</a:t>
+            </a:r>
+            <a:r>
+              <a:rPr lang="de-DE" sz="1200" dirty="0" err="1"/>
+              <a:t>deployment</a:t>
+            </a:r>
+            <a:endParaRPr lang="de-DE" sz="1200" dirty="0"/>
+          </a:p>
+        </p:txBody>
+      </p:sp>
+      <p:sp>
+        <p:nvSpPr>
+          <p:cNvPr id="27" name="Rechteck 26">
+            <a:extLst>
+              <a:ext uri="{FF2B5EF4-FFF2-40B4-BE49-F238E27FC236}">
+                <a16:creationId xmlns:a16="http://schemas.microsoft.com/office/drawing/2014/main" id="{6EDB4DA6-D209-7E4C-8C3B-F1137A50C21D}"/>
+              </a:ext>
+            </a:extLst>
+          </p:cNvPr>
+          <p:cNvSpPr/>
+          <p:nvPr/>
+        </p:nvSpPr>
+        <p:spPr>
+          <a:xfrm>
+            <a:off x="6912470" y="4820128"/>
+            <a:ext cx="1656230" cy="432060"/>
+          </a:xfrm>
+          <a:prstGeom prst="rect">
+            <a:avLst/>
+          </a:prstGeom>
+          <a:solidFill>
+            <a:srgbClr val="FF6451"/>
+          </a:solidFill>
+          <a:ln>
+            <a:noFill/>
+          </a:ln>
+        </p:spPr>
+        <p:style>
+          <a:lnRef idx="2">
+            <a:schemeClr val="accent1">
+              <a:shade val="50000"/>
+            </a:schemeClr>
+          </a:lnRef>
+          <a:fillRef idx="1">
+            <a:schemeClr val="accent1"/>
+          </a:fillRef>
+          <a:effectRef idx="0">
+            <a:schemeClr val="accent1"/>
+          </a:effectRef>
+          <a:fontRef idx="minor">
+            <a:schemeClr val="lt1"/>
+          </a:fontRef>
+        </p:style>
+        <p:txBody>
+          <a:bodyPr rtlCol="0" anchor="ctr"/>
+          <a:lstStyle/>
+          <a:p>
+            <a:pPr algn="ctr"/>
+            <a:r>
+              <a:rPr lang="de-DE" sz="1200" dirty="0"/>
+              <a:t>grafana-</a:t>
+            </a:r>
+            <a:r>
+              <a:rPr lang="de-DE" sz="1200" dirty="0" err="1"/>
+              <a:t>secret</a:t>
+            </a:r>
+            <a:endParaRPr lang="de-DE" sz="1200" dirty="0"/>
+          </a:p>
+        </p:txBody>
+      </p:sp>
+      <p:cxnSp>
+        <p:nvCxnSpPr>
+          <p:cNvPr id="28" name="Gerade Verbindung mit Pfeil 27">
+            <a:extLst>
+              <a:ext uri="{FF2B5EF4-FFF2-40B4-BE49-F238E27FC236}">
+                <a16:creationId xmlns:a16="http://schemas.microsoft.com/office/drawing/2014/main" id="{6CD14F4E-810D-7B45-9AFC-82D4AB837CF7}"/>
+              </a:ext>
+            </a:extLst>
+          </p:cNvPr>
+          <p:cNvCxnSpPr>
+            <a:cxnSpLocks/>
+            <a:stCxn id="23" idx="2"/>
+            <a:endCxn id="13" idx="0"/>
+          </p:cNvCxnSpPr>
+          <p:nvPr/>
+        </p:nvCxnSpPr>
+        <p:spPr>
+          <a:xfrm>
+            <a:off x="3564005" y="4388436"/>
+            <a:ext cx="0" cy="436236"/>
+          </a:xfrm>
+          <a:prstGeom prst="straightConnector1">
+            <a:avLst/>
+          </a:prstGeom>
+          <a:ln>
+            <a:solidFill>
+              <a:schemeClr val="tx1"/>
+            </a:solidFill>
+            <a:tailEnd type="triangle"/>
+          </a:ln>
+        </p:spPr>
+        <p:style>
+          <a:lnRef idx="1">
+            <a:schemeClr val="accent1"/>
+          </a:lnRef>
+          <a:fillRef idx="0">
+            <a:schemeClr val="accent1"/>
+          </a:fillRef>
+          <a:effectRef idx="0">
+            <a:schemeClr val="accent1"/>
+          </a:effectRef>
+          <a:fontRef idx="minor">
+            <a:schemeClr val="tx1"/>
+          </a:fontRef>
+        </p:style>
+      </p:cxnSp>
+      <p:cxnSp>
+        <p:nvCxnSpPr>
+          <p:cNvPr id="30" name="Gewinkelte Verbindung 29">
+            <a:extLst>
+              <a:ext uri="{FF2B5EF4-FFF2-40B4-BE49-F238E27FC236}">
+                <a16:creationId xmlns:a16="http://schemas.microsoft.com/office/drawing/2014/main" id="{E045D9E9-9C2D-4047-A2B6-04D2498A4902}"/>
+              </a:ext>
+            </a:extLst>
+          </p:cNvPr>
+          <p:cNvCxnSpPr>
+            <a:cxnSpLocks/>
+            <a:stCxn id="26" idx="2"/>
+            <a:endCxn id="27" idx="0"/>
+          </p:cNvCxnSpPr>
+          <p:nvPr/>
+        </p:nvCxnSpPr>
+        <p:spPr>
+          <a:xfrm rot="16200000" flipH="1">
+            <a:off x="6480594" y="3560137"/>
+            <a:ext cx="431692" cy="2088290"/>
+          </a:xfrm>
+          <a:prstGeom prst="bentConnector3">
+            <a:avLst>
+              <a:gd name="adj1" fmla="val 50000"/>
+            </a:avLst>
+          </a:prstGeom>
+          <a:ln>
+            <a:solidFill>
+              <a:schemeClr val="tx1"/>
+            </a:solidFill>
+            <a:tailEnd type="triangle"/>
+          </a:ln>
+        </p:spPr>
+        <p:style>
+          <a:lnRef idx="1">
+            <a:schemeClr val="accent1"/>
+          </a:lnRef>
+          <a:fillRef idx="0">
+            <a:schemeClr val="accent1"/>
+          </a:fillRef>
+          <a:effectRef idx="0">
+            <a:schemeClr val="accent1"/>
+          </a:effectRef>
+          <a:fontRef idx="minor">
+            <a:schemeClr val="tx1"/>
+          </a:fontRef>
+        </p:style>
+      </p:cxnSp>
+      <p:cxnSp>
+        <p:nvCxnSpPr>
+          <p:cNvPr id="31" name="Gerade Verbindung mit Pfeil 30">
+            <a:extLst>
+              <a:ext uri="{FF2B5EF4-FFF2-40B4-BE49-F238E27FC236}">
+                <a16:creationId xmlns:a16="http://schemas.microsoft.com/office/drawing/2014/main" id="{FD6B835D-5FB3-8042-A5D8-0FAD46304608}"/>
+              </a:ext>
+            </a:extLst>
+          </p:cNvPr>
+          <p:cNvCxnSpPr>
+            <a:cxnSpLocks/>
+            <a:stCxn id="12" idx="2"/>
+            <a:endCxn id="23" idx="0"/>
+          </p:cNvCxnSpPr>
+          <p:nvPr/>
+        </p:nvCxnSpPr>
+        <p:spPr>
+          <a:xfrm>
+            <a:off x="3564005" y="3520140"/>
+            <a:ext cx="0" cy="436236"/>
+          </a:xfrm>
+          <a:prstGeom prst="straightConnector1">
+            <a:avLst/>
+          </a:prstGeom>
+          <a:ln>
+            <a:solidFill>
+              <a:schemeClr val="tx1"/>
+            </a:solidFill>
+            <a:tailEnd type="triangle"/>
+          </a:ln>
+        </p:spPr>
+        <p:style>
+          <a:lnRef idx="1">
+            <a:schemeClr val="accent1"/>
+          </a:lnRef>
+          <a:fillRef idx="0">
+            <a:schemeClr val="accent1"/>
+          </a:fillRef>
+          <a:effectRef idx="0">
+            <a:schemeClr val="accent1"/>
+          </a:effectRef>
+          <a:fontRef idx="minor">
+            <a:schemeClr val="tx1"/>
+          </a:fontRef>
+        </p:style>
+      </p:cxnSp>
+      <p:cxnSp>
+        <p:nvCxnSpPr>
+          <p:cNvPr id="32" name="Gerade Verbindung mit Pfeil 31">
+            <a:extLst>
+              <a:ext uri="{FF2B5EF4-FFF2-40B4-BE49-F238E27FC236}">
+                <a16:creationId xmlns:a16="http://schemas.microsoft.com/office/drawing/2014/main" id="{ED21C911-02CD-B04F-B644-6CA53A4858E0}"/>
+              </a:ext>
+            </a:extLst>
+          </p:cNvPr>
+          <p:cNvCxnSpPr>
+            <a:cxnSpLocks/>
+            <a:stCxn id="24" idx="2"/>
+            <a:endCxn id="26" idx="0"/>
+          </p:cNvCxnSpPr>
+          <p:nvPr/>
+        </p:nvCxnSpPr>
+        <p:spPr>
+          <a:xfrm>
+            <a:off x="5652295" y="3520140"/>
+            <a:ext cx="0" cy="436236"/>
+          </a:xfrm>
+          <a:prstGeom prst="straightConnector1">
+            <a:avLst/>
+          </a:prstGeom>
+          <a:ln>
+            <a:solidFill>
+              <a:schemeClr val="tx1"/>
+            </a:solidFill>
+            <a:tailEnd type="triangle"/>
+          </a:ln>
+        </p:spPr>
+        <p:style>
+          <a:lnRef idx="1">
+            <a:schemeClr val="accent1"/>
+          </a:lnRef>
+          <a:fillRef idx="0">
+            <a:schemeClr val="accent1"/>
+          </a:fillRef>
+          <a:effectRef idx="0">
+            <a:schemeClr val="accent1"/>
+          </a:effectRef>
+          <a:fontRef idx="minor">
+            <a:schemeClr val="tx1"/>
+          </a:fontRef>
+        </p:style>
+      </p:cxnSp>
+      <p:cxnSp>
+        <p:nvCxnSpPr>
+          <p:cNvPr id="34" name="Gerade Verbindung mit Pfeil 33">
+            <a:extLst>
+              <a:ext uri="{FF2B5EF4-FFF2-40B4-BE49-F238E27FC236}">
+                <a16:creationId xmlns:a16="http://schemas.microsoft.com/office/drawing/2014/main" id="{0DFE2166-F325-2F49-A418-1DBC32AF6695}"/>
+              </a:ext>
+            </a:extLst>
+          </p:cNvPr>
+          <p:cNvCxnSpPr>
+            <a:cxnSpLocks/>
+          </p:cNvCxnSpPr>
+          <p:nvPr/>
+        </p:nvCxnSpPr>
+        <p:spPr>
+          <a:xfrm>
+            <a:off x="5652295" y="2656020"/>
+            <a:ext cx="0" cy="432060"/>
+          </a:xfrm>
+          <a:prstGeom prst="straightConnector1">
+            <a:avLst/>
+          </a:prstGeom>
+          <a:ln>
+            <a:solidFill>
+              <a:schemeClr val="tx1"/>
+            </a:solidFill>
+            <a:tailEnd type="triangle"/>
+          </a:ln>
+        </p:spPr>
+        <p:style>
+          <a:lnRef idx="1">
+            <a:schemeClr val="accent1"/>
+          </a:lnRef>
+          <a:fillRef idx="0">
+            <a:schemeClr val="accent1"/>
+          </a:fillRef>
+          <a:effectRef idx="0">
+            <a:schemeClr val="accent1"/>
+          </a:effectRef>
+          <a:fontRef idx="minor">
+            <a:schemeClr val="tx1"/>
+          </a:fontRef>
+        </p:style>
+      </p:cxnSp>
+      <p:sp>
+        <p:nvSpPr>
+          <p:cNvPr id="35" name="Textfeld 34">
+            <a:extLst>
+              <a:ext uri="{FF2B5EF4-FFF2-40B4-BE49-F238E27FC236}">
+                <a16:creationId xmlns:a16="http://schemas.microsoft.com/office/drawing/2014/main" id="{1484E950-8AB5-154E-92A8-5DA4124EE31B}"/>
+              </a:ext>
+            </a:extLst>
+          </p:cNvPr>
           <p:cNvSpPr txBox="1"/>
           <p:nvPr/>
         </p:nvSpPr>
         <p:spPr>
           <a:xfrm>
-            <a:off x="3275820" y="2416158"/>
-            <a:ext cx="2592360" cy="369332"/>
+            <a:off x="5112225" y="2381247"/>
+            <a:ext cx="1080139" cy="276999"/>
           </a:xfrm>
           <a:prstGeom prst="rect">
             <a:avLst/>
           </a:prstGeom>
-          <a:solidFill>
-            <a:schemeClr val="bg1"/>
-          </a:solidFill>
+          <a:noFill/>
         </p:spPr>
         <p:txBody>
           <a:bodyPr wrap="square" rtlCol="0">
@@ -4448,6 +6149,2705 @@
           </a:bodyPr>
           <a:lstStyle/>
           <a:p>
+            <a:pPr algn="ctr"/>
+            <a:r>
+              <a:rPr lang="de-DE" sz="1200" dirty="0"/>
+              <a:t>Browser</a:t>
+            </a:r>
+          </a:p>
+        </p:txBody>
+      </p:sp>
+      <p:sp>
+        <p:nvSpPr>
+          <p:cNvPr id="36" name="Rechteck 35">
+            <a:extLst>
+              <a:ext uri="{FF2B5EF4-FFF2-40B4-BE49-F238E27FC236}">
+                <a16:creationId xmlns:a16="http://schemas.microsoft.com/office/drawing/2014/main" id="{080EB723-9F3D-7D44-83DF-343961F055E4}"/>
+              </a:ext>
+            </a:extLst>
+          </p:cNvPr>
+          <p:cNvSpPr/>
+          <p:nvPr/>
+        </p:nvSpPr>
+        <p:spPr>
+          <a:xfrm>
+            <a:off x="647600" y="4820128"/>
+            <a:ext cx="1656230" cy="432060"/>
+          </a:xfrm>
+          <a:prstGeom prst="rect">
+            <a:avLst/>
+          </a:prstGeom>
+          <a:solidFill>
+            <a:srgbClr val="0070C0"/>
+          </a:solidFill>
+          <a:ln>
+            <a:noFill/>
+          </a:ln>
+        </p:spPr>
+        <p:style>
+          <a:lnRef idx="2">
+            <a:schemeClr val="accent1">
+              <a:shade val="50000"/>
+            </a:schemeClr>
+          </a:lnRef>
+          <a:fillRef idx="1">
+            <a:schemeClr val="accent1"/>
+          </a:fillRef>
+          <a:effectRef idx="0">
+            <a:schemeClr val="accent1"/>
+          </a:effectRef>
+          <a:fontRef idx="minor">
+            <a:schemeClr val="lt1"/>
+          </a:fontRef>
+        </p:style>
+        <p:txBody>
+          <a:bodyPr rtlCol="0" anchor="ctr"/>
+          <a:lstStyle/>
+          <a:p>
+            <a:pPr algn="ctr"/>
+            <a:r>
+              <a:rPr lang="de-DE" sz="1200" dirty="0" err="1"/>
+              <a:t>postgres-secret</a:t>
+            </a:r>
+            <a:endParaRPr lang="de-DE" sz="1200" dirty="0"/>
+          </a:p>
+        </p:txBody>
+      </p:sp>
+      <p:cxnSp>
+        <p:nvCxnSpPr>
+          <p:cNvPr id="37" name="Gewinkelte Verbindung 36">
+            <a:extLst>
+              <a:ext uri="{FF2B5EF4-FFF2-40B4-BE49-F238E27FC236}">
+                <a16:creationId xmlns:a16="http://schemas.microsoft.com/office/drawing/2014/main" id="{EC658EAC-AF6B-BB43-AD05-3FC8C1AAAC8B}"/>
+              </a:ext>
+            </a:extLst>
+          </p:cNvPr>
+          <p:cNvCxnSpPr>
+            <a:cxnSpLocks/>
+            <a:stCxn id="23" idx="2"/>
+            <a:endCxn id="36" idx="0"/>
+          </p:cNvCxnSpPr>
+          <p:nvPr/>
+        </p:nvCxnSpPr>
+        <p:spPr>
+          <a:xfrm rot="5400000">
+            <a:off x="2304014" y="3560137"/>
+            <a:ext cx="431692" cy="2088290"/>
+          </a:xfrm>
+          <a:prstGeom prst="bentConnector3">
+            <a:avLst>
+              <a:gd name="adj1" fmla="val 50000"/>
+            </a:avLst>
+          </a:prstGeom>
+          <a:ln>
+            <a:solidFill>
+              <a:schemeClr val="tx1"/>
+            </a:solidFill>
+            <a:tailEnd type="triangle"/>
+          </a:ln>
+        </p:spPr>
+        <p:style>
+          <a:lnRef idx="1">
+            <a:schemeClr val="accent1"/>
+          </a:lnRef>
+          <a:fillRef idx="0">
+            <a:schemeClr val="accent1"/>
+          </a:fillRef>
+          <a:effectRef idx="0">
+            <a:schemeClr val="accent1"/>
+          </a:effectRef>
+          <a:fontRef idx="minor">
+            <a:schemeClr val="tx1"/>
+          </a:fontRef>
+        </p:style>
+      </p:cxnSp>
+    </p:spTree>
+    <p:extLst>
+      <p:ext uri="{BB962C8B-B14F-4D97-AF65-F5344CB8AC3E}">
+        <p14:creationId xmlns:p14="http://schemas.microsoft.com/office/powerpoint/2010/main" val="2462981777"/>
+      </p:ext>
+    </p:extLst>
+  </p:cSld>
+  <p:clrMapOvr>
+    <a:masterClrMapping/>
+  </p:clrMapOvr>
+</p:sld>
+</file>
+
+<file path=ppt/slides/slide12.xml><?xml version="1.0" encoding="utf-8"?>
+<p:sld xmlns:a="http://schemas.openxmlformats.org/drawingml/2006/main" xmlns:r="http://schemas.openxmlformats.org/officeDocument/2006/relationships" xmlns:p="http://schemas.openxmlformats.org/presentationml/2006/main">
+  <p:cSld>
+    <p:spTree>
+      <p:nvGrpSpPr>
+        <p:cNvPr id="1" name=""/>
+        <p:cNvGrpSpPr/>
+        <p:nvPr/>
+      </p:nvGrpSpPr>
+      <p:grpSpPr>
+        <a:xfrm>
+          <a:off x="0" y="0"/>
+          <a:ext cx="0" cy="0"/>
+          <a:chOff x="0" y="0"/>
+          <a:chExt cx="0" cy="0"/>
+        </a:xfrm>
+      </p:grpSpPr>
+      <p:sp>
+        <p:nvSpPr>
+          <p:cNvPr id="2" name="Titel 1">
+            <a:extLst>
+              <a:ext uri="{FF2B5EF4-FFF2-40B4-BE49-F238E27FC236}">
+                <a16:creationId xmlns:a16="http://schemas.microsoft.com/office/drawing/2014/main" id="{63E74088-BB91-574B-9695-A0121785026E}"/>
+              </a:ext>
+            </a:extLst>
+          </p:cNvPr>
+          <p:cNvSpPr>
+            <a:spLocks noGrp="1"/>
+          </p:cNvSpPr>
+          <p:nvPr>
+            <p:ph type="title"/>
+          </p:nvPr>
+        </p:nvSpPr>
+        <p:spPr/>
+        <p:txBody>
+          <a:bodyPr/>
+          <a:lstStyle/>
+          <a:p>
+            <a:r>
+              <a:rPr lang="de-DE" dirty="0"/>
+              <a:t>Datenquelle vorkonfigurieren</a:t>
+            </a:r>
+          </a:p>
+        </p:txBody>
+      </p:sp>
+      <p:sp>
+        <p:nvSpPr>
+          <p:cNvPr id="12" name="Rechteck 11">
+            <a:extLst>
+              <a:ext uri="{FF2B5EF4-FFF2-40B4-BE49-F238E27FC236}">
+                <a16:creationId xmlns:a16="http://schemas.microsoft.com/office/drawing/2014/main" id="{57A7CC03-CA37-A247-AF54-5D0403616895}"/>
+              </a:ext>
+            </a:extLst>
+          </p:cNvPr>
+          <p:cNvSpPr/>
+          <p:nvPr/>
+        </p:nvSpPr>
+        <p:spPr>
+          <a:xfrm>
+            <a:off x="2735890" y="3088080"/>
+            <a:ext cx="1656230" cy="432060"/>
+          </a:xfrm>
+          <a:prstGeom prst="rect">
+            <a:avLst/>
+          </a:prstGeom>
+          <a:solidFill>
+            <a:srgbClr val="0070C0"/>
+          </a:solidFill>
+          <a:ln>
+            <a:noFill/>
+          </a:ln>
+        </p:spPr>
+        <p:style>
+          <a:lnRef idx="2">
+            <a:schemeClr val="accent1">
+              <a:shade val="50000"/>
+            </a:schemeClr>
+          </a:lnRef>
+          <a:fillRef idx="1">
+            <a:schemeClr val="accent1"/>
+          </a:fillRef>
+          <a:effectRef idx="0">
+            <a:schemeClr val="accent1"/>
+          </a:effectRef>
+          <a:fontRef idx="minor">
+            <a:schemeClr val="lt1"/>
+          </a:fontRef>
+        </p:style>
+        <p:txBody>
+          <a:bodyPr rtlCol="0" anchor="ctr"/>
+          <a:lstStyle/>
+          <a:p>
+            <a:pPr algn="ctr"/>
+            <a:r>
+              <a:rPr lang="de-DE" sz="1200" dirty="0" err="1"/>
+              <a:t>postgres</a:t>
+            </a:r>
+            <a:r>
+              <a:rPr lang="de-DE" sz="1200" dirty="0"/>
+              <a:t>-service</a:t>
+            </a:r>
+          </a:p>
+        </p:txBody>
+      </p:sp>
+      <p:sp>
+        <p:nvSpPr>
+          <p:cNvPr id="13" name="Rechteck 12">
+            <a:extLst>
+              <a:ext uri="{FF2B5EF4-FFF2-40B4-BE49-F238E27FC236}">
+                <a16:creationId xmlns:a16="http://schemas.microsoft.com/office/drawing/2014/main" id="{4CC83FC3-1958-A749-8D16-6920AA979673}"/>
+              </a:ext>
+            </a:extLst>
+          </p:cNvPr>
+          <p:cNvSpPr/>
+          <p:nvPr/>
+        </p:nvSpPr>
+        <p:spPr>
+          <a:xfrm>
+            <a:off x="2735890" y="4824672"/>
+            <a:ext cx="1656230" cy="432060"/>
+          </a:xfrm>
+          <a:prstGeom prst="rect">
+            <a:avLst/>
+          </a:prstGeom>
+          <a:solidFill>
+            <a:srgbClr val="0070C0"/>
+          </a:solidFill>
+          <a:ln>
+            <a:noFill/>
+          </a:ln>
+        </p:spPr>
+        <p:style>
+          <a:lnRef idx="2">
+            <a:schemeClr val="accent1">
+              <a:shade val="50000"/>
+            </a:schemeClr>
+          </a:lnRef>
+          <a:fillRef idx="1">
+            <a:schemeClr val="accent1"/>
+          </a:fillRef>
+          <a:effectRef idx="0">
+            <a:schemeClr val="accent1"/>
+          </a:effectRef>
+          <a:fontRef idx="minor">
+            <a:schemeClr val="lt1"/>
+          </a:fontRef>
+        </p:style>
+        <p:txBody>
+          <a:bodyPr rtlCol="0" anchor="ctr"/>
+          <a:lstStyle/>
+          <a:p>
+            <a:pPr algn="ctr"/>
+            <a:r>
+              <a:rPr lang="de-DE" sz="1200" dirty="0" err="1"/>
+              <a:t>postgres-configmap</a:t>
+            </a:r>
+            <a:endParaRPr lang="de-DE" sz="1200" dirty="0"/>
+          </a:p>
+        </p:txBody>
+      </p:sp>
+      <p:sp>
+        <p:nvSpPr>
+          <p:cNvPr id="23" name="Rechteck 22">
+            <a:extLst>
+              <a:ext uri="{FF2B5EF4-FFF2-40B4-BE49-F238E27FC236}">
+                <a16:creationId xmlns:a16="http://schemas.microsoft.com/office/drawing/2014/main" id="{C7A95584-A429-2741-9DE4-E5F9D8D5EC2B}"/>
+              </a:ext>
+            </a:extLst>
+          </p:cNvPr>
+          <p:cNvSpPr/>
+          <p:nvPr/>
+        </p:nvSpPr>
+        <p:spPr>
+          <a:xfrm>
+            <a:off x="2735890" y="3956376"/>
+            <a:ext cx="1656230" cy="432060"/>
+          </a:xfrm>
+          <a:prstGeom prst="rect">
+            <a:avLst/>
+          </a:prstGeom>
+          <a:solidFill>
+            <a:srgbClr val="0070C0"/>
+          </a:solidFill>
+          <a:ln>
+            <a:noFill/>
+          </a:ln>
+        </p:spPr>
+        <p:style>
+          <a:lnRef idx="2">
+            <a:schemeClr val="accent1">
+              <a:shade val="50000"/>
+            </a:schemeClr>
+          </a:lnRef>
+          <a:fillRef idx="1">
+            <a:schemeClr val="accent1"/>
+          </a:fillRef>
+          <a:effectRef idx="0">
+            <a:schemeClr val="accent1"/>
+          </a:effectRef>
+          <a:fontRef idx="minor">
+            <a:schemeClr val="lt1"/>
+          </a:fontRef>
+        </p:style>
+        <p:txBody>
+          <a:bodyPr rtlCol="0" anchor="ctr"/>
+          <a:lstStyle/>
+          <a:p>
+            <a:pPr algn="ctr"/>
+            <a:r>
+              <a:rPr lang="de-DE" sz="1200" dirty="0" err="1"/>
+              <a:t>postgres-deployment</a:t>
+            </a:r>
+            <a:endParaRPr lang="de-DE" sz="1200" dirty="0"/>
+          </a:p>
+        </p:txBody>
+      </p:sp>
+      <p:sp>
+        <p:nvSpPr>
+          <p:cNvPr id="24" name="Rechteck 23">
+            <a:extLst>
+              <a:ext uri="{FF2B5EF4-FFF2-40B4-BE49-F238E27FC236}">
+                <a16:creationId xmlns:a16="http://schemas.microsoft.com/office/drawing/2014/main" id="{D4DC9B4E-95E8-C64C-A82D-77ACE9072CBC}"/>
+              </a:ext>
+            </a:extLst>
+          </p:cNvPr>
+          <p:cNvSpPr/>
+          <p:nvPr/>
+        </p:nvSpPr>
+        <p:spPr>
+          <a:xfrm>
+            <a:off x="4824180" y="3088080"/>
+            <a:ext cx="1656230" cy="432060"/>
+          </a:xfrm>
+          <a:prstGeom prst="rect">
+            <a:avLst/>
+          </a:prstGeom>
+          <a:solidFill>
+            <a:srgbClr val="FF6451"/>
+          </a:solidFill>
+          <a:ln>
+            <a:noFill/>
+          </a:ln>
+        </p:spPr>
+        <p:style>
+          <a:lnRef idx="2">
+            <a:schemeClr val="accent1">
+              <a:shade val="50000"/>
+            </a:schemeClr>
+          </a:lnRef>
+          <a:fillRef idx="1">
+            <a:schemeClr val="accent1"/>
+          </a:fillRef>
+          <a:effectRef idx="0">
+            <a:schemeClr val="accent1"/>
+          </a:effectRef>
+          <a:fontRef idx="minor">
+            <a:schemeClr val="lt1"/>
+          </a:fontRef>
+        </p:style>
+        <p:txBody>
+          <a:bodyPr rtlCol="0" anchor="ctr"/>
+          <a:lstStyle/>
+          <a:p>
+            <a:pPr algn="ctr"/>
+            <a:r>
+              <a:rPr lang="de-DE" sz="1200" dirty="0"/>
+              <a:t>grafana-service</a:t>
+            </a:r>
+          </a:p>
+        </p:txBody>
+      </p:sp>
+      <p:sp>
+        <p:nvSpPr>
+          <p:cNvPr id="25" name="Rechteck 24">
+            <a:extLst>
+              <a:ext uri="{FF2B5EF4-FFF2-40B4-BE49-F238E27FC236}">
+                <a16:creationId xmlns:a16="http://schemas.microsoft.com/office/drawing/2014/main" id="{BD9E4887-F65C-4C42-A9BD-A70DBADC8765}"/>
+              </a:ext>
+            </a:extLst>
+          </p:cNvPr>
+          <p:cNvSpPr/>
+          <p:nvPr/>
+        </p:nvSpPr>
+        <p:spPr>
+          <a:xfrm>
+            <a:off x="4824180" y="4820128"/>
+            <a:ext cx="1656230" cy="432060"/>
+          </a:xfrm>
+          <a:prstGeom prst="rect">
+            <a:avLst/>
+          </a:prstGeom>
+          <a:solidFill>
+            <a:srgbClr val="FF6451"/>
+          </a:solidFill>
+          <a:ln>
+            <a:noFill/>
+          </a:ln>
+        </p:spPr>
+        <p:style>
+          <a:lnRef idx="2">
+            <a:schemeClr val="accent1">
+              <a:shade val="50000"/>
+            </a:schemeClr>
+          </a:lnRef>
+          <a:fillRef idx="1">
+            <a:schemeClr val="accent1"/>
+          </a:fillRef>
+          <a:effectRef idx="0">
+            <a:schemeClr val="accent1"/>
+          </a:effectRef>
+          <a:fontRef idx="minor">
+            <a:schemeClr val="lt1"/>
+          </a:fontRef>
+        </p:style>
+        <p:txBody>
+          <a:bodyPr rtlCol="0" anchor="ctr"/>
+          <a:lstStyle/>
+          <a:p>
+            <a:pPr algn="ctr"/>
+            <a:r>
+              <a:rPr lang="de-DE" sz="1200" dirty="0"/>
+              <a:t>grafana-</a:t>
+            </a:r>
+            <a:r>
+              <a:rPr lang="de-DE" sz="1200" dirty="0" err="1"/>
+              <a:t>configmap</a:t>
+            </a:r>
+            <a:endParaRPr lang="de-DE" sz="1200" dirty="0"/>
+          </a:p>
+        </p:txBody>
+      </p:sp>
+      <p:sp>
+        <p:nvSpPr>
+          <p:cNvPr id="26" name="Rechteck 25">
+            <a:extLst>
+              <a:ext uri="{FF2B5EF4-FFF2-40B4-BE49-F238E27FC236}">
+                <a16:creationId xmlns:a16="http://schemas.microsoft.com/office/drawing/2014/main" id="{AA1FC284-6427-0F49-95AD-A4FA3EBDA675}"/>
+              </a:ext>
+            </a:extLst>
+          </p:cNvPr>
+          <p:cNvSpPr/>
+          <p:nvPr/>
+        </p:nvSpPr>
+        <p:spPr>
+          <a:xfrm>
+            <a:off x="4824180" y="3956376"/>
+            <a:ext cx="1656230" cy="432060"/>
+          </a:xfrm>
+          <a:prstGeom prst="rect">
+            <a:avLst/>
+          </a:prstGeom>
+          <a:solidFill>
+            <a:srgbClr val="FF6451"/>
+          </a:solidFill>
+          <a:ln>
+            <a:noFill/>
+          </a:ln>
+        </p:spPr>
+        <p:style>
+          <a:lnRef idx="2">
+            <a:schemeClr val="accent1">
+              <a:shade val="50000"/>
+            </a:schemeClr>
+          </a:lnRef>
+          <a:fillRef idx="1">
+            <a:schemeClr val="accent1"/>
+          </a:fillRef>
+          <a:effectRef idx="0">
+            <a:schemeClr val="accent1"/>
+          </a:effectRef>
+          <a:fontRef idx="minor">
+            <a:schemeClr val="lt1"/>
+          </a:fontRef>
+        </p:style>
+        <p:txBody>
+          <a:bodyPr rtlCol="0" anchor="ctr"/>
+          <a:lstStyle/>
+          <a:p>
+            <a:pPr algn="ctr"/>
+            <a:r>
+              <a:rPr lang="de-DE" sz="1200" dirty="0"/>
+              <a:t>grafana-</a:t>
+            </a:r>
+            <a:r>
+              <a:rPr lang="de-DE" sz="1200" dirty="0" err="1"/>
+              <a:t>deployment</a:t>
+            </a:r>
+            <a:endParaRPr lang="de-DE" sz="1200" dirty="0"/>
+          </a:p>
+        </p:txBody>
+      </p:sp>
+      <p:sp>
+        <p:nvSpPr>
+          <p:cNvPr id="27" name="Rechteck 26">
+            <a:extLst>
+              <a:ext uri="{FF2B5EF4-FFF2-40B4-BE49-F238E27FC236}">
+                <a16:creationId xmlns:a16="http://schemas.microsoft.com/office/drawing/2014/main" id="{6EDB4DA6-D209-7E4C-8C3B-F1137A50C21D}"/>
+              </a:ext>
+            </a:extLst>
+          </p:cNvPr>
+          <p:cNvSpPr/>
+          <p:nvPr/>
+        </p:nvSpPr>
+        <p:spPr>
+          <a:xfrm>
+            <a:off x="6912470" y="4820128"/>
+            <a:ext cx="1656230" cy="432060"/>
+          </a:xfrm>
+          <a:prstGeom prst="rect">
+            <a:avLst/>
+          </a:prstGeom>
+          <a:solidFill>
+            <a:srgbClr val="FF6451"/>
+          </a:solidFill>
+          <a:ln>
+            <a:noFill/>
+          </a:ln>
+        </p:spPr>
+        <p:style>
+          <a:lnRef idx="2">
+            <a:schemeClr val="accent1">
+              <a:shade val="50000"/>
+            </a:schemeClr>
+          </a:lnRef>
+          <a:fillRef idx="1">
+            <a:schemeClr val="accent1"/>
+          </a:fillRef>
+          <a:effectRef idx="0">
+            <a:schemeClr val="accent1"/>
+          </a:effectRef>
+          <a:fontRef idx="minor">
+            <a:schemeClr val="lt1"/>
+          </a:fontRef>
+        </p:style>
+        <p:txBody>
+          <a:bodyPr rtlCol="0" anchor="ctr"/>
+          <a:lstStyle/>
+          <a:p>
+            <a:pPr algn="ctr"/>
+            <a:r>
+              <a:rPr lang="de-DE" sz="1200" dirty="0"/>
+              <a:t>grafana-</a:t>
+            </a:r>
+            <a:r>
+              <a:rPr lang="de-DE" sz="1200" dirty="0" err="1"/>
+              <a:t>secret</a:t>
+            </a:r>
+            <a:endParaRPr lang="de-DE" sz="1200" dirty="0"/>
+          </a:p>
+        </p:txBody>
+      </p:sp>
+      <p:cxnSp>
+        <p:nvCxnSpPr>
+          <p:cNvPr id="28" name="Gerade Verbindung mit Pfeil 27">
+            <a:extLst>
+              <a:ext uri="{FF2B5EF4-FFF2-40B4-BE49-F238E27FC236}">
+                <a16:creationId xmlns:a16="http://schemas.microsoft.com/office/drawing/2014/main" id="{6CD14F4E-810D-7B45-9AFC-82D4AB837CF7}"/>
+              </a:ext>
+            </a:extLst>
+          </p:cNvPr>
+          <p:cNvCxnSpPr>
+            <a:cxnSpLocks/>
+            <a:stCxn id="23" idx="2"/>
+            <a:endCxn id="13" idx="0"/>
+          </p:cNvCxnSpPr>
+          <p:nvPr/>
+        </p:nvCxnSpPr>
+        <p:spPr>
+          <a:xfrm>
+            <a:off x="3564005" y="4388436"/>
+            <a:ext cx="0" cy="436236"/>
+          </a:xfrm>
+          <a:prstGeom prst="straightConnector1">
+            <a:avLst/>
+          </a:prstGeom>
+          <a:ln>
+            <a:solidFill>
+              <a:schemeClr val="tx1"/>
+            </a:solidFill>
+            <a:tailEnd type="triangle"/>
+          </a:ln>
+        </p:spPr>
+        <p:style>
+          <a:lnRef idx="1">
+            <a:schemeClr val="accent1"/>
+          </a:lnRef>
+          <a:fillRef idx="0">
+            <a:schemeClr val="accent1"/>
+          </a:fillRef>
+          <a:effectRef idx="0">
+            <a:schemeClr val="accent1"/>
+          </a:effectRef>
+          <a:fontRef idx="minor">
+            <a:schemeClr val="tx1"/>
+          </a:fontRef>
+        </p:style>
+      </p:cxnSp>
+      <p:cxnSp>
+        <p:nvCxnSpPr>
+          <p:cNvPr id="29" name="Gerade Verbindung mit Pfeil 28">
+            <a:extLst>
+              <a:ext uri="{FF2B5EF4-FFF2-40B4-BE49-F238E27FC236}">
+                <a16:creationId xmlns:a16="http://schemas.microsoft.com/office/drawing/2014/main" id="{5A5BEB39-4AF5-C841-9E3B-3C59370CC992}"/>
+              </a:ext>
+            </a:extLst>
+          </p:cNvPr>
+          <p:cNvCxnSpPr>
+            <a:cxnSpLocks/>
+            <a:stCxn id="26" idx="2"/>
+            <a:endCxn id="25" idx="0"/>
+          </p:cNvCxnSpPr>
+          <p:nvPr/>
+        </p:nvCxnSpPr>
+        <p:spPr>
+          <a:xfrm>
+            <a:off x="5652295" y="4388436"/>
+            <a:ext cx="0" cy="431692"/>
+          </a:xfrm>
+          <a:prstGeom prst="straightConnector1">
+            <a:avLst/>
+          </a:prstGeom>
+          <a:ln>
+            <a:solidFill>
+              <a:schemeClr val="tx1"/>
+            </a:solidFill>
+            <a:tailEnd type="triangle"/>
+          </a:ln>
+        </p:spPr>
+        <p:style>
+          <a:lnRef idx="1">
+            <a:schemeClr val="accent1"/>
+          </a:lnRef>
+          <a:fillRef idx="0">
+            <a:schemeClr val="accent1"/>
+          </a:fillRef>
+          <a:effectRef idx="0">
+            <a:schemeClr val="accent1"/>
+          </a:effectRef>
+          <a:fontRef idx="minor">
+            <a:schemeClr val="tx1"/>
+          </a:fontRef>
+        </p:style>
+      </p:cxnSp>
+      <p:cxnSp>
+        <p:nvCxnSpPr>
+          <p:cNvPr id="30" name="Gewinkelte Verbindung 29">
+            <a:extLst>
+              <a:ext uri="{FF2B5EF4-FFF2-40B4-BE49-F238E27FC236}">
+                <a16:creationId xmlns:a16="http://schemas.microsoft.com/office/drawing/2014/main" id="{E045D9E9-9C2D-4047-A2B6-04D2498A4902}"/>
+              </a:ext>
+            </a:extLst>
+          </p:cNvPr>
+          <p:cNvCxnSpPr>
+            <a:cxnSpLocks/>
+            <a:stCxn id="26" idx="2"/>
+            <a:endCxn id="27" idx="0"/>
+          </p:cNvCxnSpPr>
+          <p:nvPr/>
+        </p:nvCxnSpPr>
+        <p:spPr>
+          <a:xfrm rot="16200000" flipH="1">
+            <a:off x="6480594" y="3560137"/>
+            <a:ext cx="431692" cy="2088290"/>
+          </a:xfrm>
+          <a:prstGeom prst="bentConnector3">
+            <a:avLst>
+              <a:gd name="adj1" fmla="val 50000"/>
+            </a:avLst>
+          </a:prstGeom>
+          <a:ln>
+            <a:solidFill>
+              <a:schemeClr val="tx1"/>
+            </a:solidFill>
+            <a:tailEnd type="triangle"/>
+          </a:ln>
+        </p:spPr>
+        <p:style>
+          <a:lnRef idx="1">
+            <a:schemeClr val="accent1"/>
+          </a:lnRef>
+          <a:fillRef idx="0">
+            <a:schemeClr val="accent1"/>
+          </a:fillRef>
+          <a:effectRef idx="0">
+            <a:schemeClr val="accent1"/>
+          </a:effectRef>
+          <a:fontRef idx="minor">
+            <a:schemeClr val="tx1"/>
+          </a:fontRef>
+        </p:style>
+      </p:cxnSp>
+      <p:cxnSp>
+        <p:nvCxnSpPr>
+          <p:cNvPr id="31" name="Gerade Verbindung mit Pfeil 30">
+            <a:extLst>
+              <a:ext uri="{FF2B5EF4-FFF2-40B4-BE49-F238E27FC236}">
+                <a16:creationId xmlns:a16="http://schemas.microsoft.com/office/drawing/2014/main" id="{FD6B835D-5FB3-8042-A5D8-0FAD46304608}"/>
+              </a:ext>
+            </a:extLst>
+          </p:cNvPr>
+          <p:cNvCxnSpPr>
+            <a:cxnSpLocks/>
+            <a:stCxn id="12" idx="2"/>
+            <a:endCxn id="23" idx="0"/>
+          </p:cNvCxnSpPr>
+          <p:nvPr/>
+        </p:nvCxnSpPr>
+        <p:spPr>
+          <a:xfrm>
+            <a:off x="3564005" y="3520140"/>
+            <a:ext cx="0" cy="436236"/>
+          </a:xfrm>
+          <a:prstGeom prst="straightConnector1">
+            <a:avLst/>
+          </a:prstGeom>
+          <a:ln>
+            <a:solidFill>
+              <a:schemeClr val="tx1"/>
+            </a:solidFill>
+            <a:tailEnd type="triangle"/>
+          </a:ln>
+        </p:spPr>
+        <p:style>
+          <a:lnRef idx="1">
+            <a:schemeClr val="accent1"/>
+          </a:lnRef>
+          <a:fillRef idx="0">
+            <a:schemeClr val="accent1"/>
+          </a:fillRef>
+          <a:effectRef idx="0">
+            <a:schemeClr val="accent1"/>
+          </a:effectRef>
+          <a:fontRef idx="minor">
+            <a:schemeClr val="tx1"/>
+          </a:fontRef>
+        </p:style>
+      </p:cxnSp>
+      <p:cxnSp>
+        <p:nvCxnSpPr>
+          <p:cNvPr id="32" name="Gerade Verbindung mit Pfeil 31">
+            <a:extLst>
+              <a:ext uri="{FF2B5EF4-FFF2-40B4-BE49-F238E27FC236}">
+                <a16:creationId xmlns:a16="http://schemas.microsoft.com/office/drawing/2014/main" id="{ED21C911-02CD-B04F-B644-6CA53A4858E0}"/>
+              </a:ext>
+            </a:extLst>
+          </p:cNvPr>
+          <p:cNvCxnSpPr>
+            <a:cxnSpLocks/>
+            <a:stCxn id="24" idx="2"/>
+            <a:endCxn id="26" idx="0"/>
+          </p:cNvCxnSpPr>
+          <p:nvPr/>
+        </p:nvCxnSpPr>
+        <p:spPr>
+          <a:xfrm>
+            <a:off x="5652295" y="3520140"/>
+            <a:ext cx="0" cy="436236"/>
+          </a:xfrm>
+          <a:prstGeom prst="straightConnector1">
+            <a:avLst/>
+          </a:prstGeom>
+          <a:ln>
+            <a:solidFill>
+              <a:schemeClr val="tx1"/>
+            </a:solidFill>
+            <a:tailEnd type="triangle"/>
+          </a:ln>
+        </p:spPr>
+        <p:style>
+          <a:lnRef idx="1">
+            <a:schemeClr val="accent1"/>
+          </a:lnRef>
+          <a:fillRef idx="0">
+            <a:schemeClr val="accent1"/>
+          </a:fillRef>
+          <a:effectRef idx="0">
+            <a:schemeClr val="accent1"/>
+          </a:effectRef>
+          <a:fontRef idx="minor">
+            <a:schemeClr val="tx1"/>
+          </a:fontRef>
+        </p:style>
+      </p:cxnSp>
+      <p:cxnSp>
+        <p:nvCxnSpPr>
+          <p:cNvPr id="33" name="Gewinkelte Verbindung 32">
+            <a:extLst>
+              <a:ext uri="{FF2B5EF4-FFF2-40B4-BE49-F238E27FC236}">
+                <a16:creationId xmlns:a16="http://schemas.microsoft.com/office/drawing/2014/main" id="{9D9BF377-8201-8246-9772-39204065A8C4}"/>
+              </a:ext>
+            </a:extLst>
+          </p:cNvPr>
+          <p:cNvCxnSpPr>
+            <a:cxnSpLocks/>
+            <a:stCxn id="25" idx="1"/>
+            <a:endCxn id="12" idx="3"/>
+          </p:cNvCxnSpPr>
+          <p:nvPr/>
+        </p:nvCxnSpPr>
+        <p:spPr>
+          <a:xfrm rot="10800000">
+            <a:off x="4392120" y="3304110"/>
+            <a:ext cx="432060" cy="1732048"/>
+          </a:xfrm>
+          <a:prstGeom prst="bentConnector3">
+            <a:avLst/>
+          </a:prstGeom>
+          <a:ln>
+            <a:solidFill>
+              <a:schemeClr val="tx1"/>
+            </a:solidFill>
+            <a:tailEnd type="triangle"/>
+          </a:ln>
+        </p:spPr>
+        <p:style>
+          <a:lnRef idx="1">
+            <a:schemeClr val="accent1"/>
+          </a:lnRef>
+          <a:fillRef idx="0">
+            <a:schemeClr val="accent1"/>
+          </a:fillRef>
+          <a:effectRef idx="0">
+            <a:schemeClr val="accent1"/>
+          </a:effectRef>
+          <a:fontRef idx="minor">
+            <a:schemeClr val="tx1"/>
+          </a:fontRef>
+        </p:style>
+      </p:cxnSp>
+      <p:cxnSp>
+        <p:nvCxnSpPr>
+          <p:cNvPr id="34" name="Gerade Verbindung mit Pfeil 33">
+            <a:extLst>
+              <a:ext uri="{FF2B5EF4-FFF2-40B4-BE49-F238E27FC236}">
+                <a16:creationId xmlns:a16="http://schemas.microsoft.com/office/drawing/2014/main" id="{0DFE2166-F325-2F49-A418-1DBC32AF6695}"/>
+              </a:ext>
+            </a:extLst>
+          </p:cNvPr>
+          <p:cNvCxnSpPr>
+            <a:cxnSpLocks/>
+          </p:cNvCxnSpPr>
+          <p:nvPr/>
+        </p:nvCxnSpPr>
+        <p:spPr>
+          <a:xfrm>
+            <a:off x="5652295" y="2656020"/>
+            <a:ext cx="0" cy="432060"/>
+          </a:xfrm>
+          <a:prstGeom prst="straightConnector1">
+            <a:avLst/>
+          </a:prstGeom>
+          <a:ln>
+            <a:solidFill>
+              <a:schemeClr val="tx1"/>
+            </a:solidFill>
+            <a:tailEnd type="triangle"/>
+          </a:ln>
+        </p:spPr>
+        <p:style>
+          <a:lnRef idx="1">
+            <a:schemeClr val="accent1"/>
+          </a:lnRef>
+          <a:fillRef idx="0">
+            <a:schemeClr val="accent1"/>
+          </a:fillRef>
+          <a:effectRef idx="0">
+            <a:schemeClr val="accent1"/>
+          </a:effectRef>
+          <a:fontRef idx="minor">
+            <a:schemeClr val="tx1"/>
+          </a:fontRef>
+        </p:style>
+      </p:cxnSp>
+      <p:sp>
+        <p:nvSpPr>
+          <p:cNvPr id="35" name="Textfeld 34">
+            <a:extLst>
+              <a:ext uri="{FF2B5EF4-FFF2-40B4-BE49-F238E27FC236}">
+                <a16:creationId xmlns:a16="http://schemas.microsoft.com/office/drawing/2014/main" id="{1484E950-8AB5-154E-92A8-5DA4124EE31B}"/>
+              </a:ext>
+            </a:extLst>
+          </p:cNvPr>
+          <p:cNvSpPr txBox="1"/>
+          <p:nvPr/>
+        </p:nvSpPr>
+        <p:spPr>
+          <a:xfrm>
+            <a:off x="5112225" y="2381247"/>
+            <a:ext cx="1080139" cy="276999"/>
+          </a:xfrm>
+          <a:prstGeom prst="rect">
+            <a:avLst/>
+          </a:prstGeom>
+          <a:noFill/>
+        </p:spPr>
+        <p:txBody>
+          <a:bodyPr wrap="square" rtlCol="0">
+            <a:spAutoFit/>
+          </a:bodyPr>
+          <a:lstStyle/>
+          <a:p>
+            <a:pPr algn="ctr"/>
+            <a:r>
+              <a:rPr lang="de-DE" sz="1200" dirty="0"/>
+              <a:t>Browser</a:t>
+            </a:r>
+          </a:p>
+        </p:txBody>
+      </p:sp>
+      <p:sp>
+        <p:nvSpPr>
+          <p:cNvPr id="36" name="Rechteck 35">
+            <a:extLst>
+              <a:ext uri="{FF2B5EF4-FFF2-40B4-BE49-F238E27FC236}">
+                <a16:creationId xmlns:a16="http://schemas.microsoft.com/office/drawing/2014/main" id="{080EB723-9F3D-7D44-83DF-343961F055E4}"/>
+              </a:ext>
+            </a:extLst>
+          </p:cNvPr>
+          <p:cNvSpPr/>
+          <p:nvPr/>
+        </p:nvSpPr>
+        <p:spPr>
+          <a:xfrm>
+            <a:off x="647600" y="4820128"/>
+            <a:ext cx="1656230" cy="432060"/>
+          </a:xfrm>
+          <a:prstGeom prst="rect">
+            <a:avLst/>
+          </a:prstGeom>
+          <a:solidFill>
+            <a:srgbClr val="0070C0"/>
+          </a:solidFill>
+          <a:ln>
+            <a:noFill/>
+          </a:ln>
+        </p:spPr>
+        <p:style>
+          <a:lnRef idx="2">
+            <a:schemeClr val="accent1">
+              <a:shade val="50000"/>
+            </a:schemeClr>
+          </a:lnRef>
+          <a:fillRef idx="1">
+            <a:schemeClr val="accent1"/>
+          </a:fillRef>
+          <a:effectRef idx="0">
+            <a:schemeClr val="accent1"/>
+          </a:effectRef>
+          <a:fontRef idx="minor">
+            <a:schemeClr val="lt1"/>
+          </a:fontRef>
+        </p:style>
+        <p:txBody>
+          <a:bodyPr rtlCol="0" anchor="ctr"/>
+          <a:lstStyle/>
+          <a:p>
+            <a:pPr algn="ctr"/>
+            <a:r>
+              <a:rPr lang="de-DE" sz="1200" dirty="0" err="1"/>
+              <a:t>postgres-secret</a:t>
+            </a:r>
+            <a:endParaRPr lang="de-DE" sz="1200" dirty="0"/>
+          </a:p>
+        </p:txBody>
+      </p:sp>
+      <p:cxnSp>
+        <p:nvCxnSpPr>
+          <p:cNvPr id="37" name="Gewinkelte Verbindung 36">
+            <a:extLst>
+              <a:ext uri="{FF2B5EF4-FFF2-40B4-BE49-F238E27FC236}">
+                <a16:creationId xmlns:a16="http://schemas.microsoft.com/office/drawing/2014/main" id="{EC658EAC-AF6B-BB43-AD05-3FC8C1AAAC8B}"/>
+              </a:ext>
+            </a:extLst>
+          </p:cNvPr>
+          <p:cNvCxnSpPr>
+            <a:cxnSpLocks/>
+            <a:stCxn id="23" idx="2"/>
+            <a:endCxn id="36" idx="0"/>
+          </p:cNvCxnSpPr>
+          <p:nvPr/>
+        </p:nvCxnSpPr>
+        <p:spPr>
+          <a:xfrm rot="5400000">
+            <a:off x="2304014" y="3560137"/>
+            <a:ext cx="431692" cy="2088290"/>
+          </a:xfrm>
+          <a:prstGeom prst="bentConnector3">
+            <a:avLst>
+              <a:gd name="adj1" fmla="val 50000"/>
+            </a:avLst>
+          </a:prstGeom>
+          <a:ln>
+            <a:solidFill>
+              <a:schemeClr val="tx1"/>
+            </a:solidFill>
+            <a:tailEnd type="triangle"/>
+          </a:ln>
+        </p:spPr>
+        <p:style>
+          <a:lnRef idx="1">
+            <a:schemeClr val="accent1"/>
+          </a:lnRef>
+          <a:fillRef idx="0">
+            <a:schemeClr val="accent1"/>
+          </a:fillRef>
+          <a:effectRef idx="0">
+            <a:schemeClr val="accent1"/>
+          </a:effectRef>
+          <a:fontRef idx="minor">
+            <a:schemeClr val="tx1"/>
+          </a:fontRef>
+        </p:style>
+      </p:cxnSp>
+    </p:spTree>
+    <p:extLst>
+      <p:ext uri="{BB962C8B-B14F-4D97-AF65-F5344CB8AC3E}">
+        <p14:creationId xmlns:p14="http://schemas.microsoft.com/office/powerpoint/2010/main" val="3493490920"/>
+      </p:ext>
+    </p:extLst>
+  </p:cSld>
+  <p:clrMapOvr>
+    <a:masterClrMapping/>
+  </p:clrMapOvr>
+</p:sld>
+</file>
+
+<file path=ppt/slides/slide13.xml><?xml version="1.0" encoding="utf-8"?>
+<p:sld xmlns:a="http://schemas.openxmlformats.org/drawingml/2006/main" xmlns:r="http://schemas.openxmlformats.org/officeDocument/2006/relationships" xmlns:p="http://schemas.openxmlformats.org/presentationml/2006/main">
+  <p:cSld>
+    <p:spTree>
+      <p:nvGrpSpPr>
+        <p:cNvPr id="1" name=""/>
+        <p:cNvGrpSpPr/>
+        <p:nvPr/>
+      </p:nvGrpSpPr>
+      <p:grpSpPr>
+        <a:xfrm>
+          <a:off x="0" y="0"/>
+          <a:ext cx="0" cy="0"/>
+          <a:chOff x="0" y="0"/>
+          <a:chExt cx="0" cy="0"/>
+        </a:xfrm>
+      </p:grpSpPr>
+      <p:sp>
+        <p:nvSpPr>
+          <p:cNvPr id="2" name="Titel 1">
+            <a:extLst>
+              <a:ext uri="{FF2B5EF4-FFF2-40B4-BE49-F238E27FC236}">
+                <a16:creationId xmlns:a16="http://schemas.microsoft.com/office/drawing/2014/main" id="{63E74088-BB91-574B-9695-A0121785026E}"/>
+              </a:ext>
+            </a:extLst>
+          </p:cNvPr>
+          <p:cNvSpPr>
+            <a:spLocks noGrp="1"/>
+          </p:cNvSpPr>
+          <p:nvPr>
+            <p:ph type="title"/>
+          </p:nvPr>
+        </p:nvSpPr>
+        <p:spPr/>
+        <p:txBody>
+          <a:bodyPr/>
+          <a:lstStyle/>
+          <a:p>
+            <a:r>
+              <a:rPr lang="de-DE" dirty="0" err="1"/>
+              <a:t>ConfigMap</a:t>
+            </a:r>
+            <a:r>
+              <a:rPr lang="de-DE" dirty="0"/>
+              <a:t> als Volume</a:t>
+            </a:r>
+          </a:p>
+        </p:txBody>
+      </p:sp>
+      <p:grpSp>
+        <p:nvGrpSpPr>
+          <p:cNvPr id="4" name="Gruppieren 3">
+            <a:extLst>
+              <a:ext uri="{FF2B5EF4-FFF2-40B4-BE49-F238E27FC236}">
+                <a16:creationId xmlns:a16="http://schemas.microsoft.com/office/drawing/2014/main" id="{490122EE-03CB-9749-A272-4846EC0C7FFD}"/>
+              </a:ext>
+            </a:extLst>
+          </p:cNvPr>
+          <p:cNvGrpSpPr/>
+          <p:nvPr/>
+        </p:nvGrpSpPr>
+        <p:grpSpPr>
+          <a:xfrm>
+            <a:off x="2339690" y="2497450"/>
+            <a:ext cx="4752660" cy="3025174"/>
+            <a:chOff x="2267680" y="1777350"/>
+            <a:chExt cx="4608640" cy="3528490"/>
+          </a:xfrm>
+        </p:grpSpPr>
+        <p:sp>
+          <p:nvSpPr>
+            <p:cNvPr id="5" name="Rechteck 4">
+              <a:extLst>
+                <a:ext uri="{FF2B5EF4-FFF2-40B4-BE49-F238E27FC236}">
+                  <a16:creationId xmlns:a16="http://schemas.microsoft.com/office/drawing/2014/main" id="{DDAD9E79-3CAE-CD41-8C55-4917D11BDAA9}"/>
+                </a:ext>
+              </a:extLst>
+            </p:cNvPr>
+            <p:cNvSpPr/>
+            <p:nvPr/>
+          </p:nvSpPr>
+          <p:spPr>
+            <a:xfrm>
+              <a:off x="2267680" y="1777350"/>
+              <a:ext cx="4608640" cy="3528490"/>
+            </a:xfrm>
+            <a:prstGeom prst="rect">
+              <a:avLst/>
+            </a:prstGeom>
+            <a:solidFill>
+              <a:srgbClr val="00B0F0"/>
+            </a:solidFill>
+            <a:ln>
+              <a:solidFill>
+                <a:schemeClr val="tx1"/>
+              </a:solidFill>
+            </a:ln>
+          </p:spPr>
+          <p:style>
+            <a:lnRef idx="2">
+              <a:schemeClr val="accent1">
+                <a:shade val="50000"/>
+              </a:schemeClr>
+            </a:lnRef>
+            <a:fillRef idx="1">
+              <a:schemeClr val="accent1"/>
+            </a:fillRef>
+            <a:effectRef idx="0">
+              <a:schemeClr val="accent1"/>
+            </a:effectRef>
+            <a:fontRef idx="minor">
+              <a:schemeClr val="lt1"/>
+            </a:fontRef>
+          </p:style>
+          <p:txBody>
+            <a:bodyPr rtlCol="0" anchor="ctr"/>
+            <a:lstStyle/>
+            <a:p>
+              <a:pPr algn="ctr"/>
+              <a:endParaRPr lang="de-DE" dirty="0"/>
+            </a:p>
+          </p:txBody>
+        </p:sp>
+        <p:sp>
+          <p:nvSpPr>
+            <p:cNvPr id="6" name="Rechteck 5">
+              <a:extLst>
+                <a:ext uri="{FF2B5EF4-FFF2-40B4-BE49-F238E27FC236}">
+                  <a16:creationId xmlns:a16="http://schemas.microsoft.com/office/drawing/2014/main" id="{C900A318-B112-CA40-B27B-0B20FE1ABA92}"/>
+                </a:ext>
+              </a:extLst>
+            </p:cNvPr>
+            <p:cNvSpPr/>
+            <p:nvPr/>
+          </p:nvSpPr>
+          <p:spPr>
+            <a:xfrm>
+              <a:off x="2771750" y="1993380"/>
+              <a:ext cx="3672510" cy="792110"/>
+            </a:xfrm>
+            <a:prstGeom prst="rect">
+              <a:avLst/>
+            </a:prstGeom>
+            <a:solidFill>
+              <a:srgbClr val="FFC000"/>
+            </a:solidFill>
+            <a:ln>
+              <a:solidFill>
+                <a:schemeClr val="tx1"/>
+              </a:solidFill>
+            </a:ln>
+          </p:spPr>
+          <p:style>
+            <a:lnRef idx="2">
+              <a:schemeClr val="accent1">
+                <a:shade val="50000"/>
+              </a:schemeClr>
+            </a:lnRef>
+            <a:fillRef idx="1">
+              <a:schemeClr val="accent1"/>
+            </a:fillRef>
+            <a:effectRef idx="0">
+              <a:schemeClr val="accent1"/>
+            </a:effectRef>
+            <a:fontRef idx="minor">
+              <a:schemeClr val="lt1"/>
+            </a:fontRef>
+          </p:style>
+          <p:txBody>
+            <a:bodyPr rtlCol="0" anchor="ctr"/>
+            <a:lstStyle/>
+            <a:p>
+              <a:pPr algn="ctr"/>
+              <a:r>
+                <a:rPr lang="de-DE" dirty="0">
+                  <a:solidFill>
+                    <a:schemeClr val="tx1"/>
+                  </a:solidFill>
+                </a:rPr>
+                <a:t>Main </a:t>
+              </a:r>
+              <a:r>
+                <a:rPr lang="de-DE" dirty="0" err="1">
+                  <a:solidFill>
+                    <a:schemeClr val="tx1"/>
+                  </a:solidFill>
+                </a:rPr>
+                <a:t>container</a:t>
+              </a:r>
+              <a:endParaRPr lang="de-DE" dirty="0">
+                <a:solidFill>
+                  <a:schemeClr val="tx1"/>
+                </a:solidFill>
+              </a:endParaRPr>
+            </a:p>
+          </p:txBody>
+        </p:sp>
+        <p:sp>
+          <p:nvSpPr>
+            <p:cNvPr id="7" name="Rechteck 6">
+              <a:extLst>
+                <a:ext uri="{FF2B5EF4-FFF2-40B4-BE49-F238E27FC236}">
+                  <a16:creationId xmlns:a16="http://schemas.microsoft.com/office/drawing/2014/main" id="{ED2203A7-BC93-3645-A8CE-C667C5223A7C}"/>
+                </a:ext>
+              </a:extLst>
+            </p:cNvPr>
+            <p:cNvSpPr/>
+            <p:nvPr/>
+          </p:nvSpPr>
+          <p:spPr>
+            <a:xfrm>
+              <a:off x="2771750" y="3001520"/>
+              <a:ext cx="1584220" cy="792111"/>
+            </a:xfrm>
+            <a:prstGeom prst="rect">
+              <a:avLst/>
+            </a:prstGeom>
+            <a:ln>
+              <a:solidFill>
+                <a:schemeClr val="tx1"/>
+              </a:solidFill>
+            </a:ln>
+          </p:spPr>
+          <p:style>
+            <a:lnRef idx="2">
+              <a:schemeClr val="accent1">
+                <a:shade val="50000"/>
+              </a:schemeClr>
+            </a:lnRef>
+            <a:fillRef idx="1">
+              <a:schemeClr val="accent1"/>
+            </a:fillRef>
+            <a:effectRef idx="0">
+              <a:schemeClr val="accent1"/>
+            </a:effectRef>
+            <a:fontRef idx="minor">
+              <a:schemeClr val="lt1"/>
+            </a:fontRef>
+          </p:style>
+          <p:txBody>
+            <a:bodyPr rtlCol="0" anchor="ctr"/>
+            <a:lstStyle/>
+            <a:p>
+              <a:pPr algn="ctr"/>
+              <a:r>
+                <a:rPr lang="de-DE" dirty="0" err="1">
+                  <a:solidFill>
+                    <a:schemeClr val="tx1"/>
+                  </a:solidFill>
+                </a:rPr>
+                <a:t>Supporting</a:t>
+              </a:r>
+              <a:r>
+                <a:rPr lang="de-DE" dirty="0">
+                  <a:solidFill>
+                    <a:schemeClr val="tx1"/>
+                  </a:solidFill>
+                </a:rPr>
+                <a:t> </a:t>
+              </a:r>
+              <a:r>
+                <a:rPr lang="de-DE" dirty="0" err="1">
+                  <a:solidFill>
+                    <a:schemeClr val="tx1"/>
+                  </a:solidFill>
+                </a:rPr>
+                <a:t>container</a:t>
+              </a:r>
+              <a:r>
+                <a:rPr lang="de-DE" dirty="0">
+                  <a:solidFill>
+                    <a:schemeClr val="tx1"/>
+                  </a:solidFill>
+                </a:rPr>
+                <a:t> 1</a:t>
+              </a:r>
+            </a:p>
+          </p:txBody>
+        </p:sp>
+        <p:sp>
+          <p:nvSpPr>
+            <p:cNvPr id="8" name="Rechteck 7">
+              <a:extLst>
+                <a:ext uri="{FF2B5EF4-FFF2-40B4-BE49-F238E27FC236}">
+                  <a16:creationId xmlns:a16="http://schemas.microsoft.com/office/drawing/2014/main" id="{BF6E9576-F2E2-014A-8B8C-933E8D89186A}"/>
+                </a:ext>
+              </a:extLst>
+            </p:cNvPr>
+            <p:cNvSpPr/>
+            <p:nvPr/>
+          </p:nvSpPr>
+          <p:spPr>
+            <a:xfrm>
+              <a:off x="2771750" y="4009661"/>
+              <a:ext cx="1584220" cy="792112"/>
+            </a:xfrm>
+            <a:prstGeom prst="rect">
+              <a:avLst/>
+            </a:prstGeom>
+            <a:ln>
+              <a:solidFill>
+                <a:schemeClr val="tx1"/>
+              </a:solidFill>
+            </a:ln>
+          </p:spPr>
+          <p:style>
+            <a:lnRef idx="2">
+              <a:schemeClr val="accent1">
+                <a:shade val="50000"/>
+              </a:schemeClr>
+            </a:lnRef>
+            <a:fillRef idx="1">
+              <a:schemeClr val="accent1"/>
+            </a:fillRef>
+            <a:effectRef idx="0">
+              <a:schemeClr val="accent1"/>
+            </a:effectRef>
+            <a:fontRef idx="minor">
+              <a:schemeClr val="lt1"/>
+            </a:fontRef>
+          </p:style>
+          <p:txBody>
+            <a:bodyPr rtlCol="0" anchor="ctr"/>
+            <a:lstStyle/>
+            <a:p>
+              <a:pPr algn="ctr"/>
+              <a:r>
+                <a:rPr lang="de-DE" dirty="0" err="1">
+                  <a:solidFill>
+                    <a:schemeClr val="tx1"/>
+                  </a:solidFill>
+                </a:rPr>
+                <a:t>Supporting</a:t>
+              </a:r>
+              <a:r>
+                <a:rPr lang="de-DE" dirty="0">
+                  <a:solidFill>
+                    <a:schemeClr val="tx1"/>
+                  </a:solidFill>
+                </a:rPr>
+                <a:t> </a:t>
+              </a:r>
+              <a:r>
+                <a:rPr lang="de-DE" dirty="0" err="1">
+                  <a:solidFill>
+                    <a:schemeClr val="tx1"/>
+                  </a:solidFill>
+                </a:rPr>
+                <a:t>container</a:t>
+              </a:r>
+              <a:r>
+                <a:rPr lang="de-DE" dirty="0">
+                  <a:solidFill>
+                    <a:schemeClr val="tx1"/>
+                  </a:solidFill>
+                </a:rPr>
+                <a:t> 2</a:t>
+              </a:r>
+            </a:p>
+          </p:txBody>
+        </p:sp>
+        <p:sp>
+          <p:nvSpPr>
+            <p:cNvPr id="9" name="Zylinder 8">
+              <a:extLst>
+                <a:ext uri="{FF2B5EF4-FFF2-40B4-BE49-F238E27FC236}">
+                  <a16:creationId xmlns:a16="http://schemas.microsoft.com/office/drawing/2014/main" id="{75547869-35CB-D241-8706-F901A28FAAE6}"/>
+                </a:ext>
+              </a:extLst>
+            </p:cNvPr>
+            <p:cNvSpPr/>
+            <p:nvPr/>
+          </p:nvSpPr>
+          <p:spPr>
+            <a:xfrm>
+              <a:off x="5364110" y="3217550"/>
+              <a:ext cx="1080150" cy="1368190"/>
+            </a:xfrm>
+            <a:prstGeom prst="can">
+              <a:avLst/>
+            </a:prstGeom>
+            <a:ln>
+              <a:solidFill>
+                <a:schemeClr val="tx1"/>
+              </a:solidFill>
+            </a:ln>
+          </p:spPr>
+          <p:style>
+            <a:lnRef idx="2">
+              <a:schemeClr val="accent1">
+                <a:shade val="50000"/>
+              </a:schemeClr>
+            </a:lnRef>
+            <a:fillRef idx="1">
+              <a:schemeClr val="accent1"/>
+            </a:fillRef>
+            <a:effectRef idx="0">
+              <a:schemeClr val="accent1"/>
+            </a:effectRef>
+            <a:fontRef idx="minor">
+              <a:schemeClr val="lt1"/>
+            </a:fontRef>
+          </p:style>
+          <p:txBody>
+            <a:bodyPr rtlCol="0" anchor="ctr"/>
+            <a:lstStyle/>
+            <a:p>
+              <a:pPr algn="ctr"/>
+              <a:r>
+                <a:rPr lang="de-DE" dirty="0">
+                  <a:solidFill>
+                    <a:schemeClr val="tx1"/>
+                  </a:solidFill>
+                </a:rPr>
+                <a:t>Volume</a:t>
+              </a:r>
+            </a:p>
+          </p:txBody>
+        </p:sp>
+        <p:cxnSp>
+          <p:nvCxnSpPr>
+            <p:cNvPr id="10" name="Gewinkelte Verbindung 9">
+              <a:extLst>
+                <a:ext uri="{FF2B5EF4-FFF2-40B4-BE49-F238E27FC236}">
+                  <a16:creationId xmlns:a16="http://schemas.microsoft.com/office/drawing/2014/main" id="{B49960EF-2B47-5A40-8857-2B65CAFEF63D}"/>
+                </a:ext>
+              </a:extLst>
+            </p:cNvPr>
+            <p:cNvCxnSpPr>
+              <a:cxnSpLocks/>
+              <a:stCxn id="7" idx="3"/>
+              <a:endCxn id="9" idx="2"/>
+            </p:cNvCxnSpPr>
+            <p:nvPr/>
+          </p:nvCxnSpPr>
+          <p:spPr>
+            <a:xfrm>
+              <a:off x="4355970" y="3397576"/>
+              <a:ext cx="1008140" cy="504069"/>
+            </a:xfrm>
+            <a:prstGeom prst="bentConnector3">
+              <a:avLst>
+                <a:gd name="adj1" fmla="val 24691"/>
+              </a:avLst>
+            </a:prstGeom>
+            <a:ln w="12700">
+              <a:solidFill>
+                <a:schemeClr val="tx1"/>
+              </a:solidFill>
+              <a:tailEnd type="triangle"/>
+            </a:ln>
+          </p:spPr>
+          <p:style>
+            <a:lnRef idx="1">
+              <a:schemeClr val="accent1"/>
+            </a:lnRef>
+            <a:fillRef idx="0">
+              <a:schemeClr val="accent1"/>
+            </a:fillRef>
+            <a:effectRef idx="0">
+              <a:schemeClr val="accent1"/>
+            </a:effectRef>
+            <a:fontRef idx="minor">
+              <a:schemeClr val="tx1"/>
+            </a:fontRef>
+          </p:style>
+        </p:cxnSp>
+        <p:cxnSp>
+          <p:nvCxnSpPr>
+            <p:cNvPr id="11" name="Gewinkelte Verbindung 10">
+              <a:extLst>
+                <a:ext uri="{FF2B5EF4-FFF2-40B4-BE49-F238E27FC236}">
+                  <a16:creationId xmlns:a16="http://schemas.microsoft.com/office/drawing/2014/main" id="{67B49BC0-0958-BA43-AC9D-A361937E0F89}"/>
+                </a:ext>
+              </a:extLst>
+            </p:cNvPr>
+            <p:cNvCxnSpPr>
+              <a:cxnSpLocks/>
+              <a:stCxn id="8" idx="3"/>
+              <a:endCxn id="9" idx="2"/>
+            </p:cNvCxnSpPr>
+            <p:nvPr/>
+          </p:nvCxnSpPr>
+          <p:spPr>
+            <a:xfrm flipV="1">
+              <a:off x="4355970" y="3901645"/>
+              <a:ext cx="1008140" cy="504072"/>
+            </a:xfrm>
+            <a:prstGeom prst="bentConnector3">
+              <a:avLst>
+                <a:gd name="adj1" fmla="val 24692"/>
+              </a:avLst>
+            </a:prstGeom>
+            <a:ln w="12700">
+              <a:solidFill>
+                <a:schemeClr val="tx1"/>
+              </a:solidFill>
+              <a:tailEnd type="triangle"/>
+            </a:ln>
+          </p:spPr>
+          <p:style>
+            <a:lnRef idx="1">
+              <a:schemeClr val="accent1"/>
+            </a:lnRef>
+            <a:fillRef idx="0">
+              <a:schemeClr val="accent1"/>
+            </a:fillRef>
+            <a:effectRef idx="0">
+              <a:schemeClr val="accent1"/>
+            </a:effectRef>
+            <a:fontRef idx="minor">
+              <a:schemeClr val="tx1"/>
+            </a:fontRef>
+          </p:style>
+        </p:cxnSp>
+        <p:cxnSp>
+          <p:nvCxnSpPr>
+            <p:cNvPr id="12" name="Gewinkelte Verbindung 11">
+              <a:extLst>
+                <a:ext uri="{FF2B5EF4-FFF2-40B4-BE49-F238E27FC236}">
+                  <a16:creationId xmlns:a16="http://schemas.microsoft.com/office/drawing/2014/main" id="{2C635602-E90E-4046-9460-FBD25B92E9F6}"/>
+                </a:ext>
+              </a:extLst>
+            </p:cNvPr>
+            <p:cNvCxnSpPr>
+              <a:stCxn id="6" idx="2"/>
+              <a:endCxn id="9" idx="2"/>
+            </p:cNvCxnSpPr>
+            <p:nvPr/>
+          </p:nvCxnSpPr>
+          <p:spPr>
+            <a:xfrm rot="16200000" flipH="1">
+              <a:off x="4427980" y="2965514"/>
+              <a:ext cx="1116155" cy="756105"/>
+            </a:xfrm>
+            <a:prstGeom prst="bentConnector2">
+              <a:avLst/>
+            </a:prstGeom>
+            <a:ln w="12700">
+              <a:solidFill>
+                <a:schemeClr val="tx1"/>
+              </a:solidFill>
+              <a:tailEnd type="triangle"/>
+            </a:ln>
+          </p:spPr>
+          <p:style>
+            <a:lnRef idx="1">
+              <a:schemeClr val="accent1"/>
+            </a:lnRef>
+            <a:fillRef idx="0">
+              <a:schemeClr val="accent1"/>
+            </a:fillRef>
+            <a:effectRef idx="0">
+              <a:schemeClr val="accent1"/>
+            </a:effectRef>
+            <a:fontRef idx="minor">
+              <a:schemeClr val="tx1"/>
+            </a:fontRef>
+          </p:style>
+        </p:cxnSp>
+      </p:grpSp>
+    </p:spTree>
+    <p:extLst>
+      <p:ext uri="{BB962C8B-B14F-4D97-AF65-F5344CB8AC3E}">
+        <p14:creationId xmlns:p14="http://schemas.microsoft.com/office/powerpoint/2010/main" val="426666632"/>
+      </p:ext>
+    </p:extLst>
+  </p:cSld>
+  <p:clrMapOvr>
+    <a:masterClrMapping/>
+  </p:clrMapOvr>
+</p:sld>
+</file>
+
+<file path=ppt/slides/slide14.xml><?xml version="1.0" encoding="utf-8"?>
+<p:sld xmlns:a="http://schemas.openxmlformats.org/drawingml/2006/main" xmlns:r="http://schemas.openxmlformats.org/officeDocument/2006/relationships" xmlns:p="http://schemas.openxmlformats.org/presentationml/2006/main">
+  <p:cSld>
+    <p:spTree>
+      <p:nvGrpSpPr>
+        <p:cNvPr id="1" name=""/>
+        <p:cNvGrpSpPr/>
+        <p:nvPr/>
+      </p:nvGrpSpPr>
+      <p:grpSpPr>
+        <a:xfrm>
+          <a:off x="0" y="0"/>
+          <a:ext cx="0" cy="0"/>
+          <a:chOff x="0" y="0"/>
+          <a:chExt cx="0" cy="0"/>
+        </a:xfrm>
+      </p:grpSpPr>
+      <p:sp>
+        <p:nvSpPr>
+          <p:cNvPr id="2" name="Titel 1">
+            <a:extLst>
+              <a:ext uri="{FF2B5EF4-FFF2-40B4-BE49-F238E27FC236}">
+                <a16:creationId xmlns:a16="http://schemas.microsoft.com/office/drawing/2014/main" id="{63E74088-BB91-574B-9695-A0121785026E}"/>
+              </a:ext>
+            </a:extLst>
+          </p:cNvPr>
+          <p:cNvSpPr>
+            <a:spLocks noGrp="1"/>
+          </p:cNvSpPr>
+          <p:nvPr>
+            <p:ph type="title"/>
+          </p:nvPr>
+        </p:nvSpPr>
+        <p:spPr/>
+        <p:txBody>
+          <a:bodyPr/>
+          <a:lstStyle/>
+          <a:p>
+            <a:r>
+              <a:rPr lang="de-DE" dirty="0"/>
+              <a:t>Dashboard vorkonfigurieren</a:t>
+            </a:r>
+          </a:p>
+        </p:txBody>
+      </p:sp>
+      <p:sp>
+        <p:nvSpPr>
+          <p:cNvPr id="12" name="Rechteck 11">
+            <a:extLst>
+              <a:ext uri="{FF2B5EF4-FFF2-40B4-BE49-F238E27FC236}">
+                <a16:creationId xmlns:a16="http://schemas.microsoft.com/office/drawing/2014/main" id="{57A7CC03-CA37-A247-AF54-5D0403616895}"/>
+              </a:ext>
+            </a:extLst>
+          </p:cNvPr>
+          <p:cNvSpPr/>
+          <p:nvPr/>
+        </p:nvSpPr>
+        <p:spPr>
+          <a:xfrm>
+            <a:off x="2735890" y="3088080"/>
+            <a:ext cx="1656230" cy="432060"/>
+          </a:xfrm>
+          <a:prstGeom prst="rect">
+            <a:avLst/>
+          </a:prstGeom>
+          <a:solidFill>
+            <a:srgbClr val="0070C0"/>
+          </a:solidFill>
+          <a:ln>
+            <a:noFill/>
+          </a:ln>
+        </p:spPr>
+        <p:style>
+          <a:lnRef idx="2">
+            <a:schemeClr val="accent1">
+              <a:shade val="50000"/>
+            </a:schemeClr>
+          </a:lnRef>
+          <a:fillRef idx="1">
+            <a:schemeClr val="accent1"/>
+          </a:fillRef>
+          <a:effectRef idx="0">
+            <a:schemeClr val="accent1"/>
+          </a:effectRef>
+          <a:fontRef idx="minor">
+            <a:schemeClr val="lt1"/>
+          </a:fontRef>
+        </p:style>
+        <p:txBody>
+          <a:bodyPr rtlCol="0" anchor="ctr"/>
+          <a:lstStyle/>
+          <a:p>
+            <a:pPr algn="ctr"/>
+            <a:r>
+              <a:rPr lang="de-DE" sz="1200" dirty="0" err="1"/>
+              <a:t>postgres</a:t>
+            </a:r>
+            <a:r>
+              <a:rPr lang="de-DE" sz="1200" dirty="0"/>
+              <a:t>-service</a:t>
+            </a:r>
+          </a:p>
+        </p:txBody>
+      </p:sp>
+      <p:sp>
+        <p:nvSpPr>
+          <p:cNvPr id="13" name="Rechteck 12">
+            <a:extLst>
+              <a:ext uri="{FF2B5EF4-FFF2-40B4-BE49-F238E27FC236}">
+                <a16:creationId xmlns:a16="http://schemas.microsoft.com/office/drawing/2014/main" id="{4CC83FC3-1958-A749-8D16-6920AA979673}"/>
+              </a:ext>
+            </a:extLst>
+          </p:cNvPr>
+          <p:cNvSpPr/>
+          <p:nvPr/>
+        </p:nvSpPr>
+        <p:spPr>
+          <a:xfrm>
+            <a:off x="2735890" y="4824672"/>
+            <a:ext cx="1656230" cy="432060"/>
+          </a:xfrm>
+          <a:prstGeom prst="rect">
+            <a:avLst/>
+          </a:prstGeom>
+          <a:solidFill>
+            <a:srgbClr val="0070C0"/>
+          </a:solidFill>
+          <a:ln>
+            <a:noFill/>
+          </a:ln>
+        </p:spPr>
+        <p:style>
+          <a:lnRef idx="2">
+            <a:schemeClr val="accent1">
+              <a:shade val="50000"/>
+            </a:schemeClr>
+          </a:lnRef>
+          <a:fillRef idx="1">
+            <a:schemeClr val="accent1"/>
+          </a:fillRef>
+          <a:effectRef idx="0">
+            <a:schemeClr val="accent1"/>
+          </a:effectRef>
+          <a:fontRef idx="minor">
+            <a:schemeClr val="lt1"/>
+          </a:fontRef>
+        </p:style>
+        <p:txBody>
+          <a:bodyPr rtlCol="0" anchor="ctr"/>
+          <a:lstStyle/>
+          <a:p>
+            <a:pPr algn="ctr"/>
+            <a:r>
+              <a:rPr lang="de-DE" sz="1200" dirty="0" err="1"/>
+              <a:t>postgres-configmap</a:t>
+            </a:r>
+            <a:endParaRPr lang="de-DE" sz="1200" dirty="0"/>
+          </a:p>
+        </p:txBody>
+      </p:sp>
+      <p:sp>
+        <p:nvSpPr>
+          <p:cNvPr id="23" name="Rechteck 22">
+            <a:extLst>
+              <a:ext uri="{FF2B5EF4-FFF2-40B4-BE49-F238E27FC236}">
+                <a16:creationId xmlns:a16="http://schemas.microsoft.com/office/drawing/2014/main" id="{C7A95584-A429-2741-9DE4-E5F9D8D5EC2B}"/>
+              </a:ext>
+            </a:extLst>
+          </p:cNvPr>
+          <p:cNvSpPr/>
+          <p:nvPr/>
+        </p:nvSpPr>
+        <p:spPr>
+          <a:xfrm>
+            <a:off x="2735890" y="3956376"/>
+            <a:ext cx="1656230" cy="432060"/>
+          </a:xfrm>
+          <a:prstGeom prst="rect">
+            <a:avLst/>
+          </a:prstGeom>
+          <a:solidFill>
+            <a:srgbClr val="0070C0"/>
+          </a:solidFill>
+          <a:ln>
+            <a:noFill/>
+          </a:ln>
+        </p:spPr>
+        <p:style>
+          <a:lnRef idx="2">
+            <a:schemeClr val="accent1">
+              <a:shade val="50000"/>
+            </a:schemeClr>
+          </a:lnRef>
+          <a:fillRef idx="1">
+            <a:schemeClr val="accent1"/>
+          </a:fillRef>
+          <a:effectRef idx="0">
+            <a:schemeClr val="accent1"/>
+          </a:effectRef>
+          <a:fontRef idx="minor">
+            <a:schemeClr val="lt1"/>
+          </a:fontRef>
+        </p:style>
+        <p:txBody>
+          <a:bodyPr rtlCol="0" anchor="ctr"/>
+          <a:lstStyle/>
+          <a:p>
+            <a:pPr algn="ctr"/>
+            <a:r>
+              <a:rPr lang="de-DE" sz="1200" dirty="0" err="1"/>
+              <a:t>postgres-deployment</a:t>
+            </a:r>
+            <a:endParaRPr lang="de-DE" sz="1200" dirty="0"/>
+          </a:p>
+        </p:txBody>
+      </p:sp>
+      <p:sp>
+        <p:nvSpPr>
+          <p:cNvPr id="24" name="Rechteck 23">
+            <a:extLst>
+              <a:ext uri="{FF2B5EF4-FFF2-40B4-BE49-F238E27FC236}">
+                <a16:creationId xmlns:a16="http://schemas.microsoft.com/office/drawing/2014/main" id="{D4DC9B4E-95E8-C64C-A82D-77ACE9072CBC}"/>
+              </a:ext>
+            </a:extLst>
+          </p:cNvPr>
+          <p:cNvSpPr/>
+          <p:nvPr/>
+        </p:nvSpPr>
+        <p:spPr>
+          <a:xfrm>
+            <a:off x="4824180" y="3088080"/>
+            <a:ext cx="1656230" cy="432060"/>
+          </a:xfrm>
+          <a:prstGeom prst="rect">
+            <a:avLst/>
+          </a:prstGeom>
+          <a:solidFill>
+            <a:srgbClr val="FF6451"/>
+          </a:solidFill>
+          <a:ln>
+            <a:noFill/>
+          </a:ln>
+        </p:spPr>
+        <p:style>
+          <a:lnRef idx="2">
+            <a:schemeClr val="accent1">
+              <a:shade val="50000"/>
+            </a:schemeClr>
+          </a:lnRef>
+          <a:fillRef idx="1">
+            <a:schemeClr val="accent1"/>
+          </a:fillRef>
+          <a:effectRef idx="0">
+            <a:schemeClr val="accent1"/>
+          </a:effectRef>
+          <a:fontRef idx="minor">
+            <a:schemeClr val="lt1"/>
+          </a:fontRef>
+        </p:style>
+        <p:txBody>
+          <a:bodyPr rtlCol="0" anchor="ctr"/>
+          <a:lstStyle/>
+          <a:p>
+            <a:pPr algn="ctr"/>
+            <a:r>
+              <a:rPr lang="de-DE" sz="1200" dirty="0"/>
+              <a:t>grafana-service</a:t>
+            </a:r>
+          </a:p>
+        </p:txBody>
+      </p:sp>
+      <p:sp>
+        <p:nvSpPr>
+          <p:cNvPr id="25" name="Rechteck 24">
+            <a:extLst>
+              <a:ext uri="{FF2B5EF4-FFF2-40B4-BE49-F238E27FC236}">
+                <a16:creationId xmlns:a16="http://schemas.microsoft.com/office/drawing/2014/main" id="{BD9E4887-F65C-4C42-A9BD-A70DBADC8765}"/>
+              </a:ext>
+            </a:extLst>
+          </p:cNvPr>
+          <p:cNvSpPr/>
+          <p:nvPr/>
+        </p:nvSpPr>
+        <p:spPr>
+          <a:xfrm>
+            <a:off x="4824180" y="4820128"/>
+            <a:ext cx="1656230" cy="432060"/>
+          </a:xfrm>
+          <a:prstGeom prst="rect">
+            <a:avLst/>
+          </a:prstGeom>
+          <a:solidFill>
+            <a:srgbClr val="FF6451"/>
+          </a:solidFill>
+          <a:ln>
+            <a:noFill/>
+          </a:ln>
+        </p:spPr>
+        <p:style>
+          <a:lnRef idx="2">
+            <a:schemeClr val="accent1">
+              <a:shade val="50000"/>
+            </a:schemeClr>
+          </a:lnRef>
+          <a:fillRef idx="1">
+            <a:schemeClr val="accent1"/>
+          </a:fillRef>
+          <a:effectRef idx="0">
+            <a:schemeClr val="accent1"/>
+          </a:effectRef>
+          <a:fontRef idx="minor">
+            <a:schemeClr val="lt1"/>
+          </a:fontRef>
+        </p:style>
+        <p:txBody>
+          <a:bodyPr rtlCol="0" anchor="ctr"/>
+          <a:lstStyle/>
+          <a:p>
+            <a:pPr algn="ctr"/>
+            <a:r>
+              <a:rPr lang="de-DE" sz="1200" dirty="0"/>
+              <a:t>grafana-</a:t>
+            </a:r>
+            <a:r>
+              <a:rPr lang="de-DE" sz="1200" dirty="0" err="1"/>
+              <a:t>configmap</a:t>
+            </a:r>
+            <a:endParaRPr lang="de-DE" sz="1200" dirty="0"/>
+          </a:p>
+        </p:txBody>
+      </p:sp>
+      <p:sp>
+        <p:nvSpPr>
+          <p:cNvPr id="26" name="Rechteck 25">
+            <a:extLst>
+              <a:ext uri="{FF2B5EF4-FFF2-40B4-BE49-F238E27FC236}">
+                <a16:creationId xmlns:a16="http://schemas.microsoft.com/office/drawing/2014/main" id="{AA1FC284-6427-0F49-95AD-A4FA3EBDA675}"/>
+              </a:ext>
+            </a:extLst>
+          </p:cNvPr>
+          <p:cNvSpPr/>
+          <p:nvPr/>
+        </p:nvSpPr>
+        <p:spPr>
+          <a:xfrm>
+            <a:off x="4824180" y="3956376"/>
+            <a:ext cx="1656230" cy="432060"/>
+          </a:xfrm>
+          <a:prstGeom prst="rect">
+            <a:avLst/>
+          </a:prstGeom>
+          <a:solidFill>
+            <a:srgbClr val="FF6451"/>
+          </a:solidFill>
+          <a:ln>
+            <a:noFill/>
+          </a:ln>
+        </p:spPr>
+        <p:style>
+          <a:lnRef idx="2">
+            <a:schemeClr val="accent1">
+              <a:shade val="50000"/>
+            </a:schemeClr>
+          </a:lnRef>
+          <a:fillRef idx="1">
+            <a:schemeClr val="accent1"/>
+          </a:fillRef>
+          <a:effectRef idx="0">
+            <a:schemeClr val="accent1"/>
+          </a:effectRef>
+          <a:fontRef idx="minor">
+            <a:schemeClr val="lt1"/>
+          </a:fontRef>
+        </p:style>
+        <p:txBody>
+          <a:bodyPr rtlCol="0" anchor="ctr"/>
+          <a:lstStyle/>
+          <a:p>
+            <a:pPr algn="ctr"/>
+            <a:r>
+              <a:rPr lang="de-DE" sz="1200" dirty="0"/>
+              <a:t>grafana-</a:t>
+            </a:r>
+            <a:r>
+              <a:rPr lang="de-DE" sz="1200" dirty="0" err="1"/>
+              <a:t>deployment</a:t>
+            </a:r>
+            <a:endParaRPr lang="de-DE" sz="1200" dirty="0"/>
+          </a:p>
+        </p:txBody>
+      </p:sp>
+      <p:sp>
+        <p:nvSpPr>
+          <p:cNvPr id="27" name="Rechteck 26">
+            <a:extLst>
+              <a:ext uri="{FF2B5EF4-FFF2-40B4-BE49-F238E27FC236}">
+                <a16:creationId xmlns:a16="http://schemas.microsoft.com/office/drawing/2014/main" id="{6EDB4DA6-D209-7E4C-8C3B-F1137A50C21D}"/>
+              </a:ext>
+            </a:extLst>
+          </p:cNvPr>
+          <p:cNvSpPr/>
+          <p:nvPr/>
+        </p:nvSpPr>
+        <p:spPr>
+          <a:xfrm>
+            <a:off x="6912470" y="4820128"/>
+            <a:ext cx="1656230" cy="432060"/>
+          </a:xfrm>
+          <a:prstGeom prst="rect">
+            <a:avLst/>
+          </a:prstGeom>
+          <a:solidFill>
+            <a:srgbClr val="FF6451"/>
+          </a:solidFill>
+          <a:ln>
+            <a:noFill/>
+          </a:ln>
+        </p:spPr>
+        <p:style>
+          <a:lnRef idx="2">
+            <a:schemeClr val="accent1">
+              <a:shade val="50000"/>
+            </a:schemeClr>
+          </a:lnRef>
+          <a:fillRef idx="1">
+            <a:schemeClr val="accent1"/>
+          </a:fillRef>
+          <a:effectRef idx="0">
+            <a:schemeClr val="accent1"/>
+          </a:effectRef>
+          <a:fontRef idx="minor">
+            <a:schemeClr val="lt1"/>
+          </a:fontRef>
+        </p:style>
+        <p:txBody>
+          <a:bodyPr rtlCol="0" anchor="ctr"/>
+          <a:lstStyle/>
+          <a:p>
+            <a:pPr algn="ctr"/>
+            <a:r>
+              <a:rPr lang="de-DE" sz="1200" dirty="0"/>
+              <a:t>grafana-</a:t>
+            </a:r>
+            <a:r>
+              <a:rPr lang="de-DE" sz="1200" dirty="0" err="1"/>
+              <a:t>secret</a:t>
+            </a:r>
+            <a:endParaRPr lang="de-DE" sz="1200" dirty="0"/>
+          </a:p>
+        </p:txBody>
+      </p:sp>
+      <p:cxnSp>
+        <p:nvCxnSpPr>
+          <p:cNvPr id="28" name="Gerade Verbindung mit Pfeil 27">
+            <a:extLst>
+              <a:ext uri="{FF2B5EF4-FFF2-40B4-BE49-F238E27FC236}">
+                <a16:creationId xmlns:a16="http://schemas.microsoft.com/office/drawing/2014/main" id="{6CD14F4E-810D-7B45-9AFC-82D4AB837CF7}"/>
+              </a:ext>
+            </a:extLst>
+          </p:cNvPr>
+          <p:cNvCxnSpPr>
+            <a:cxnSpLocks/>
+            <a:stCxn id="23" idx="2"/>
+            <a:endCxn id="13" idx="0"/>
+          </p:cNvCxnSpPr>
+          <p:nvPr/>
+        </p:nvCxnSpPr>
+        <p:spPr>
+          <a:xfrm>
+            <a:off x="3564005" y="4388436"/>
+            <a:ext cx="0" cy="436236"/>
+          </a:xfrm>
+          <a:prstGeom prst="straightConnector1">
+            <a:avLst/>
+          </a:prstGeom>
+          <a:ln>
+            <a:solidFill>
+              <a:schemeClr val="tx1"/>
+            </a:solidFill>
+            <a:tailEnd type="triangle"/>
+          </a:ln>
+        </p:spPr>
+        <p:style>
+          <a:lnRef idx="1">
+            <a:schemeClr val="accent1"/>
+          </a:lnRef>
+          <a:fillRef idx="0">
+            <a:schemeClr val="accent1"/>
+          </a:fillRef>
+          <a:effectRef idx="0">
+            <a:schemeClr val="accent1"/>
+          </a:effectRef>
+          <a:fontRef idx="minor">
+            <a:schemeClr val="tx1"/>
+          </a:fontRef>
+        </p:style>
+      </p:cxnSp>
+      <p:cxnSp>
+        <p:nvCxnSpPr>
+          <p:cNvPr id="29" name="Gerade Verbindung mit Pfeil 28">
+            <a:extLst>
+              <a:ext uri="{FF2B5EF4-FFF2-40B4-BE49-F238E27FC236}">
+                <a16:creationId xmlns:a16="http://schemas.microsoft.com/office/drawing/2014/main" id="{5A5BEB39-4AF5-C841-9E3B-3C59370CC992}"/>
+              </a:ext>
+            </a:extLst>
+          </p:cNvPr>
+          <p:cNvCxnSpPr>
+            <a:cxnSpLocks/>
+            <a:stCxn id="26" idx="2"/>
+            <a:endCxn id="25" idx="0"/>
+          </p:cNvCxnSpPr>
+          <p:nvPr/>
+        </p:nvCxnSpPr>
+        <p:spPr>
+          <a:xfrm>
+            <a:off x="5652295" y="4388436"/>
+            <a:ext cx="0" cy="431692"/>
+          </a:xfrm>
+          <a:prstGeom prst="straightConnector1">
+            <a:avLst/>
+          </a:prstGeom>
+          <a:ln>
+            <a:solidFill>
+              <a:schemeClr val="tx1"/>
+            </a:solidFill>
+            <a:tailEnd type="triangle"/>
+          </a:ln>
+        </p:spPr>
+        <p:style>
+          <a:lnRef idx="1">
+            <a:schemeClr val="accent1"/>
+          </a:lnRef>
+          <a:fillRef idx="0">
+            <a:schemeClr val="accent1"/>
+          </a:fillRef>
+          <a:effectRef idx="0">
+            <a:schemeClr val="accent1"/>
+          </a:effectRef>
+          <a:fontRef idx="minor">
+            <a:schemeClr val="tx1"/>
+          </a:fontRef>
+        </p:style>
+      </p:cxnSp>
+      <p:cxnSp>
+        <p:nvCxnSpPr>
+          <p:cNvPr id="30" name="Gewinkelte Verbindung 29">
+            <a:extLst>
+              <a:ext uri="{FF2B5EF4-FFF2-40B4-BE49-F238E27FC236}">
+                <a16:creationId xmlns:a16="http://schemas.microsoft.com/office/drawing/2014/main" id="{E045D9E9-9C2D-4047-A2B6-04D2498A4902}"/>
+              </a:ext>
+            </a:extLst>
+          </p:cNvPr>
+          <p:cNvCxnSpPr>
+            <a:cxnSpLocks/>
+            <a:stCxn id="26" idx="2"/>
+            <a:endCxn id="27" idx="0"/>
+          </p:cNvCxnSpPr>
+          <p:nvPr/>
+        </p:nvCxnSpPr>
+        <p:spPr>
+          <a:xfrm rot="16200000" flipH="1">
+            <a:off x="6480594" y="3560137"/>
+            <a:ext cx="431692" cy="2088290"/>
+          </a:xfrm>
+          <a:prstGeom prst="bentConnector3">
+            <a:avLst>
+              <a:gd name="adj1" fmla="val 50000"/>
+            </a:avLst>
+          </a:prstGeom>
+          <a:ln>
+            <a:solidFill>
+              <a:schemeClr val="tx1"/>
+            </a:solidFill>
+            <a:tailEnd type="triangle"/>
+          </a:ln>
+        </p:spPr>
+        <p:style>
+          <a:lnRef idx="1">
+            <a:schemeClr val="accent1"/>
+          </a:lnRef>
+          <a:fillRef idx="0">
+            <a:schemeClr val="accent1"/>
+          </a:fillRef>
+          <a:effectRef idx="0">
+            <a:schemeClr val="accent1"/>
+          </a:effectRef>
+          <a:fontRef idx="minor">
+            <a:schemeClr val="tx1"/>
+          </a:fontRef>
+        </p:style>
+      </p:cxnSp>
+      <p:cxnSp>
+        <p:nvCxnSpPr>
+          <p:cNvPr id="31" name="Gerade Verbindung mit Pfeil 30">
+            <a:extLst>
+              <a:ext uri="{FF2B5EF4-FFF2-40B4-BE49-F238E27FC236}">
+                <a16:creationId xmlns:a16="http://schemas.microsoft.com/office/drawing/2014/main" id="{FD6B835D-5FB3-8042-A5D8-0FAD46304608}"/>
+              </a:ext>
+            </a:extLst>
+          </p:cNvPr>
+          <p:cNvCxnSpPr>
+            <a:cxnSpLocks/>
+            <a:stCxn id="12" idx="2"/>
+            <a:endCxn id="23" idx="0"/>
+          </p:cNvCxnSpPr>
+          <p:nvPr/>
+        </p:nvCxnSpPr>
+        <p:spPr>
+          <a:xfrm>
+            <a:off x="3564005" y="3520140"/>
+            <a:ext cx="0" cy="436236"/>
+          </a:xfrm>
+          <a:prstGeom prst="straightConnector1">
+            <a:avLst/>
+          </a:prstGeom>
+          <a:ln>
+            <a:solidFill>
+              <a:schemeClr val="tx1"/>
+            </a:solidFill>
+            <a:tailEnd type="triangle"/>
+          </a:ln>
+        </p:spPr>
+        <p:style>
+          <a:lnRef idx="1">
+            <a:schemeClr val="accent1"/>
+          </a:lnRef>
+          <a:fillRef idx="0">
+            <a:schemeClr val="accent1"/>
+          </a:fillRef>
+          <a:effectRef idx="0">
+            <a:schemeClr val="accent1"/>
+          </a:effectRef>
+          <a:fontRef idx="minor">
+            <a:schemeClr val="tx1"/>
+          </a:fontRef>
+        </p:style>
+      </p:cxnSp>
+      <p:cxnSp>
+        <p:nvCxnSpPr>
+          <p:cNvPr id="32" name="Gerade Verbindung mit Pfeil 31">
+            <a:extLst>
+              <a:ext uri="{FF2B5EF4-FFF2-40B4-BE49-F238E27FC236}">
+                <a16:creationId xmlns:a16="http://schemas.microsoft.com/office/drawing/2014/main" id="{ED21C911-02CD-B04F-B644-6CA53A4858E0}"/>
+              </a:ext>
+            </a:extLst>
+          </p:cNvPr>
+          <p:cNvCxnSpPr>
+            <a:cxnSpLocks/>
+            <a:stCxn id="24" idx="2"/>
+            <a:endCxn id="26" idx="0"/>
+          </p:cNvCxnSpPr>
+          <p:nvPr/>
+        </p:nvCxnSpPr>
+        <p:spPr>
+          <a:xfrm>
+            <a:off x="5652295" y="3520140"/>
+            <a:ext cx="0" cy="436236"/>
+          </a:xfrm>
+          <a:prstGeom prst="straightConnector1">
+            <a:avLst/>
+          </a:prstGeom>
+          <a:ln>
+            <a:solidFill>
+              <a:schemeClr val="tx1"/>
+            </a:solidFill>
+            <a:tailEnd type="triangle"/>
+          </a:ln>
+        </p:spPr>
+        <p:style>
+          <a:lnRef idx="1">
+            <a:schemeClr val="accent1"/>
+          </a:lnRef>
+          <a:fillRef idx="0">
+            <a:schemeClr val="accent1"/>
+          </a:fillRef>
+          <a:effectRef idx="0">
+            <a:schemeClr val="accent1"/>
+          </a:effectRef>
+          <a:fontRef idx="minor">
+            <a:schemeClr val="tx1"/>
+          </a:fontRef>
+        </p:style>
+      </p:cxnSp>
+      <p:cxnSp>
+        <p:nvCxnSpPr>
+          <p:cNvPr id="33" name="Gewinkelte Verbindung 32">
+            <a:extLst>
+              <a:ext uri="{FF2B5EF4-FFF2-40B4-BE49-F238E27FC236}">
+                <a16:creationId xmlns:a16="http://schemas.microsoft.com/office/drawing/2014/main" id="{9D9BF377-8201-8246-9772-39204065A8C4}"/>
+              </a:ext>
+            </a:extLst>
+          </p:cNvPr>
+          <p:cNvCxnSpPr>
+            <a:cxnSpLocks/>
+            <a:stCxn id="25" idx="1"/>
+            <a:endCxn id="12" idx="3"/>
+          </p:cNvCxnSpPr>
+          <p:nvPr/>
+        </p:nvCxnSpPr>
+        <p:spPr>
+          <a:xfrm rot="10800000">
+            <a:off x="4392120" y="3304110"/>
+            <a:ext cx="432060" cy="1732048"/>
+          </a:xfrm>
+          <a:prstGeom prst="bentConnector3">
+            <a:avLst/>
+          </a:prstGeom>
+          <a:ln>
+            <a:solidFill>
+              <a:schemeClr val="tx1"/>
+            </a:solidFill>
+            <a:tailEnd type="triangle"/>
+          </a:ln>
+        </p:spPr>
+        <p:style>
+          <a:lnRef idx="1">
+            <a:schemeClr val="accent1"/>
+          </a:lnRef>
+          <a:fillRef idx="0">
+            <a:schemeClr val="accent1"/>
+          </a:fillRef>
+          <a:effectRef idx="0">
+            <a:schemeClr val="accent1"/>
+          </a:effectRef>
+          <a:fontRef idx="minor">
+            <a:schemeClr val="tx1"/>
+          </a:fontRef>
+        </p:style>
+      </p:cxnSp>
+      <p:cxnSp>
+        <p:nvCxnSpPr>
+          <p:cNvPr id="34" name="Gerade Verbindung mit Pfeil 33">
+            <a:extLst>
+              <a:ext uri="{FF2B5EF4-FFF2-40B4-BE49-F238E27FC236}">
+                <a16:creationId xmlns:a16="http://schemas.microsoft.com/office/drawing/2014/main" id="{0DFE2166-F325-2F49-A418-1DBC32AF6695}"/>
+              </a:ext>
+            </a:extLst>
+          </p:cNvPr>
+          <p:cNvCxnSpPr>
+            <a:cxnSpLocks/>
+          </p:cNvCxnSpPr>
+          <p:nvPr/>
+        </p:nvCxnSpPr>
+        <p:spPr>
+          <a:xfrm>
+            <a:off x="5652295" y="2656020"/>
+            <a:ext cx="0" cy="432060"/>
+          </a:xfrm>
+          <a:prstGeom prst="straightConnector1">
+            <a:avLst/>
+          </a:prstGeom>
+          <a:ln>
+            <a:solidFill>
+              <a:schemeClr val="tx1"/>
+            </a:solidFill>
+            <a:tailEnd type="triangle"/>
+          </a:ln>
+        </p:spPr>
+        <p:style>
+          <a:lnRef idx="1">
+            <a:schemeClr val="accent1"/>
+          </a:lnRef>
+          <a:fillRef idx="0">
+            <a:schemeClr val="accent1"/>
+          </a:fillRef>
+          <a:effectRef idx="0">
+            <a:schemeClr val="accent1"/>
+          </a:effectRef>
+          <a:fontRef idx="minor">
+            <a:schemeClr val="tx1"/>
+          </a:fontRef>
+        </p:style>
+      </p:cxnSp>
+      <p:sp>
+        <p:nvSpPr>
+          <p:cNvPr id="35" name="Textfeld 34">
+            <a:extLst>
+              <a:ext uri="{FF2B5EF4-FFF2-40B4-BE49-F238E27FC236}">
+                <a16:creationId xmlns:a16="http://schemas.microsoft.com/office/drawing/2014/main" id="{1484E950-8AB5-154E-92A8-5DA4124EE31B}"/>
+              </a:ext>
+            </a:extLst>
+          </p:cNvPr>
+          <p:cNvSpPr txBox="1"/>
+          <p:nvPr/>
+        </p:nvSpPr>
+        <p:spPr>
+          <a:xfrm>
+            <a:off x="5112225" y="2381247"/>
+            <a:ext cx="1080139" cy="276999"/>
+          </a:xfrm>
+          <a:prstGeom prst="rect">
+            <a:avLst/>
+          </a:prstGeom>
+          <a:noFill/>
+        </p:spPr>
+        <p:txBody>
+          <a:bodyPr wrap="square" rtlCol="0">
+            <a:spAutoFit/>
+          </a:bodyPr>
+          <a:lstStyle/>
+          <a:p>
+            <a:pPr algn="ctr"/>
+            <a:r>
+              <a:rPr lang="de-DE" sz="1200" dirty="0"/>
+              <a:t>Browser</a:t>
+            </a:r>
+          </a:p>
+        </p:txBody>
+      </p:sp>
+      <p:sp>
+        <p:nvSpPr>
+          <p:cNvPr id="36" name="Rechteck 35">
+            <a:extLst>
+              <a:ext uri="{FF2B5EF4-FFF2-40B4-BE49-F238E27FC236}">
+                <a16:creationId xmlns:a16="http://schemas.microsoft.com/office/drawing/2014/main" id="{080EB723-9F3D-7D44-83DF-343961F055E4}"/>
+              </a:ext>
+            </a:extLst>
+          </p:cNvPr>
+          <p:cNvSpPr/>
+          <p:nvPr/>
+        </p:nvSpPr>
+        <p:spPr>
+          <a:xfrm>
+            <a:off x="647600" y="4820128"/>
+            <a:ext cx="1656230" cy="432060"/>
+          </a:xfrm>
+          <a:prstGeom prst="rect">
+            <a:avLst/>
+          </a:prstGeom>
+          <a:solidFill>
+            <a:srgbClr val="0070C0"/>
+          </a:solidFill>
+          <a:ln>
+            <a:noFill/>
+          </a:ln>
+        </p:spPr>
+        <p:style>
+          <a:lnRef idx="2">
+            <a:schemeClr val="accent1">
+              <a:shade val="50000"/>
+            </a:schemeClr>
+          </a:lnRef>
+          <a:fillRef idx="1">
+            <a:schemeClr val="accent1"/>
+          </a:fillRef>
+          <a:effectRef idx="0">
+            <a:schemeClr val="accent1"/>
+          </a:effectRef>
+          <a:fontRef idx="minor">
+            <a:schemeClr val="lt1"/>
+          </a:fontRef>
+        </p:style>
+        <p:txBody>
+          <a:bodyPr rtlCol="0" anchor="ctr"/>
+          <a:lstStyle/>
+          <a:p>
+            <a:pPr algn="ctr"/>
+            <a:r>
+              <a:rPr lang="de-DE" sz="1200" dirty="0" err="1"/>
+              <a:t>postgres-secret</a:t>
+            </a:r>
+            <a:endParaRPr lang="de-DE" sz="1200" dirty="0"/>
+          </a:p>
+        </p:txBody>
+      </p:sp>
+      <p:cxnSp>
+        <p:nvCxnSpPr>
+          <p:cNvPr id="37" name="Gewinkelte Verbindung 36">
+            <a:extLst>
+              <a:ext uri="{FF2B5EF4-FFF2-40B4-BE49-F238E27FC236}">
+                <a16:creationId xmlns:a16="http://schemas.microsoft.com/office/drawing/2014/main" id="{EC658EAC-AF6B-BB43-AD05-3FC8C1AAAC8B}"/>
+              </a:ext>
+            </a:extLst>
+          </p:cNvPr>
+          <p:cNvCxnSpPr>
+            <a:cxnSpLocks/>
+            <a:stCxn id="23" idx="2"/>
+            <a:endCxn id="36" idx="0"/>
+          </p:cNvCxnSpPr>
+          <p:nvPr/>
+        </p:nvCxnSpPr>
+        <p:spPr>
+          <a:xfrm rot="5400000">
+            <a:off x="2304014" y="3560137"/>
+            <a:ext cx="431692" cy="2088290"/>
+          </a:xfrm>
+          <a:prstGeom prst="bentConnector3">
+            <a:avLst>
+              <a:gd name="adj1" fmla="val 50000"/>
+            </a:avLst>
+          </a:prstGeom>
+          <a:ln>
+            <a:solidFill>
+              <a:schemeClr val="tx1"/>
+            </a:solidFill>
+            <a:tailEnd type="triangle"/>
+          </a:ln>
+        </p:spPr>
+        <p:style>
+          <a:lnRef idx="1">
+            <a:schemeClr val="accent1"/>
+          </a:lnRef>
+          <a:fillRef idx="0">
+            <a:schemeClr val="accent1"/>
+          </a:fillRef>
+          <a:effectRef idx="0">
+            <a:schemeClr val="accent1"/>
+          </a:effectRef>
+          <a:fontRef idx="minor">
+            <a:schemeClr val="tx1"/>
+          </a:fontRef>
+        </p:style>
+      </p:cxnSp>
+    </p:spTree>
+    <p:extLst>
+      <p:ext uri="{BB962C8B-B14F-4D97-AF65-F5344CB8AC3E}">
+        <p14:creationId xmlns:p14="http://schemas.microsoft.com/office/powerpoint/2010/main" val="99428910"/>
+      </p:ext>
+    </p:extLst>
+  </p:cSld>
+  <p:clrMapOvr>
+    <a:masterClrMapping/>
+  </p:clrMapOvr>
+</p:sld>
+</file>
+
+<file path=ppt/slides/slide15.xml><?xml version="1.0" encoding="utf-8"?>
+<p:sld xmlns:a="http://schemas.openxmlformats.org/drawingml/2006/main" xmlns:r="http://schemas.openxmlformats.org/officeDocument/2006/relationships" xmlns:p="http://schemas.openxmlformats.org/presentationml/2006/main">
+  <p:cSld>
+    <p:spTree>
+      <p:nvGrpSpPr>
+        <p:cNvPr id="1" name=""/>
+        <p:cNvGrpSpPr/>
+        <p:nvPr/>
+      </p:nvGrpSpPr>
+      <p:grpSpPr>
+        <a:xfrm>
+          <a:off x="0" y="0"/>
+          <a:ext cx="0" cy="0"/>
+          <a:chOff x="0" y="0"/>
+          <a:chExt cx="0" cy="0"/>
+        </a:xfrm>
+      </p:grpSpPr>
+      <p:sp>
+        <p:nvSpPr>
+          <p:cNvPr id="2" name="Titel 1">
+            <a:extLst>
+              <a:ext uri="{FF2B5EF4-FFF2-40B4-BE49-F238E27FC236}">
+                <a16:creationId xmlns:a16="http://schemas.microsoft.com/office/drawing/2014/main" id="{63E74088-BB91-574B-9695-A0121785026E}"/>
+              </a:ext>
+            </a:extLst>
+          </p:cNvPr>
+          <p:cNvSpPr>
+            <a:spLocks noGrp="1"/>
+          </p:cNvSpPr>
+          <p:nvPr>
+            <p:ph type="title"/>
+          </p:nvPr>
+        </p:nvSpPr>
+        <p:spPr/>
+        <p:txBody>
+          <a:bodyPr/>
+          <a:lstStyle/>
+          <a:p>
+            <a:r>
+              <a:rPr lang="de-DE" dirty="0" err="1"/>
+              <a:t>ConfigMaps</a:t>
+            </a:r>
+            <a:r>
+              <a:rPr lang="de-DE" dirty="0"/>
+              <a:t> erzeugen</a:t>
+            </a:r>
+          </a:p>
+        </p:txBody>
+      </p:sp>
+      <p:sp>
+        <p:nvSpPr>
+          <p:cNvPr id="3" name="Inhaltsplatzhalter 2">
+            <a:extLst>
+              <a:ext uri="{FF2B5EF4-FFF2-40B4-BE49-F238E27FC236}">
+                <a16:creationId xmlns:a16="http://schemas.microsoft.com/office/drawing/2014/main" id="{0EEB0F87-B7B4-B946-A3AA-B4CFBE864340}"/>
+              </a:ext>
+            </a:extLst>
+          </p:cNvPr>
+          <p:cNvSpPr>
+            <a:spLocks noGrp="1"/>
+          </p:cNvSpPr>
+          <p:nvPr>
+            <p:ph idx="1"/>
+          </p:nvPr>
+        </p:nvSpPr>
+        <p:spPr/>
+        <p:txBody>
+          <a:bodyPr>
+            <a:normAutofit/>
+          </a:bodyPr>
+          <a:lstStyle/>
+          <a:p>
+            <a:r>
+              <a:rPr lang="de-DE" b="1" dirty="0" err="1"/>
+              <a:t>kubectl</a:t>
+            </a:r>
+            <a:r>
+              <a:rPr lang="de-DE" b="1" dirty="0"/>
+              <a:t> </a:t>
+            </a:r>
+            <a:r>
+              <a:rPr lang="de-DE" b="1" dirty="0" err="1"/>
+              <a:t>create</a:t>
+            </a:r>
+            <a:r>
+              <a:rPr lang="de-DE" b="1" dirty="0"/>
+              <a:t> </a:t>
+            </a:r>
+            <a:r>
+              <a:rPr lang="de-DE" b="1" dirty="0" err="1"/>
+              <a:t>configmap</a:t>
+            </a:r>
+            <a:endParaRPr lang="de-DE" b="1" dirty="0"/>
+          </a:p>
+          <a:p>
+            <a:pPr marL="285750" indent="-285750">
+              <a:buFont typeface="Arial" panose="020B0604020202020204" pitchFamily="34" charset="0"/>
+              <a:buChar char="•"/>
+            </a:pPr>
+            <a:r>
+              <a:rPr lang="de-DE" dirty="0" err="1"/>
+              <a:t>Literals</a:t>
+            </a:r>
+            <a:endParaRPr lang="de-DE" dirty="0"/>
+          </a:p>
+          <a:p>
+            <a:pPr marL="285750" indent="-285750">
+              <a:buFont typeface="Arial" panose="020B0604020202020204" pitchFamily="34" charset="0"/>
+              <a:buChar char="•"/>
+            </a:pPr>
+            <a:r>
+              <a:rPr lang="de-DE" dirty="0"/>
+              <a:t>Files</a:t>
+            </a:r>
+          </a:p>
+          <a:p>
+            <a:pPr marL="285750" indent="-285750">
+              <a:buFont typeface="Arial" panose="020B0604020202020204" pitchFamily="34" charset="0"/>
+              <a:buChar char="•"/>
+            </a:pPr>
+            <a:r>
+              <a:rPr lang="de-DE" dirty="0" err="1"/>
+              <a:t>Directories</a:t>
+            </a:r>
+            <a:endParaRPr lang="de-DE" dirty="0"/>
+          </a:p>
+          <a:p>
+            <a:pPr marL="285750" indent="-285750">
+              <a:buFont typeface="Arial" panose="020B0604020202020204" pitchFamily="34" charset="0"/>
+              <a:buChar char="•"/>
+            </a:pPr>
+            <a:endParaRPr lang="de-DE" dirty="0"/>
+          </a:p>
+          <a:p>
+            <a:r>
+              <a:rPr lang="de-DE" b="1" dirty="0"/>
+              <a:t>Generatoren</a:t>
+            </a:r>
+          </a:p>
+          <a:p>
+            <a:pPr marL="285750" indent="-285750">
+              <a:buFont typeface="Arial" panose="020B0604020202020204" pitchFamily="34" charset="0"/>
+              <a:buChar char="•"/>
+            </a:pPr>
+            <a:r>
+              <a:rPr lang="de-DE" dirty="0" err="1"/>
+              <a:t>kustomization.yaml</a:t>
+            </a:r>
             <a:endParaRPr lang="de-DE" dirty="0"/>
           </a:p>
         </p:txBody>
@@ -4455,7 +8855,633 @@
     </p:spTree>
     <p:extLst>
       <p:ext uri="{BB962C8B-B14F-4D97-AF65-F5344CB8AC3E}">
-        <p14:creationId xmlns:p14="http://schemas.microsoft.com/office/powerpoint/2010/main" val="2233056123"/>
+        <p14:creationId xmlns:p14="http://schemas.microsoft.com/office/powerpoint/2010/main" val="1015194288"/>
+      </p:ext>
+    </p:extLst>
+  </p:cSld>
+  <p:clrMapOvr>
+    <a:masterClrMapping/>
+  </p:clrMapOvr>
+</p:sld>
+</file>
+
+<file path=ppt/slides/slide16.xml><?xml version="1.0" encoding="utf-8"?>
+<p:sld xmlns:a="http://schemas.openxmlformats.org/drawingml/2006/main" xmlns:r="http://schemas.openxmlformats.org/officeDocument/2006/relationships" xmlns:p="http://schemas.openxmlformats.org/presentationml/2006/main">
+  <p:cSld>
+    <p:spTree>
+      <p:nvGrpSpPr>
+        <p:cNvPr id="1" name=""/>
+        <p:cNvGrpSpPr/>
+        <p:nvPr/>
+      </p:nvGrpSpPr>
+      <p:grpSpPr>
+        <a:xfrm>
+          <a:off x="0" y="0"/>
+          <a:ext cx="0" cy="0"/>
+          <a:chOff x="0" y="0"/>
+          <a:chExt cx="0" cy="0"/>
+        </a:xfrm>
+      </p:grpSpPr>
+      <p:sp>
+        <p:nvSpPr>
+          <p:cNvPr id="2" name="Titel 1">
+            <a:extLst>
+              <a:ext uri="{FF2B5EF4-FFF2-40B4-BE49-F238E27FC236}">
+                <a16:creationId xmlns:a16="http://schemas.microsoft.com/office/drawing/2014/main" id="{63E74088-BB91-574B-9695-A0121785026E}"/>
+              </a:ext>
+            </a:extLst>
+          </p:cNvPr>
+          <p:cNvSpPr>
+            <a:spLocks noGrp="1"/>
+          </p:cNvSpPr>
+          <p:nvPr>
+            <p:ph type="title"/>
+          </p:nvPr>
+        </p:nvSpPr>
+        <p:spPr/>
+        <p:txBody>
+          <a:bodyPr/>
+          <a:lstStyle/>
+          <a:p>
+            <a:r>
+              <a:rPr lang="de-DE" dirty="0" err="1"/>
+              <a:t>Secrets</a:t>
+            </a:r>
+            <a:r>
+              <a:rPr lang="de-DE" dirty="0"/>
+              <a:t> erzeugen</a:t>
+            </a:r>
+          </a:p>
+        </p:txBody>
+      </p:sp>
+      <p:sp>
+        <p:nvSpPr>
+          <p:cNvPr id="3" name="Inhaltsplatzhalter 2">
+            <a:extLst>
+              <a:ext uri="{FF2B5EF4-FFF2-40B4-BE49-F238E27FC236}">
+                <a16:creationId xmlns:a16="http://schemas.microsoft.com/office/drawing/2014/main" id="{0EEB0F87-B7B4-B946-A3AA-B4CFBE864340}"/>
+              </a:ext>
+            </a:extLst>
+          </p:cNvPr>
+          <p:cNvSpPr>
+            <a:spLocks noGrp="1"/>
+          </p:cNvSpPr>
+          <p:nvPr>
+            <p:ph idx="1"/>
+          </p:nvPr>
+        </p:nvSpPr>
+        <p:spPr/>
+        <p:txBody>
+          <a:bodyPr>
+            <a:normAutofit/>
+          </a:bodyPr>
+          <a:lstStyle/>
+          <a:p>
+            <a:r>
+              <a:rPr lang="de-DE" b="1" dirty="0"/>
+              <a:t>siehe </a:t>
+            </a:r>
+            <a:r>
+              <a:rPr lang="de-DE" b="1" dirty="0" err="1"/>
+              <a:t>ConfigMaps</a:t>
+            </a:r>
+            <a:endParaRPr lang="de-DE" b="1" dirty="0"/>
+          </a:p>
+          <a:p>
+            <a:endParaRPr lang="de-DE" b="1" dirty="0"/>
+          </a:p>
+          <a:p>
+            <a:r>
+              <a:rPr lang="de-DE" b="1" dirty="0" err="1"/>
+              <a:t>kubectl</a:t>
+            </a:r>
+            <a:r>
+              <a:rPr lang="de-DE" b="1" dirty="0"/>
+              <a:t> </a:t>
+            </a:r>
+            <a:r>
+              <a:rPr lang="de-DE" b="1" dirty="0" err="1"/>
+              <a:t>create</a:t>
+            </a:r>
+            <a:r>
+              <a:rPr lang="de-DE" b="1" dirty="0"/>
+              <a:t> </a:t>
+            </a:r>
+            <a:r>
+              <a:rPr lang="de-DE" b="1" dirty="0" err="1"/>
+              <a:t>secret</a:t>
+            </a:r>
+            <a:r>
+              <a:rPr lang="de-DE" b="1" dirty="0"/>
+              <a:t> &lt;type&gt;</a:t>
+            </a:r>
+          </a:p>
+          <a:p>
+            <a:pPr marL="285750" indent="-285750">
+              <a:buFont typeface="Arial" panose="020B0604020202020204" pitchFamily="34" charset="0"/>
+              <a:buChar char="•"/>
+            </a:pPr>
+            <a:r>
+              <a:rPr lang="de-DE" dirty="0" err="1"/>
+              <a:t>generic</a:t>
+            </a:r>
+            <a:endParaRPr lang="de-DE" dirty="0"/>
+          </a:p>
+          <a:p>
+            <a:pPr marL="285750" indent="-285750">
+              <a:buFont typeface="Arial" panose="020B0604020202020204" pitchFamily="34" charset="0"/>
+              <a:buChar char="•"/>
+            </a:pPr>
+            <a:r>
+              <a:rPr lang="de-DE" dirty="0" err="1"/>
+              <a:t>tls</a:t>
+            </a:r>
+            <a:endParaRPr lang="de-DE" dirty="0"/>
+          </a:p>
+          <a:p>
+            <a:pPr marL="285750" indent="-285750">
+              <a:buFont typeface="Arial" panose="020B0604020202020204" pitchFamily="34" charset="0"/>
+              <a:buChar char="•"/>
+            </a:pPr>
+            <a:r>
+              <a:rPr lang="de-DE" dirty="0" err="1"/>
+              <a:t>docker-registry</a:t>
+            </a:r>
+            <a:endParaRPr lang="de-DE" dirty="0"/>
+          </a:p>
+          <a:p>
+            <a:pPr marL="285750" indent="-285750">
+              <a:buFont typeface="Arial" panose="020B0604020202020204" pitchFamily="34" charset="0"/>
+              <a:buChar char="•"/>
+            </a:pPr>
+            <a:endParaRPr lang="de-DE" dirty="0"/>
+          </a:p>
+        </p:txBody>
+      </p:sp>
+    </p:spTree>
+    <p:extLst>
+      <p:ext uri="{BB962C8B-B14F-4D97-AF65-F5344CB8AC3E}">
+        <p14:creationId xmlns:p14="http://schemas.microsoft.com/office/powerpoint/2010/main" val="2398007689"/>
+      </p:ext>
+    </p:extLst>
+  </p:cSld>
+  <p:clrMapOvr>
+    <a:masterClrMapping/>
+  </p:clrMapOvr>
+</p:sld>
+</file>
+
+<file path=ppt/slides/slide17.xml><?xml version="1.0" encoding="utf-8"?>
+<p:sld xmlns:a="http://schemas.openxmlformats.org/drawingml/2006/main" xmlns:r="http://schemas.openxmlformats.org/officeDocument/2006/relationships" xmlns:p="http://schemas.openxmlformats.org/presentationml/2006/main">
+  <p:cSld>
+    <p:spTree>
+      <p:nvGrpSpPr>
+        <p:cNvPr id="1" name=""/>
+        <p:cNvGrpSpPr/>
+        <p:nvPr/>
+      </p:nvGrpSpPr>
+      <p:grpSpPr>
+        <a:xfrm>
+          <a:off x="0" y="0"/>
+          <a:ext cx="0" cy="0"/>
+          <a:chOff x="0" y="0"/>
+          <a:chExt cx="0" cy="0"/>
+        </a:xfrm>
+      </p:grpSpPr>
+      <p:sp>
+        <p:nvSpPr>
+          <p:cNvPr id="2" name="Titel 1">
+            <a:extLst>
+              <a:ext uri="{FF2B5EF4-FFF2-40B4-BE49-F238E27FC236}">
+                <a16:creationId xmlns:a16="http://schemas.microsoft.com/office/drawing/2014/main" id="{63E74088-BB91-574B-9695-A0121785026E}"/>
+              </a:ext>
+            </a:extLst>
+          </p:cNvPr>
+          <p:cNvSpPr>
+            <a:spLocks noGrp="1"/>
+          </p:cNvSpPr>
+          <p:nvPr>
+            <p:ph type="title"/>
+          </p:nvPr>
+        </p:nvSpPr>
+        <p:spPr/>
+        <p:txBody>
+          <a:bodyPr/>
+          <a:lstStyle/>
+          <a:p>
+            <a:r>
+              <a:rPr lang="de-DE" dirty="0"/>
+              <a:t>Umgang mit </a:t>
+            </a:r>
+            <a:r>
+              <a:rPr lang="de-DE" dirty="0" err="1"/>
+              <a:t>Secrets</a:t>
+            </a:r>
+            <a:endParaRPr lang="de-DE" dirty="0"/>
+          </a:p>
+        </p:txBody>
+      </p:sp>
+      <p:sp>
+        <p:nvSpPr>
+          <p:cNvPr id="3" name="Inhaltsplatzhalter 2">
+            <a:extLst>
+              <a:ext uri="{FF2B5EF4-FFF2-40B4-BE49-F238E27FC236}">
+                <a16:creationId xmlns:a16="http://schemas.microsoft.com/office/drawing/2014/main" id="{0EEB0F87-B7B4-B946-A3AA-B4CFBE864340}"/>
+              </a:ext>
+            </a:extLst>
+          </p:cNvPr>
+          <p:cNvSpPr>
+            <a:spLocks noGrp="1"/>
+          </p:cNvSpPr>
+          <p:nvPr>
+            <p:ph idx="1"/>
+          </p:nvPr>
+        </p:nvSpPr>
+        <p:spPr/>
+        <p:txBody>
+          <a:bodyPr>
+            <a:normAutofit/>
+          </a:bodyPr>
+          <a:lstStyle/>
+          <a:p>
+            <a:pPr marL="285750" indent="-285750">
+              <a:buFont typeface="Arial" panose="020B0604020202020204" pitchFamily="34" charset="0"/>
+              <a:buChar char="•"/>
+            </a:pPr>
+            <a:r>
+              <a:rPr lang="de-DE" dirty="0"/>
+              <a:t>nicht in VCS hochladen</a:t>
+            </a:r>
+          </a:p>
+          <a:p>
+            <a:pPr marL="285750" indent="-285750">
+              <a:buFont typeface="Arial" panose="020B0604020202020204" pitchFamily="34" charset="0"/>
+              <a:buChar char="•"/>
+            </a:pPr>
+            <a:r>
+              <a:rPr lang="de-DE" dirty="0"/>
+              <a:t>nicht in Logs ausgeben</a:t>
+            </a:r>
+          </a:p>
+          <a:p>
+            <a:pPr marL="285750" indent="-285750">
+              <a:buFont typeface="Arial" panose="020B0604020202020204" pitchFamily="34" charset="0"/>
+              <a:buChar char="•"/>
+            </a:pPr>
+            <a:r>
+              <a:rPr lang="de-DE" dirty="0"/>
+              <a:t>sorgfältige Vergabe von Zugriffsrechten: z.B. Zugriff auf </a:t>
+            </a:r>
+            <a:r>
+              <a:rPr lang="de-DE" dirty="0" err="1"/>
+              <a:t>Pod</a:t>
+            </a:r>
+            <a:r>
+              <a:rPr lang="de-DE" dirty="0"/>
+              <a:t> ermöglicht Auslesen von </a:t>
+            </a:r>
+            <a:r>
+              <a:rPr lang="de-DE" dirty="0" err="1"/>
+              <a:t>Secrets</a:t>
+            </a:r>
+            <a:endParaRPr lang="de-DE" dirty="0"/>
+          </a:p>
+          <a:p>
+            <a:pPr marL="285750" indent="-285750">
+              <a:buFont typeface="Arial" panose="020B0604020202020204" pitchFamily="34" charset="0"/>
+              <a:buChar char="•"/>
+            </a:pPr>
+            <a:r>
+              <a:rPr lang="de-DE" dirty="0"/>
+              <a:t>…</a:t>
+            </a:r>
+          </a:p>
+          <a:p>
+            <a:pPr marL="285750" indent="-285750">
+              <a:buFont typeface="Arial" panose="020B0604020202020204" pitchFamily="34" charset="0"/>
+              <a:buChar char="•"/>
+            </a:pPr>
+            <a:endParaRPr lang="de-DE" dirty="0"/>
+          </a:p>
+          <a:p>
+            <a:pPr marL="285750" indent="-285750">
+              <a:buFont typeface="Arial" panose="020B0604020202020204" pitchFamily="34" charset="0"/>
+              <a:buChar char="•"/>
+            </a:pPr>
+            <a:endParaRPr lang="de-DE" dirty="0"/>
+          </a:p>
+        </p:txBody>
+      </p:sp>
+    </p:spTree>
+    <p:extLst>
+      <p:ext uri="{BB962C8B-B14F-4D97-AF65-F5344CB8AC3E}">
+        <p14:creationId xmlns:p14="http://schemas.microsoft.com/office/powerpoint/2010/main" val="4065652997"/>
+      </p:ext>
+    </p:extLst>
+  </p:cSld>
+  <p:clrMapOvr>
+    <a:masterClrMapping/>
+  </p:clrMapOvr>
+</p:sld>
+</file>
+
+<file path=ppt/slides/slide18.xml><?xml version="1.0" encoding="utf-8"?>
+<p:sld xmlns:a="http://schemas.openxmlformats.org/drawingml/2006/main" xmlns:r="http://schemas.openxmlformats.org/officeDocument/2006/relationships" xmlns:p="http://schemas.openxmlformats.org/presentationml/2006/main">
+  <p:cSld>
+    <p:spTree>
+      <p:nvGrpSpPr>
+        <p:cNvPr id="1" name=""/>
+        <p:cNvGrpSpPr/>
+        <p:nvPr/>
+      </p:nvGrpSpPr>
+      <p:grpSpPr>
+        <a:xfrm>
+          <a:off x="0" y="0"/>
+          <a:ext cx="0" cy="0"/>
+          <a:chOff x="0" y="0"/>
+          <a:chExt cx="0" cy="0"/>
+        </a:xfrm>
+      </p:grpSpPr>
+      <p:sp>
+        <p:nvSpPr>
+          <p:cNvPr id="2" name="Titel 1">
+            <a:extLst>
+              <a:ext uri="{FF2B5EF4-FFF2-40B4-BE49-F238E27FC236}">
+                <a16:creationId xmlns:a16="http://schemas.microsoft.com/office/drawing/2014/main" id="{63E74088-BB91-574B-9695-A0121785026E}"/>
+              </a:ext>
+            </a:extLst>
+          </p:cNvPr>
+          <p:cNvSpPr>
+            <a:spLocks noGrp="1"/>
+          </p:cNvSpPr>
+          <p:nvPr>
+            <p:ph type="title"/>
+          </p:nvPr>
+        </p:nvSpPr>
+        <p:spPr/>
+        <p:txBody>
+          <a:bodyPr/>
+          <a:lstStyle/>
+          <a:p>
+            <a:r>
+              <a:rPr lang="de-DE" dirty="0" err="1"/>
+              <a:t>Takeaways</a:t>
+            </a:r>
+            <a:endParaRPr lang="de-DE" dirty="0"/>
+          </a:p>
+        </p:txBody>
+      </p:sp>
+      <p:sp>
+        <p:nvSpPr>
+          <p:cNvPr id="3" name="Inhaltsplatzhalter 2">
+            <a:extLst>
+              <a:ext uri="{FF2B5EF4-FFF2-40B4-BE49-F238E27FC236}">
+                <a16:creationId xmlns:a16="http://schemas.microsoft.com/office/drawing/2014/main" id="{0EEB0F87-B7B4-B946-A3AA-B4CFBE864340}"/>
+              </a:ext>
+            </a:extLst>
+          </p:cNvPr>
+          <p:cNvSpPr>
+            <a:spLocks noGrp="1"/>
+          </p:cNvSpPr>
+          <p:nvPr>
+            <p:ph idx="1"/>
+          </p:nvPr>
+        </p:nvSpPr>
+        <p:spPr/>
+        <p:txBody>
+          <a:bodyPr>
+            <a:normAutofit/>
+          </a:bodyPr>
+          <a:lstStyle/>
+          <a:p>
+            <a:pPr marL="285750" indent="-285750">
+              <a:buFont typeface="Arial" panose="020B0604020202020204" pitchFamily="34" charset="0"/>
+              <a:buChar char="•"/>
+            </a:pPr>
+            <a:r>
+              <a:rPr lang="de-DE" dirty="0" err="1"/>
+              <a:t>Blabla</a:t>
+            </a:r>
+            <a:endParaRPr lang="de-DE" dirty="0"/>
+          </a:p>
+          <a:p>
+            <a:endParaRPr lang="de-DE" dirty="0"/>
+          </a:p>
+          <a:p>
+            <a:endParaRPr lang="de-DE" dirty="0"/>
+          </a:p>
+        </p:txBody>
+      </p:sp>
+    </p:spTree>
+    <p:extLst>
+      <p:ext uri="{BB962C8B-B14F-4D97-AF65-F5344CB8AC3E}">
+        <p14:creationId xmlns:p14="http://schemas.microsoft.com/office/powerpoint/2010/main" val="3615434718"/>
+      </p:ext>
+    </p:extLst>
+  </p:cSld>
+  <p:clrMapOvr>
+    <a:masterClrMapping/>
+  </p:clrMapOvr>
+</p:sld>
+</file>
+
+<file path=ppt/slides/slide19.xml><?xml version="1.0" encoding="utf-8"?>
+<p:sld xmlns:a="http://schemas.openxmlformats.org/drawingml/2006/main" xmlns:r="http://schemas.openxmlformats.org/officeDocument/2006/relationships" xmlns:p="http://schemas.openxmlformats.org/presentationml/2006/main">
+  <p:cSld>
+    <p:spTree>
+      <p:nvGrpSpPr>
+        <p:cNvPr id="1" name=""/>
+        <p:cNvGrpSpPr/>
+        <p:nvPr/>
+      </p:nvGrpSpPr>
+      <p:grpSpPr>
+        <a:xfrm>
+          <a:off x="0" y="0"/>
+          <a:ext cx="0" cy="0"/>
+          <a:chOff x="0" y="0"/>
+          <a:chExt cx="0" cy="0"/>
+        </a:xfrm>
+      </p:grpSpPr>
+      <p:sp>
+        <p:nvSpPr>
+          <p:cNvPr id="2" name="Titel 1">
+            <a:extLst>
+              <a:ext uri="{FF2B5EF4-FFF2-40B4-BE49-F238E27FC236}">
+                <a16:creationId xmlns:a16="http://schemas.microsoft.com/office/drawing/2014/main" id="{63E74088-BB91-574B-9695-A0121785026E}"/>
+              </a:ext>
+            </a:extLst>
+          </p:cNvPr>
+          <p:cNvSpPr>
+            <a:spLocks noGrp="1"/>
+          </p:cNvSpPr>
+          <p:nvPr>
+            <p:ph type="title"/>
+          </p:nvPr>
+        </p:nvSpPr>
+        <p:spPr/>
+        <p:txBody>
+          <a:bodyPr/>
+          <a:lstStyle/>
+          <a:p>
+            <a:r>
+              <a:rPr lang="de-DE" dirty="0" err="1"/>
+              <a:t>Misc</a:t>
+            </a:r>
+            <a:endParaRPr lang="de-DE" dirty="0"/>
+          </a:p>
+        </p:txBody>
+      </p:sp>
+      <p:sp>
+        <p:nvSpPr>
+          <p:cNvPr id="3" name="Inhaltsplatzhalter 2">
+            <a:extLst>
+              <a:ext uri="{FF2B5EF4-FFF2-40B4-BE49-F238E27FC236}">
+                <a16:creationId xmlns:a16="http://schemas.microsoft.com/office/drawing/2014/main" id="{0EEB0F87-B7B4-B946-A3AA-B4CFBE864340}"/>
+              </a:ext>
+            </a:extLst>
+          </p:cNvPr>
+          <p:cNvSpPr>
+            <a:spLocks noGrp="1"/>
+          </p:cNvSpPr>
+          <p:nvPr>
+            <p:ph idx="1"/>
+          </p:nvPr>
+        </p:nvSpPr>
+        <p:spPr/>
+        <p:txBody>
+          <a:bodyPr>
+            <a:normAutofit fontScale="77500" lnSpcReduction="20000"/>
+          </a:bodyPr>
+          <a:lstStyle/>
+          <a:p>
+            <a:r>
+              <a:rPr lang="de-DE" b="1" dirty="0"/>
+              <a:t>Materialien zum Talk - NEU</a:t>
+            </a:r>
+          </a:p>
+          <a:p>
+            <a:r>
+              <a:rPr lang="de-DE" dirty="0">
+                <a:hlinkClick r:id="rId3"/>
+              </a:rPr>
+              <a:t>https://github.com/deepshore/deeptalk</a:t>
+            </a:r>
+            <a:endParaRPr lang="de-DE" dirty="0"/>
+          </a:p>
+          <a:p>
+            <a:endParaRPr lang="de-DE" dirty="0"/>
+          </a:p>
+          <a:p>
+            <a:r>
+              <a:rPr lang="de-DE" b="1" dirty="0"/>
+              <a:t>Weiterführendes</a:t>
+            </a:r>
+          </a:p>
+          <a:p>
+            <a:r>
+              <a:rPr lang="de-DE" dirty="0" err="1"/>
+              <a:t>Postgres</a:t>
+            </a:r>
+            <a:r>
+              <a:rPr lang="de-DE" dirty="0"/>
+              <a:t>: </a:t>
+            </a:r>
+            <a:r>
+              <a:rPr lang="de-DE" dirty="0">
+                <a:hlinkClick r:id="rId4"/>
+              </a:rPr>
+              <a:t>https://www.postgresql.org/</a:t>
+            </a:r>
+            <a:endParaRPr lang="de-DE" dirty="0"/>
+          </a:p>
+          <a:p>
+            <a:r>
+              <a:rPr lang="de-DE" dirty="0" err="1"/>
+              <a:t>Grafana</a:t>
+            </a:r>
+            <a:r>
+              <a:rPr lang="de-DE" dirty="0"/>
+              <a:t>: </a:t>
+            </a:r>
+            <a:r>
+              <a:rPr lang="de-DE" dirty="0">
+                <a:sym typeface="Wingdings" pitchFamily="2" charset="2"/>
+                <a:hlinkClick r:id="rId5"/>
+              </a:rPr>
+              <a:t>https://grafana.com/docs/grafana/latest/administration/provisioning/</a:t>
+            </a:r>
+            <a:endParaRPr lang="de-DE" dirty="0">
+              <a:sym typeface="Wingdings" pitchFamily="2" charset="2"/>
+            </a:endParaRPr>
+          </a:p>
+          <a:p>
+            <a:r>
+              <a:rPr lang="de-DE" dirty="0" err="1"/>
+              <a:t>Kubernetes</a:t>
+            </a:r>
+            <a:r>
+              <a:rPr lang="de-DE" dirty="0"/>
+              <a:t>: </a:t>
+            </a:r>
+            <a:r>
+              <a:rPr lang="de-DE" dirty="0">
+                <a:hlinkClick r:id="rId6"/>
+              </a:rPr>
+              <a:t>https://kubernetes.io/docs/home/</a:t>
+            </a:r>
+            <a:endParaRPr lang="de-DE" dirty="0"/>
+          </a:p>
+          <a:p>
+            <a:endParaRPr lang="de-DE" dirty="0"/>
+          </a:p>
+          <a:p>
+            <a:r>
+              <a:rPr lang="de-DE" b="1" dirty="0"/>
+              <a:t>Feedback , Anregungen, Themenvorschläge</a:t>
+            </a:r>
+          </a:p>
+          <a:p>
+            <a:r>
+              <a:rPr lang="de-DE" dirty="0">
+                <a:hlinkClick r:id="rId7"/>
+              </a:rPr>
+              <a:t>florian.boldt@deepshore.de</a:t>
+            </a:r>
+            <a:endParaRPr lang="de-DE" dirty="0"/>
+          </a:p>
+          <a:p>
+            <a:r>
+              <a:rPr lang="de-DE" dirty="0">
+                <a:hlinkClick r:id="rId8"/>
+              </a:rPr>
+              <a:t>malte.groth@deepshore.de</a:t>
+            </a:r>
+            <a:endParaRPr lang="de-DE" dirty="0"/>
+          </a:p>
+          <a:p>
+            <a:r>
+              <a:rPr lang="de-DE" dirty="0">
+                <a:hlinkClick r:id="rId9"/>
+              </a:rPr>
+              <a:t>frederic.born@deepshore.de</a:t>
+            </a:r>
+            <a:endParaRPr lang="de-DE" dirty="0"/>
+          </a:p>
+          <a:p>
+            <a:endParaRPr lang="de-DE" dirty="0"/>
+          </a:p>
+          <a:p>
+            <a:endParaRPr lang="de-DE" dirty="0"/>
+          </a:p>
+          <a:p>
+            <a:endParaRPr lang="de-DE" dirty="0"/>
+          </a:p>
+        </p:txBody>
+      </p:sp>
+    </p:spTree>
+    <p:extLst>
+      <p:ext uri="{BB962C8B-B14F-4D97-AF65-F5344CB8AC3E}">
+        <p14:creationId xmlns:p14="http://schemas.microsoft.com/office/powerpoint/2010/main" val="1579135088"/>
       </p:ext>
     </p:extLst>
   </p:cSld>
@@ -4542,7 +9568,7 @@
           <a:p>
             <a:r>
               <a:rPr lang="de-DE" dirty="0"/>
-              <a:t>Fallbeispiel</a:t>
+              <a:t>Beispiele aus der Praxis</a:t>
             </a:r>
           </a:p>
           <a:p>
@@ -4550,12 +9576,8 @@
           </a:p>
           <a:p>
             <a:r>
-              <a:rPr lang="de-DE" dirty="0" err="1"/>
-              <a:t>Kubernetes</a:t>
-            </a:r>
-            <a:r>
               <a:rPr lang="de-DE" dirty="0"/>
-              <a:t>-Ressourcen</a:t>
+              <a:t>Ressourcen erzeugen</a:t>
             </a:r>
           </a:p>
           <a:p>
@@ -4582,7 +9604,7 @@
 </p:sld>
 </file>
 
-<file path=ppt/slides/slide3.xml><?xml version="1.0" encoding="utf-8"?>
+<file path=ppt/slides/slide20.xml><?xml version="1.0" encoding="utf-8"?>
 <p:sld xmlns:a="http://schemas.openxmlformats.org/drawingml/2006/main" xmlns:r="http://schemas.openxmlformats.org/officeDocument/2006/relationships" xmlns:p="http://schemas.openxmlformats.org/presentationml/2006/main">
   <p:cSld>
     <p:spTree>
@@ -4621,10 +9643,9 @@
           <a:lstStyle/>
           <a:p>
             <a:r>
-              <a:rPr lang="de-DE" dirty="0" err="1"/>
-              <a:t>ConfigMaps</a:t>
-            </a:r>
-            <a:endParaRPr lang="de-DE" dirty="0"/>
+              <a:rPr lang="de-DE" dirty="0"/>
+              <a:t>Ausblick</a:t>
+            </a:r>
           </a:p>
         </p:txBody>
       </p:sp>
@@ -4649,64 +9670,41 @@
           <a:bodyPr/>
           <a:lstStyle/>
           <a:p>
-            <a:pPr marL="285840" indent="-283680">
+            <a:pPr marL="360">
               <a:spcBef>
                 <a:spcPts val="799"/>
               </a:spcBef>
-              <a:buFont typeface="Arial"/>
-              <a:buChar char="•"/>
             </a:pPr>
             <a:r>
-              <a:rPr lang="de-DE" sz="1800" dirty="0"/>
-              <a:t>Speichern von nicht vertraulichen Konfigurationsdaten</a:t>
-            </a:r>
-          </a:p>
-          <a:p>
-            <a:pPr marL="285840" indent="-283680">
+              <a:rPr lang="de-DE" spc="-1" dirty="0">
+                <a:solidFill>
+                  <a:srgbClr val="000000"/>
+                </a:solidFill>
+                <a:latin typeface="Verdana"/>
+              </a:rPr>
+              <a:t>Nächster Talk: Persistenz in </a:t>
+            </a:r>
+            <a:r>
+              <a:rPr lang="de-DE" spc="-1" dirty="0" err="1">
+                <a:solidFill>
+                  <a:srgbClr val="000000"/>
+                </a:solidFill>
+                <a:latin typeface="Verdana"/>
+              </a:rPr>
+              <a:t>Kubernetes</a:t>
+            </a:r>
+            <a:endParaRPr lang="de-DE" spc="-1" dirty="0">
+              <a:solidFill>
+                <a:srgbClr val="000000"/>
+              </a:solidFill>
+              <a:latin typeface="Verdana"/>
+            </a:endParaRPr>
+          </a:p>
+          <a:p>
+            <a:pPr marL="360">
               <a:spcBef>
                 <a:spcPts val="799"/>
               </a:spcBef>
-              <a:buFont typeface="Arial"/>
-              <a:buChar char="•"/>
-            </a:pPr>
-            <a:r>
-              <a:rPr lang="de-DE" sz="1800" dirty="0"/>
-              <a:t>Key-Value-Paare</a:t>
-            </a:r>
-          </a:p>
-          <a:p>
-            <a:pPr marL="285840" indent="-283680">
-              <a:spcBef>
-                <a:spcPts val="799"/>
-              </a:spcBef>
-              <a:buFont typeface="Arial"/>
-              <a:buChar char="•"/>
-            </a:pPr>
-            <a:r>
-              <a:rPr lang="de-DE" sz="1800" dirty="0"/>
-              <a:t>Trennung von Konfiguration und Anwendungscode</a:t>
-            </a:r>
-          </a:p>
-          <a:p>
-            <a:pPr marL="285840" indent="-283680">
-              <a:spcBef>
-                <a:spcPts val="799"/>
-              </a:spcBef>
-              <a:buFont typeface="Arial"/>
-              <a:buChar char="•"/>
-            </a:pPr>
-            <a:r>
-              <a:rPr lang="de-DE" sz="1800" dirty="0"/>
-              <a:t>Umgebungsvariablen, CLI-Argumente, Konfigurationsdateien</a:t>
-            </a:r>
-          </a:p>
-          <a:p>
-            <a:pPr marL="285840" indent="-283680">
-              <a:spcBef>
-                <a:spcPts val="799"/>
-              </a:spcBef>
-              <a:buFont typeface="Arial"/>
-              <a:buChar char="•"/>
             </a:pPr>
             <a:endParaRPr lang="de-DE" spc="-1" dirty="0">
               <a:solidFill>
@@ -4715,12 +9713,105 @@
               <a:latin typeface="Verdana"/>
             </a:endParaRPr>
           </a:p>
+          <a:p>
+            <a:pPr marL="360">
+              <a:spcBef>
+                <a:spcPts val="799"/>
+              </a:spcBef>
+            </a:pPr>
+            <a:r>
+              <a:rPr lang="de-DE" spc="-1" dirty="0">
+                <a:solidFill>
+                  <a:srgbClr val="000000"/>
+                </a:solidFill>
+                <a:latin typeface="Verdana"/>
+              </a:rPr>
+              <a:t>Anknüpfungspunkte:</a:t>
+            </a:r>
+          </a:p>
+          <a:p>
+            <a:pPr marL="360">
+              <a:spcBef>
+                <a:spcPts val="799"/>
+              </a:spcBef>
+            </a:pPr>
+            <a:r>
+              <a:rPr lang="de-DE" spc="-1" dirty="0" err="1">
+                <a:solidFill>
+                  <a:srgbClr val="000000"/>
+                </a:solidFill>
+                <a:latin typeface="Verdana"/>
+              </a:rPr>
+              <a:t>Volumes</a:t>
+            </a:r>
+            <a:endParaRPr lang="de-DE" spc="-1" dirty="0">
+              <a:solidFill>
+                <a:srgbClr val="000000"/>
+              </a:solidFill>
+              <a:latin typeface="Verdana"/>
+            </a:endParaRPr>
+          </a:p>
+          <a:p>
+            <a:pPr marL="360">
+              <a:spcBef>
+                <a:spcPts val="799"/>
+              </a:spcBef>
+            </a:pPr>
+            <a:r>
+              <a:rPr lang="de-DE" spc="-1" dirty="0">
+                <a:solidFill>
+                  <a:srgbClr val="000000"/>
+                </a:solidFill>
+                <a:latin typeface="Verdana"/>
+              </a:rPr>
+              <a:t>Datenbanken</a:t>
+            </a:r>
+          </a:p>
+          <a:p>
+            <a:pPr marL="360">
+              <a:spcBef>
+                <a:spcPts val="799"/>
+              </a:spcBef>
+            </a:pPr>
+            <a:endParaRPr lang="de-DE" spc="-1" dirty="0">
+              <a:solidFill>
+                <a:srgbClr val="000000"/>
+              </a:solidFill>
+              <a:latin typeface="Verdana"/>
+            </a:endParaRPr>
+          </a:p>
+          <a:p>
+            <a:pPr marL="360">
+              <a:spcBef>
+                <a:spcPts val="799"/>
+              </a:spcBef>
+            </a:pPr>
+            <a:endParaRPr lang="de-DE" spc="-1" dirty="0">
+              <a:solidFill>
+                <a:srgbClr val="000000"/>
+              </a:solidFill>
+              <a:latin typeface="Verdana"/>
+            </a:endParaRPr>
+          </a:p>
+          <a:p>
+            <a:pPr marL="360">
+              <a:spcBef>
+                <a:spcPts val="799"/>
+              </a:spcBef>
+            </a:pPr>
+            <a:endParaRPr lang="de-DE" spc="-1" dirty="0">
+              <a:solidFill>
+                <a:srgbClr val="000000"/>
+              </a:solidFill>
+              <a:latin typeface="Verdana"/>
+            </a:endParaRPr>
+          </a:p>
         </p:txBody>
       </p:sp>
     </p:spTree>
     <p:extLst>
       <p:ext uri="{BB962C8B-B14F-4D97-AF65-F5344CB8AC3E}">
-        <p14:creationId xmlns:p14="http://schemas.microsoft.com/office/powerpoint/2010/main" val="4099318039"/>
+        <p14:creationId xmlns:p14="http://schemas.microsoft.com/office/powerpoint/2010/main" val="1036390888"/>
       </p:ext>
     </p:extLst>
   </p:cSld>
@@ -4730,7 +9821,7 @@
 </p:sld>
 </file>
 
-<file path=ppt/slides/slide4.xml><?xml version="1.0" encoding="utf-8"?>
+<file path=ppt/slides/slide21.xml><?xml version="1.0" encoding="utf-8"?>
 <p:sld xmlns:a="http://schemas.openxmlformats.org/drawingml/2006/main" xmlns:r="http://schemas.openxmlformats.org/officeDocument/2006/relationships" xmlns:p="http://schemas.openxmlformats.org/presentationml/2006/main">
   <p:cSld>
     <p:spTree>
@@ -4752,7 +9843,95 @@
           <p:cNvPr id="2" name="Titel 1">
             <a:extLst>
               <a:ext uri="{FF2B5EF4-FFF2-40B4-BE49-F238E27FC236}">
-                <a16:creationId xmlns:a16="http://schemas.microsoft.com/office/drawing/2014/main" id="{693F10F7-6A72-7443-9D29-766F88D4FE7E}"/>
+                <a16:creationId xmlns:a16="http://schemas.microsoft.com/office/drawing/2014/main" id="{AB86CD89-439C-2346-8F13-A8BE9C864884}"/>
+              </a:ext>
+            </a:extLst>
+          </p:cNvPr>
+          <p:cNvSpPr>
+            <a:spLocks noGrp="1"/>
+          </p:cNvSpPr>
+          <p:nvPr>
+            <p:ph type="title"/>
+          </p:nvPr>
+        </p:nvSpPr>
+        <p:spPr/>
+        <p:txBody>
+          <a:bodyPr>
+            <a:normAutofit/>
+          </a:bodyPr>
+          <a:lstStyle/>
+          <a:p>
+            <a:r>
+              <a:rPr lang="de-DE" dirty="0"/>
+              <a:t>Vielen Dank.</a:t>
+            </a:r>
+          </a:p>
+        </p:txBody>
+      </p:sp>
+      <p:sp>
+        <p:nvSpPr>
+          <p:cNvPr id="3" name="Textfeld 2"/>
+          <p:cNvSpPr txBox="1"/>
+          <p:nvPr/>
+        </p:nvSpPr>
+        <p:spPr>
+          <a:xfrm>
+            <a:off x="3275820" y="2416158"/>
+            <a:ext cx="2592360" cy="369332"/>
+          </a:xfrm>
+          <a:prstGeom prst="rect">
+            <a:avLst/>
+          </a:prstGeom>
+          <a:solidFill>
+            <a:schemeClr val="bg1"/>
+          </a:solidFill>
+        </p:spPr>
+        <p:txBody>
+          <a:bodyPr wrap="square" rtlCol="0">
+            <a:spAutoFit/>
+          </a:bodyPr>
+          <a:lstStyle/>
+          <a:p>
+            <a:endParaRPr lang="de-DE" dirty="0"/>
+          </a:p>
+        </p:txBody>
+      </p:sp>
+    </p:spTree>
+    <p:extLst>
+      <p:ext uri="{BB962C8B-B14F-4D97-AF65-F5344CB8AC3E}">
+        <p14:creationId xmlns:p14="http://schemas.microsoft.com/office/powerpoint/2010/main" val="2233056123"/>
+      </p:ext>
+    </p:extLst>
+  </p:cSld>
+  <p:clrMapOvr>
+    <a:masterClrMapping/>
+  </p:clrMapOvr>
+</p:sld>
+</file>
+
+<file path=ppt/slides/slide3.xml><?xml version="1.0" encoding="utf-8"?>
+<p:sld xmlns:a="http://schemas.openxmlformats.org/drawingml/2006/main" xmlns:r="http://schemas.openxmlformats.org/officeDocument/2006/relationships" xmlns:p="http://schemas.openxmlformats.org/presentationml/2006/main">
+  <p:cSld>
+    <p:spTree>
+      <p:nvGrpSpPr>
+        <p:cNvPr id="1" name=""/>
+        <p:cNvGrpSpPr/>
+        <p:nvPr/>
+      </p:nvGrpSpPr>
+      <p:grpSpPr>
+        <a:xfrm>
+          <a:off x="0" y="0"/>
+          <a:ext cx="0" cy="0"/>
+          <a:chOff x="0" y="0"/>
+          <a:chExt cx="0" cy="0"/>
+        </a:xfrm>
+      </p:grpSpPr>
+      <p:sp>
+        <p:nvSpPr>
+          <p:cNvPr id="2" name="Titel 1">
+            <a:extLst>
+              <a:ext uri="{FF2B5EF4-FFF2-40B4-BE49-F238E27FC236}">
+                <a16:creationId xmlns:a16="http://schemas.microsoft.com/office/drawing/2014/main" id="{63E74088-BB91-574B-9695-A0121785026E}"/>
               </a:ext>
             </a:extLst>
           </p:cNvPr>
@@ -4769,9 +9948,10 @@
           <a:lstStyle/>
           <a:p>
             <a:r>
-              <a:rPr lang="de-DE" dirty="0"/>
-              <a:t>Secrets</a:t>
-            </a:r>
+              <a:rPr lang="de-DE" dirty="0" err="1"/>
+              <a:t>Recap</a:t>
+            </a:r>
+            <a:endParaRPr lang="de-DE" dirty="0"/>
           </a:p>
         </p:txBody>
       </p:sp>
@@ -4780,7 +9960,7 @@
           <p:cNvPr id="3" name="Inhaltsplatzhalter 2">
             <a:extLst>
               <a:ext uri="{FF2B5EF4-FFF2-40B4-BE49-F238E27FC236}">
-                <a16:creationId xmlns:a16="http://schemas.microsoft.com/office/drawing/2014/main" id="{86FD58D8-14F3-0B49-A927-BE31094219CF}"/>
+                <a16:creationId xmlns:a16="http://schemas.microsoft.com/office/drawing/2014/main" id="{0EEB0F87-B7B4-B946-A3AA-B4CFBE864340}"/>
               </a:ext>
             </a:extLst>
           </p:cNvPr>
@@ -4793,118 +9973,94 @@
         </p:nvSpPr>
         <p:spPr/>
         <p:txBody>
-          <a:bodyPr/>
+          <a:bodyPr>
+            <a:normAutofit/>
+          </a:bodyPr>
           <a:lstStyle/>
           <a:p>
-            <a:pPr marL="285840" indent="-283680">
-              <a:spcBef>
-                <a:spcPts val="799"/>
-              </a:spcBef>
-              <a:buFont typeface="Arial"/>
+            <a:pPr marL="285750" indent="-285750">
+              <a:buFont typeface="Arial" panose="020B0604020202020204" pitchFamily="34" charset="0"/>
               <a:buChar char="•"/>
             </a:pPr>
             <a:r>
-              <a:rPr lang="de-DE" sz="1800" spc="-1" dirty="0">
-                <a:solidFill>
-                  <a:srgbClr val="000000"/>
-                </a:solidFill>
-                <a:latin typeface="Verdana"/>
-              </a:rPr>
-              <a:t>Speichern von vertrauenswürdigen Daten</a:t>
-            </a:r>
-          </a:p>
-          <a:p>
-            <a:pPr marL="552540" lvl="1" indent="-283680">
-              <a:spcBef>
-                <a:spcPts val="799"/>
-              </a:spcBef>
-              <a:buSzPct val="120000"/>
-              <a:buFont typeface="Arial"/>
+              <a:rPr lang="de-DE" dirty="0" err="1"/>
+              <a:t>Containerisierung</a:t>
+            </a:r>
+            <a:endParaRPr lang="de-DE" dirty="0"/>
+          </a:p>
+          <a:p>
+            <a:pPr marL="285750" indent="-285750">
+              <a:buFont typeface="Arial" panose="020B0604020202020204" pitchFamily="34" charset="0"/>
               <a:buChar char="•"/>
             </a:pPr>
             <a:r>
-              <a:rPr lang="de-DE" sz="1800" dirty="0"/>
-              <a:t>Passwörter, </a:t>
-            </a:r>
-            <a:r>
-              <a:rPr lang="de-DE" sz="1800" dirty="0" err="1"/>
-              <a:t>Oauth</a:t>
-            </a:r>
-            <a:r>
-              <a:rPr lang="de-DE" sz="1800" dirty="0"/>
-              <a:t>-Tokens, SSH-Keys</a:t>
-            </a:r>
-          </a:p>
-          <a:p>
-            <a:pPr marL="285840" indent="-283680">
-              <a:spcBef>
-                <a:spcPts val="799"/>
-              </a:spcBef>
-              <a:buFont typeface="Arial"/>
+              <a:rPr lang="de-DE" dirty="0"/>
+              <a:t>Containerbereitstellung</a:t>
+            </a:r>
+          </a:p>
+          <a:p>
+            <a:pPr marL="285750" indent="-285750">
+              <a:buFont typeface="Arial" panose="020B0604020202020204" pitchFamily="34" charset="0"/>
               <a:buChar char="•"/>
             </a:pPr>
             <a:r>
-              <a:rPr lang="de-DE" sz="1800" dirty="0"/>
-              <a:t>Key-Value-Paare (Value: base64-encoded)</a:t>
-            </a:r>
-          </a:p>
-          <a:p>
-            <a:pPr marL="285840" indent="-283680">
-              <a:spcBef>
-                <a:spcPts val="799"/>
-              </a:spcBef>
-              <a:buFont typeface="Arial"/>
+              <a:rPr lang="de-DE" dirty="0"/>
+              <a:t>k8s-Ressourcen einer App</a:t>
+            </a:r>
+          </a:p>
+          <a:p>
+            <a:pPr marL="285750" indent="-285750">
+              <a:buFont typeface="Arial" panose="020B0604020202020204" pitchFamily="34" charset="0"/>
               <a:buChar char="•"/>
             </a:pPr>
             <a:r>
-              <a:rPr lang="de-DE" sz="1800" dirty="0"/>
-              <a:t>Einbindung wie </a:t>
-            </a:r>
-            <a:r>
-              <a:rPr lang="de-DE" sz="1800" dirty="0" err="1"/>
+              <a:rPr lang="de-DE" dirty="0"/>
+              <a:t>peripher behandelt: </a:t>
+            </a:r>
+            <a:r>
+              <a:rPr lang="de-DE" dirty="0" err="1"/>
               <a:t>ConfigMaps</a:t>
             </a:r>
-            <a:endParaRPr lang="de-DE" sz="1800" dirty="0"/>
-          </a:p>
-          <a:p>
-            <a:pPr marL="285840" indent="-283680">
-              <a:spcBef>
-                <a:spcPts val="799"/>
-              </a:spcBef>
-              <a:buFont typeface="Arial"/>
-              <a:buChar char="•"/>
-            </a:pPr>
-            <a:endParaRPr lang="de-DE" sz="1800" dirty="0"/>
-          </a:p>
-          <a:p>
-            <a:pPr marL="2160">
-              <a:spcBef>
-                <a:spcPts val="799"/>
-              </a:spcBef>
-            </a:pPr>
+            <a:r>
+              <a:rPr lang="de-DE" dirty="0"/>
+              <a:t> und </a:t>
+            </a:r>
+            <a:r>
+              <a:rPr lang="de-DE" dirty="0" err="1"/>
+              <a:t>Secrets</a:t>
+            </a:r>
             <a:endParaRPr lang="de-DE" dirty="0"/>
           </a:p>
           <a:p>
-            <a:pPr marL="285840" indent="-283680">
-              <a:spcBef>
-                <a:spcPts val="799"/>
-              </a:spcBef>
-              <a:buFont typeface="Arial"/>
-              <a:buChar char="•"/>
-            </a:pPr>
-            <a:endParaRPr lang="de-DE" spc="-1" dirty="0">
-              <a:solidFill>
-                <a:srgbClr val="000000"/>
-              </a:solidFill>
-              <a:latin typeface="Verdana"/>
+            <a:endParaRPr lang="de-DE" dirty="0"/>
+          </a:p>
+          <a:p>
+            <a:r>
+              <a:rPr lang="de-DE" dirty="0">
+                <a:sym typeface="Wingdings" pitchFamily="2" charset="2"/>
+              </a:rPr>
+              <a:t>Folge 3: </a:t>
+            </a:r>
+            <a:r>
+              <a:rPr lang="de-DE" dirty="0">
+                <a:sym typeface="Wingdings" pitchFamily="2" charset="2"/>
+                <a:hlinkClick r:id="rId3"/>
+              </a:rPr>
+              <a:t>https://deepshore.de/knowledge/_videos/deeptalk-3</a:t>
+            </a:r>
+            <a:endParaRPr lang="de-DE" dirty="0">
+              <a:sym typeface="Wingdings" pitchFamily="2" charset="2"/>
             </a:endParaRPr>
+          </a:p>
+          <a:p>
+            <a:endParaRPr lang="de-DE" dirty="0"/>
           </a:p>
         </p:txBody>
       </p:sp>
     </p:spTree>
     <p:extLst>
       <p:ext uri="{BB962C8B-B14F-4D97-AF65-F5344CB8AC3E}">
-        <p14:creationId xmlns:p14="http://schemas.microsoft.com/office/powerpoint/2010/main" val="1221774925"/>
+        <p14:creationId xmlns:p14="http://schemas.microsoft.com/office/powerpoint/2010/main" val="328737949"/>
       </p:ext>
     </p:extLst>
   </p:cSld>
@@ -4914,7 +10070,7 @@
 </p:sld>
 </file>
 
-<file path=ppt/slides/slide5.xml><?xml version="1.0" encoding="utf-8"?>
+<file path=ppt/slides/slide4.xml><?xml version="1.0" encoding="utf-8"?>
 <p:sld xmlns:a="http://schemas.openxmlformats.org/drawingml/2006/main" xmlns:r="http://schemas.openxmlformats.org/officeDocument/2006/relationships" xmlns:p="http://schemas.openxmlformats.org/presentationml/2006/main">
   <p:cSld>
     <p:spTree>
@@ -4954,7 +10110,7 @@
           <a:p>
             <a:r>
               <a:rPr lang="de-DE" dirty="0"/>
-              <a:t>Grundlagen: Fallbeispiel</a:t>
+              <a:t>Grundlagen</a:t>
             </a:r>
           </a:p>
         </p:txBody>
@@ -4987,11 +10143,11 @@
               <a:buChar char="•"/>
             </a:pPr>
             <a:r>
-              <a:rPr lang="de-DE" sz="1600" b="1" dirty="0"/>
+              <a:rPr lang="de-DE" b="1" dirty="0"/>
               <a:t>Ziel</a:t>
             </a:r>
             <a:r>
-              <a:rPr lang="de-DE" sz="1600" dirty="0"/>
+              <a:rPr lang="de-DE" dirty="0"/>
               <a:t>: Aufsetzen und Konfigurieren einer Datenbank-Infrastruktur</a:t>
             </a:r>
           </a:p>
@@ -5001,15 +10157,15 @@
               <a:buChar char="•"/>
             </a:pPr>
             <a:r>
-              <a:rPr lang="de-DE" sz="1600" dirty="0"/>
+              <a:rPr lang="de-DE" dirty="0"/>
               <a:t>PostgreSQL / </a:t>
             </a:r>
             <a:r>
-              <a:rPr lang="de-DE" sz="1600" dirty="0" err="1"/>
+              <a:rPr lang="de-DE" dirty="0" err="1"/>
               <a:t>Postgres</a:t>
             </a:r>
             <a:r>
-              <a:rPr lang="de-DE" sz="1600" dirty="0"/>
+              <a:rPr lang="de-DE" dirty="0"/>
               <a:t> als objektrelationales Datenbankmanagementsystem</a:t>
             </a:r>
           </a:p>
@@ -5019,11 +10175,11 @@
               <a:buChar char="•"/>
             </a:pPr>
             <a:r>
-              <a:rPr lang="de-DE" sz="1600" b="1" dirty="0"/>
+              <a:rPr lang="de-DE" b="1" dirty="0"/>
               <a:t>Vorgehen</a:t>
             </a:r>
             <a:r>
-              <a:rPr lang="de-DE" sz="1600" dirty="0"/>
+              <a:rPr lang="de-DE" dirty="0"/>
               <a:t>: Schrittweises Einbinden von Konfigurationsparametern durch:</a:t>
             </a:r>
           </a:p>
@@ -5033,7 +10189,7 @@
               <a:buChar char="•"/>
             </a:pPr>
             <a:r>
-              <a:rPr lang="de-DE" sz="1600" dirty="0"/>
+              <a:rPr lang="de-DE" dirty="0"/>
               <a:t>1. Umgebungsvariablen</a:t>
             </a:r>
           </a:p>
@@ -5043,14 +10199,14 @@
               <a:buChar char="•"/>
             </a:pPr>
             <a:r>
-              <a:rPr lang="de-DE" sz="1600" dirty="0"/>
+              <a:rPr lang="de-DE" dirty="0"/>
               <a:t>2. </a:t>
             </a:r>
             <a:r>
-              <a:rPr lang="de-DE" sz="1600" dirty="0" err="1"/>
+              <a:rPr lang="de-DE" dirty="0" err="1"/>
               <a:t>ConfigMaps</a:t>
             </a:r>
-            <a:endParaRPr lang="de-DE" sz="1600" dirty="0"/>
+            <a:endParaRPr lang="de-DE" dirty="0"/>
           </a:p>
           <a:p>
             <a:pPr marL="552450" lvl="1" indent="-285750">
@@ -5058,15 +10214,15 @@
               <a:buChar char="•"/>
             </a:pPr>
             <a:r>
-              <a:rPr lang="de-DE" sz="1600" dirty="0"/>
+              <a:rPr lang="de-DE" dirty="0"/>
               <a:t>3. </a:t>
             </a:r>
             <a:r>
-              <a:rPr lang="de-DE" sz="1600" dirty="0" err="1"/>
+              <a:rPr lang="de-DE" dirty="0" err="1"/>
               <a:t>ConfigMaps</a:t>
             </a:r>
             <a:r>
-              <a:rPr lang="de-DE" sz="1600" dirty="0"/>
+              <a:rPr lang="de-DE" dirty="0"/>
               <a:t> + Secrets</a:t>
             </a:r>
           </a:p>
@@ -5120,6 +10276,154 @@
 </p:sld>
 </file>
 
+<file path=ppt/slides/slide5.xml><?xml version="1.0" encoding="utf-8"?>
+<p:sld xmlns:a="http://schemas.openxmlformats.org/drawingml/2006/main" xmlns:r="http://schemas.openxmlformats.org/officeDocument/2006/relationships" xmlns:p="http://schemas.openxmlformats.org/presentationml/2006/main">
+  <p:cSld>
+    <p:spTree>
+      <p:nvGrpSpPr>
+        <p:cNvPr id="1" name=""/>
+        <p:cNvGrpSpPr/>
+        <p:nvPr/>
+      </p:nvGrpSpPr>
+      <p:grpSpPr>
+        <a:xfrm>
+          <a:off x="0" y="0"/>
+          <a:ext cx="0" cy="0"/>
+          <a:chOff x="0" y="0"/>
+          <a:chExt cx="0" cy="0"/>
+        </a:xfrm>
+      </p:grpSpPr>
+      <p:sp>
+        <p:nvSpPr>
+          <p:cNvPr id="2" name="Titel 1">
+            <a:extLst>
+              <a:ext uri="{FF2B5EF4-FFF2-40B4-BE49-F238E27FC236}">
+                <a16:creationId xmlns:a16="http://schemas.microsoft.com/office/drawing/2014/main" id="{693F10F7-6A72-7443-9D29-766F88D4FE7E}"/>
+              </a:ext>
+            </a:extLst>
+          </p:cNvPr>
+          <p:cNvSpPr>
+            <a:spLocks noGrp="1"/>
+          </p:cNvSpPr>
+          <p:nvPr>
+            <p:ph type="title"/>
+          </p:nvPr>
+        </p:nvSpPr>
+        <p:spPr/>
+        <p:txBody>
+          <a:bodyPr/>
+          <a:lstStyle/>
+          <a:p>
+            <a:r>
+              <a:rPr lang="de-DE" dirty="0" err="1"/>
+              <a:t>ConfigMaps</a:t>
+            </a:r>
+            <a:endParaRPr lang="de-DE" dirty="0"/>
+          </a:p>
+        </p:txBody>
+      </p:sp>
+      <p:sp>
+        <p:nvSpPr>
+          <p:cNvPr id="3" name="Inhaltsplatzhalter 2">
+            <a:extLst>
+              <a:ext uri="{FF2B5EF4-FFF2-40B4-BE49-F238E27FC236}">
+                <a16:creationId xmlns:a16="http://schemas.microsoft.com/office/drawing/2014/main" id="{86FD58D8-14F3-0B49-A927-BE31094219CF}"/>
+              </a:ext>
+            </a:extLst>
+          </p:cNvPr>
+          <p:cNvSpPr>
+            <a:spLocks noGrp="1"/>
+          </p:cNvSpPr>
+          <p:nvPr>
+            <p:ph idx="1"/>
+          </p:nvPr>
+        </p:nvSpPr>
+        <p:spPr/>
+        <p:txBody>
+          <a:bodyPr/>
+          <a:lstStyle/>
+          <a:p>
+            <a:pPr marL="285840" indent="-283680">
+              <a:spcBef>
+                <a:spcPts val="799"/>
+              </a:spcBef>
+              <a:buFont typeface="Arial"/>
+              <a:buChar char="•"/>
+            </a:pPr>
+            <a:r>
+              <a:rPr lang="de-DE" dirty="0"/>
+              <a:t>Speichern von nicht vertraulichen Konfigurationsdaten</a:t>
+            </a:r>
+          </a:p>
+          <a:p>
+            <a:pPr marL="285840" indent="-283680">
+              <a:spcBef>
+                <a:spcPts val="799"/>
+              </a:spcBef>
+              <a:buFont typeface="Arial"/>
+              <a:buChar char="•"/>
+            </a:pPr>
+            <a:r>
+              <a:rPr lang="de-DE" dirty="0"/>
+              <a:t>Key-Value-Paare</a:t>
+            </a:r>
+          </a:p>
+          <a:p>
+            <a:pPr marL="285840" indent="-283680">
+              <a:spcBef>
+                <a:spcPts val="799"/>
+              </a:spcBef>
+              <a:buFont typeface="Arial"/>
+              <a:buChar char="•"/>
+            </a:pPr>
+            <a:r>
+              <a:rPr lang="de-DE" dirty="0"/>
+              <a:t>Trennung von Konfiguration und Anwendungscode</a:t>
+            </a:r>
+          </a:p>
+          <a:p>
+            <a:pPr marL="285840" indent="-283680">
+              <a:spcBef>
+                <a:spcPts val="799"/>
+              </a:spcBef>
+              <a:buFont typeface="Arial"/>
+              <a:buChar char="•"/>
+            </a:pPr>
+            <a:r>
+              <a:rPr lang="de-DE" dirty="0"/>
+              <a:t>Umgebungsvariablen, CLI-Argumente, Konfigurationsdateien</a:t>
+            </a:r>
+          </a:p>
+          <a:p>
+            <a:pPr marL="285840" indent="-283680">
+              <a:spcBef>
+                <a:spcPts val="799"/>
+              </a:spcBef>
+              <a:buFont typeface="Arial"/>
+              <a:buChar char="•"/>
+            </a:pPr>
+            <a:endParaRPr lang="de-DE" spc="-1" dirty="0">
+              <a:solidFill>
+                <a:srgbClr val="000000"/>
+              </a:solidFill>
+              <a:latin typeface="Verdana"/>
+            </a:endParaRPr>
+          </a:p>
+        </p:txBody>
+      </p:sp>
+    </p:spTree>
+    <p:extLst>
+      <p:ext uri="{BB962C8B-B14F-4D97-AF65-F5344CB8AC3E}">
+        <p14:creationId xmlns:p14="http://schemas.microsoft.com/office/powerpoint/2010/main" val="4099318039"/>
+      </p:ext>
+    </p:extLst>
+  </p:cSld>
+  <p:clrMapOvr>
+    <a:masterClrMapping/>
+  </p:clrMapOvr>
+</p:sld>
+</file>
+
 <file path=ppt/slides/slide6.xml><?xml version="1.0" encoding="utf-8"?>
 <p:sld xmlns:a="http://schemas.openxmlformats.org/drawingml/2006/main" xmlns:r="http://schemas.openxmlformats.org/officeDocument/2006/relationships" xmlns:p="http://schemas.openxmlformats.org/presentationml/2006/main">
   <p:cSld>
@@ -5160,19 +10464,205 @@
           <a:p>
             <a:r>
               <a:rPr lang="de-DE" dirty="0"/>
-              <a:t>Setup 1: </a:t>
-            </a:r>
-            <a:r>
-              <a:rPr lang="de-DE" dirty="0" err="1"/>
-              <a:t>env</a:t>
-            </a:r>
-            <a:endParaRPr lang="de-DE" dirty="0"/>
+              <a:t>Secrets</a:t>
+            </a:r>
           </a:p>
         </p:txBody>
       </p:sp>
       <p:sp>
         <p:nvSpPr>
-          <p:cNvPr id="27" name="Rechteck: abgerundete Ecken 26">
+          <p:cNvPr id="3" name="Inhaltsplatzhalter 2">
+            <a:extLst>
+              <a:ext uri="{FF2B5EF4-FFF2-40B4-BE49-F238E27FC236}">
+                <a16:creationId xmlns:a16="http://schemas.microsoft.com/office/drawing/2014/main" id="{86FD58D8-14F3-0B49-A927-BE31094219CF}"/>
+              </a:ext>
+            </a:extLst>
+          </p:cNvPr>
+          <p:cNvSpPr>
+            <a:spLocks noGrp="1"/>
+          </p:cNvSpPr>
+          <p:nvPr>
+            <p:ph idx="1"/>
+          </p:nvPr>
+        </p:nvSpPr>
+        <p:spPr/>
+        <p:txBody>
+          <a:bodyPr/>
+          <a:lstStyle/>
+          <a:p>
+            <a:pPr marL="285840" indent="-283680">
+              <a:spcBef>
+                <a:spcPts val="799"/>
+              </a:spcBef>
+              <a:buFont typeface="Arial"/>
+              <a:buChar char="•"/>
+            </a:pPr>
+            <a:r>
+              <a:rPr lang="de-DE" spc="-1" dirty="0">
+                <a:solidFill>
+                  <a:srgbClr val="000000"/>
+                </a:solidFill>
+                <a:latin typeface="Verdana"/>
+              </a:rPr>
+              <a:t>Speichern von vertrauenswürdigen Daten</a:t>
+            </a:r>
+          </a:p>
+          <a:p>
+            <a:pPr marL="552540" lvl="1" indent="-283680">
+              <a:spcBef>
+                <a:spcPts val="799"/>
+              </a:spcBef>
+              <a:buSzPct val="120000"/>
+              <a:buFont typeface="Arial"/>
+              <a:buChar char="•"/>
+            </a:pPr>
+            <a:r>
+              <a:rPr lang="de-DE" dirty="0"/>
+              <a:t>Passwörter, </a:t>
+            </a:r>
+            <a:r>
+              <a:rPr lang="de-DE" dirty="0" err="1"/>
+              <a:t>Oauth</a:t>
+            </a:r>
+            <a:r>
+              <a:rPr lang="de-DE" dirty="0"/>
+              <a:t>-Tokens, SSH-Keys</a:t>
+            </a:r>
+          </a:p>
+          <a:p>
+            <a:pPr marL="285840" indent="-283680">
+              <a:spcBef>
+                <a:spcPts val="799"/>
+              </a:spcBef>
+              <a:buFont typeface="Arial"/>
+              <a:buChar char="•"/>
+            </a:pPr>
+            <a:r>
+              <a:rPr lang="de-DE" dirty="0"/>
+              <a:t>Key-Value-Paare (Value: base64-encoded)</a:t>
+            </a:r>
+          </a:p>
+          <a:p>
+            <a:pPr marL="285840" indent="-283680">
+              <a:spcBef>
+                <a:spcPts val="799"/>
+              </a:spcBef>
+              <a:buFont typeface="Arial"/>
+              <a:buChar char="•"/>
+            </a:pPr>
+            <a:r>
+              <a:rPr lang="de-DE" dirty="0"/>
+              <a:t>Einbindung wie </a:t>
+            </a:r>
+            <a:r>
+              <a:rPr lang="de-DE" dirty="0" err="1"/>
+              <a:t>ConfigMaps</a:t>
+            </a:r>
+            <a:endParaRPr lang="de-DE" dirty="0"/>
+          </a:p>
+          <a:p>
+            <a:pPr marL="285840" indent="-283680">
+              <a:spcBef>
+                <a:spcPts val="799"/>
+              </a:spcBef>
+              <a:buFont typeface="Arial"/>
+              <a:buChar char="•"/>
+            </a:pPr>
+            <a:endParaRPr lang="de-DE" sz="1800" dirty="0"/>
+          </a:p>
+          <a:p>
+            <a:pPr marL="2160">
+              <a:spcBef>
+                <a:spcPts val="799"/>
+              </a:spcBef>
+            </a:pPr>
+            <a:endParaRPr lang="de-DE" dirty="0"/>
+          </a:p>
+          <a:p>
+            <a:pPr marL="285840" indent="-283680">
+              <a:spcBef>
+                <a:spcPts val="799"/>
+              </a:spcBef>
+              <a:buFont typeface="Arial"/>
+              <a:buChar char="•"/>
+            </a:pPr>
+            <a:endParaRPr lang="de-DE" spc="-1" dirty="0">
+              <a:solidFill>
+                <a:srgbClr val="000000"/>
+              </a:solidFill>
+              <a:latin typeface="Verdana"/>
+            </a:endParaRPr>
+          </a:p>
+        </p:txBody>
+      </p:sp>
+    </p:spTree>
+    <p:extLst>
+      <p:ext uri="{BB962C8B-B14F-4D97-AF65-F5344CB8AC3E}">
+        <p14:creationId xmlns:p14="http://schemas.microsoft.com/office/powerpoint/2010/main" val="1221774925"/>
+      </p:ext>
+    </p:extLst>
+  </p:cSld>
+  <p:clrMapOvr>
+    <a:masterClrMapping/>
+  </p:clrMapOvr>
+</p:sld>
+</file>
+
+<file path=ppt/slides/slide7.xml><?xml version="1.0" encoding="utf-8"?>
+<p:sld xmlns:a="http://schemas.openxmlformats.org/drawingml/2006/main" xmlns:r="http://schemas.openxmlformats.org/officeDocument/2006/relationships" xmlns:p="http://schemas.openxmlformats.org/presentationml/2006/main">
+  <p:cSld>
+    <p:spTree>
+      <p:nvGrpSpPr>
+        <p:cNvPr id="1" name=""/>
+        <p:cNvGrpSpPr/>
+        <p:nvPr/>
+      </p:nvGrpSpPr>
+      <p:grpSpPr>
+        <a:xfrm>
+          <a:off x="0" y="0"/>
+          <a:ext cx="0" cy="0"/>
+          <a:chOff x="0" y="0"/>
+          <a:chExt cx="0" cy="0"/>
+        </a:xfrm>
+      </p:grpSpPr>
+      <p:sp>
+        <p:nvSpPr>
+          <p:cNvPr id="2" name="Titel 1">
+            <a:extLst>
+              <a:ext uri="{FF2B5EF4-FFF2-40B4-BE49-F238E27FC236}">
+                <a16:creationId xmlns:a16="http://schemas.microsoft.com/office/drawing/2014/main" id="{693F10F7-6A72-7443-9D29-766F88D4FE7E}"/>
+              </a:ext>
+            </a:extLst>
+          </p:cNvPr>
+          <p:cNvSpPr>
+            <a:spLocks noGrp="1"/>
+          </p:cNvSpPr>
+          <p:nvPr>
+            <p:ph type="title"/>
+          </p:nvPr>
+        </p:nvSpPr>
+        <p:spPr/>
+        <p:txBody>
+          <a:bodyPr/>
+          <a:lstStyle/>
+          <a:p>
+            <a:r>
+              <a:rPr lang="de-DE" dirty="0"/>
+              <a:t>Beispiel I:</a:t>
+            </a:r>
+            <a:br>
+              <a:rPr lang="de-DE" dirty="0"/>
+            </a:br>
+            <a:r>
+              <a:rPr lang="de-DE" dirty="0"/>
+              <a:t>Umgebungsvariablen</a:t>
+            </a:r>
+          </a:p>
+        </p:txBody>
+      </p:sp>
+      <p:sp>
+        <p:nvSpPr>
+          <p:cNvPr id="27" name="Rechteck 26">
             <a:extLst>
               <a:ext uri="{FF2B5EF4-FFF2-40B4-BE49-F238E27FC236}">
                 <a16:creationId xmlns:a16="http://schemas.microsoft.com/office/drawing/2014/main" id="{B8DF4A26-A759-4AE3-A41B-090E53BB921D}"/>
@@ -5187,17 +10677,15 @@
             <a:off x="485432" y="2348424"/>
             <a:ext cx="2438935" cy="504823"/>
           </a:xfrm>
-          <a:prstGeom prst="roundRect">
-            <a:avLst>
-              <a:gd name="adj" fmla="val 4208"/>
-            </a:avLst>
+          <a:prstGeom prst="rect">
+            <a:avLst/>
           </a:prstGeom>
           <a:solidFill>
-            <a:srgbClr val="0A3C8C"/>
+            <a:srgbClr val="0070C0"/>
           </a:solidFill>
           <a:ln w="19050">
             <a:solidFill>
-              <a:srgbClr val="0A3C8C"/>
+              <a:srgbClr val="0070C0"/>
             </a:solidFill>
           </a:ln>
         </p:spPr>
@@ -5299,13 +10787,13 @@
               </a:avLst>
             </a:prstGeom>
             <a:solidFill>
-              <a:srgbClr val="0A3C8C">
+              <a:srgbClr val="BCE1FC">
                 <a:alpha val="36863"/>
               </a:srgbClr>
             </a:solidFill>
             <a:ln w="19050">
               <a:solidFill>
-                <a:srgbClr val="0A3C8C"/>
+                <a:srgbClr val="0070C0"/>
               </a:solidFill>
             </a:ln>
           </p:spPr>
@@ -5369,7 +10857,7 @@
               <a:r>
                 <a:rPr lang="de-DE" sz="1200" dirty="0">
                   <a:solidFill>
-                    <a:srgbClr val="0A3C8C"/>
+                    <a:sysClr val="windowText" lastClr="000000"/>
                   </a:solidFill>
                 </a:rPr>
                 <a:t>POSTGRES_USER</a:t>
@@ -5377,14 +10865,14 @@
               <a:br>
                 <a:rPr lang="de-DE" sz="1200" dirty="0">
                   <a:solidFill>
-                    <a:srgbClr val="0A3C8C"/>
+                    <a:sysClr val="windowText" lastClr="000000"/>
                   </a:solidFill>
                 </a:rPr>
               </a:br>
               <a:r>
                 <a:rPr lang="de-DE" sz="1200" dirty="0">
                   <a:solidFill>
-                    <a:srgbClr val="0A3C8C"/>
+                    <a:sysClr val="windowText" lastClr="000000"/>
                   </a:solidFill>
                 </a:rPr>
                 <a:t>POSTGRES_PASSWORD</a:t>
@@ -5392,14 +10880,14 @@
               <a:br>
                 <a:rPr lang="de-DE" sz="1200" dirty="0">
                   <a:solidFill>
-                    <a:srgbClr val="0A3C8C"/>
+                    <a:sysClr val="windowText" lastClr="000000"/>
                   </a:solidFill>
                 </a:rPr>
               </a:br>
               <a:r>
                 <a:rPr lang="de-DE" sz="1200" dirty="0">
                   <a:solidFill>
-                    <a:srgbClr val="0A3C8C"/>
+                    <a:sysClr val="windowText" lastClr="000000"/>
                   </a:solidFill>
                 </a:rPr>
                 <a:t>POSTGRES_DB</a:t>
@@ -5450,14 +10938,14 @@
               <a:r>
                 <a:rPr lang="de-DE" sz="1400" b="1" dirty="0" err="1">
                   <a:solidFill>
-                    <a:srgbClr val="0A3C8C"/>
+                    <a:sysClr val="windowText" lastClr="000000"/>
                   </a:solidFill>
                 </a:rPr>
                 <a:t>env</a:t>
               </a:r>
               <a:endParaRPr lang="de-DE" b="1" dirty="0">
                 <a:solidFill>
-                  <a:srgbClr val="0A3C8C"/>
+                  <a:sysClr val="windowText" lastClr="000000"/>
                 </a:solidFill>
               </a:endParaRPr>
             </a:p>
@@ -5527,13 +11015,13 @@
                 </a:avLst>
               </a:prstGeom>
               <a:solidFill>
-                <a:srgbClr val="0A3C8C">
+                <a:srgbClr val="BCE1FC">
                   <a:alpha val="36863"/>
                 </a:srgbClr>
               </a:solidFill>
               <a:ln w="19050">
                 <a:solidFill>
-                  <a:srgbClr val="0A3C8C"/>
+                  <a:srgbClr val="0070C0"/>
                 </a:solidFill>
               </a:ln>
             </p:spPr>
@@ -5595,59 +11083,30 @@
               <a:lstStyle/>
               <a:p>
                 <a:r>
-                  <a:rPr lang="de-DE" sz="1200" dirty="0">
-                    <a:solidFill>
-                      <a:srgbClr val="0A3C8C"/>
-                    </a:solidFill>
-                  </a:rPr>
+                  <a:rPr lang="de-DE" sz="1200" dirty="0"/>
                   <a:t>POSTGRES_USER</a:t>
                 </a:r>
                 <a:br>
-                  <a:rPr lang="de-DE" sz="1200" dirty="0">
-                    <a:solidFill>
-                      <a:srgbClr val="0A3C8C"/>
-                    </a:solidFill>
-                  </a:rPr>
+                  <a:rPr lang="de-DE" sz="1200" dirty="0"/>
                 </a:br>
                 <a:r>
-                  <a:rPr lang="de-DE" sz="1200" dirty="0">
-                    <a:solidFill>
-                      <a:srgbClr val="0A3C8C"/>
-                    </a:solidFill>
-                  </a:rPr>
+                  <a:rPr lang="de-DE" sz="1200" dirty="0"/>
                   <a:t>POSTGRES_PASSWORD</a:t>
                 </a:r>
                 <a:br>
-                  <a:rPr lang="de-DE" sz="1200" dirty="0">
-                    <a:solidFill>
-                      <a:srgbClr val="0A3C8C"/>
-                    </a:solidFill>
-                  </a:rPr>
+                  <a:rPr lang="de-DE" sz="1200" dirty="0"/>
                 </a:br>
                 <a:r>
-                  <a:rPr lang="de-DE" sz="1200" dirty="0">
-                    <a:solidFill>
-                      <a:srgbClr val="0A3C8C"/>
-                    </a:solidFill>
-                  </a:rPr>
+                  <a:rPr lang="de-DE" sz="1200" dirty="0"/>
                   <a:t>POSTGRES_HOST</a:t>
                 </a:r>
                 <a:br>
-                  <a:rPr lang="de-DE" sz="1200" dirty="0">
-                    <a:solidFill>
-                      <a:srgbClr val="0A3C8C"/>
-                    </a:solidFill>
-                  </a:rPr>
+                  <a:rPr lang="de-DE" sz="1200" dirty="0"/>
                 </a:br>
                 <a:r>
-                  <a:rPr lang="de-DE" sz="1200" dirty="0">
-                    <a:solidFill>
-                      <a:srgbClr val="0A3C8C"/>
-                    </a:solidFill>
-                  </a:rPr>
+                  <a:rPr lang="de-DE" sz="1200" dirty="0"/>
                   <a:t>PGPASSWORD</a:t>
                 </a:r>
-                <a:endParaRPr lang="de-DE" sz="1200" dirty="0"/>
               </a:p>
             </p:txBody>
           </p:sp>
@@ -5680,25 +11139,17 @@
               <a:lstStyle/>
               <a:p>
                 <a:r>
-                  <a:rPr lang="de-DE" sz="1400" b="1" dirty="0" err="1">
-                    <a:solidFill>
-                      <a:srgbClr val="0A3C8C"/>
-                    </a:solidFill>
-                  </a:rPr>
+                  <a:rPr lang="de-DE" sz="1400" b="1" dirty="0" err="1"/>
                   <a:t>env</a:t>
                 </a:r>
-                <a:endParaRPr lang="de-DE" b="1" dirty="0">
-                  <a:solidFill>
-                    <a:srgbClr val="0A3C8C"/>
-                  </a:solidFill>
-                </a:endParaRPr>
+                <a:endParaRPr lang="de-DE" b="1" dirty="0"/>
               </a:p>
             </p:txBody>
           </p:sp>
         </p:grpSp>
         <p:sp>
           <p:nvSpPr>
-            <p:cNvPr id="29" name="Rechteck: abgerundete Ecken 28">
+            <p:cNvPr id="29" name="Rechteck 28">
               <a:extLst>
                 <a:ext uri="{FF2B5EF4-FFF2-40B4-BE49-F238E27FC236}">
                   <a16:creationId xmlns:a16="http://schemas.microsoft.com/office/drawing/2014/main" id="{5A312579-C06E-4A9A-B15E-A59C1FA72B19}"/>
@@ -5713,17 +11164,15 @@
               <a:off x="6072765" y="3025173"/>
               <a:ext cx="2438934" cy="504824"/>
             </a:xfrm>
-            <a:prstGeom prst="roundRect">
-              <a:avLst>
-                <a:gd name="adj" fmla="val 4208"/>
-              </a:avLst>
+            <a:prstGeom prst="rect">
+              <a:avLst/>
             </a:prstGeom>
             <a:solidFill>
-              <a:srgbClr val="0A3C8C"/>
+              <a:srgbClr val="0070C0"/>
             </a:solidFill>
             <a:ln w="19050">
               <a:solidFill>
-                <a:srgbClr val="0A3C8C"/>
+                <a:srgbClr val="0070C0"/>
               </a:solidFill>
             </a:ln>
           </p:spPr>
@@ -5783,7 +11232,7 @@
       </p:grpSp>
       <p:sp>
         <p:nvSpPr>
-          <p:cNvPr id="21" name="Rechteck: abgerundete Ecken 20">
+          <p:cNvPr id="21" name="Rechteck 20">
             <a:extLst>
               <a:ext uri="{FF2B5EF4-FFF2-40B4-BE49-F238E27FC236}">
                 <a16:creationId xmlns:a16="http://schemas.microsoft.com/office/drawing/2014/main" id="{52FCFF20-6BFD-4AC4-89C8-55EB9060213B}"/>
@@ -5798,17 +11247,15 @@
             <a:off x="476103" y="3025173"/>
             <a:ext cx="2438935" cy="504824"/>
           </a:xfrm>
-          <a:prstGeom prst="roundRect">
-            <a:avLst>
-              <a:gd name="adj" fmla="val 4208"/>
-            </a:avLst>
+          <a:prstGeom prst="rect">
+            <a:avLst/>
           </a:prstGeom>
           <a:solidFill>
-            <a:srgbClr val="0A3C8C"/>
+            <a:srgbClr val="0070C0"/>
           </a:solidFill>
           <a:ln w="19050">
             <a:solidFill>
-              <a:srgbClr val="0A3C8C"/>
+              <a:srgbClr val="0070C0"/>
             </a:solidFill>
           </a:ln>
         </p:spPr>
@@ -5874,10 +11321,7 @@
               </a:ext>
             </a:extLst>
           </p:cNvPr>
-          <p:cNvCxnSpPr>
-            <a:stCxn id="27" idx="2"/>
-            <a:endCxn id="21" idx="0"/>
-          </p:cNvCxnSpPr>
+          <p:cNvCxnSpPr/>
           <p:nvPr/>
         </p:nvCxnSpPr>
         <p:spPr>
@@ -5890,7 +11334,7 @@
           </a:prstGeom>
           <a:ln w="28575">
             <a:solidFill>
-              <a:srgbClr val="0A3C8C"/>
+              <a:srgbClr val="0070C0"/>
             </a:solidFill>
             <a:tailEnd type="triangle"/>
           </a:ln>
@@ -5934,7 +11378,7 @@
           </a:prstGeom>
           <a:ln w="28575">
             <a:solidFill>
-              <a:srgbClr val="0A3C8C"/>
+              <a:srgbClr val="0070C0"/>
             </a:solidFill>
             <a:tailEnd type="triangle"/>
           </a:ln>
@@ -6108,13 +11552,13 @@
               </a:avLst>
             </a:prstGeom>
             <a:solidFill>
-              <a:srgbClr val="0A3C8C">
+              <a:srgbClr val="BCE1FC">
                 <a:alpha val="36863"/>
               </a:srgbClr>
             </a:solidFill>
             <a:ln w="19050">
               <a:solidFill>
-                <a:srgbClr val="0A3C8C"/>
+                <a:srgbClr val="0070C0"/>
               </a:solidFill>
             </a:ln>
           </p:spPr>
@@ -6149,7 +11593,7 @@
         </p:sp>
         <p:sp>
           <p:nvSpPr>
-            <p:cNvPr id="72" name="Rechteck: abgerundete Ecken 71">
+            <p:cNvPr id="72" name="Rechteck 71">
               <a:extLst>
                 <a:ext uri="{FF2B5EF4-FFF2-40B4-BE49-F238E27FC236}">
                   <a16:creationId xmlns:a16="http://schemas.microsoft.com/office/drawing/2014/main" id="{662657B7-00AB-46D7-BEE7-3A401AE8FB35}"/>
@@ -6164,17 +11608,15 @@
               <a:off x="485433" y="4497098"/>
               <a:ext cx="2438935" cy="504823"/>
             </a:xfrm>
-            <a:prstGeom prst="roundRect">
-              <a:avLst>
-                <a:gd name="adj" fmla="val 4208"/>
-              </a:avLst>
+            <a:prstGeom prst="rect">
+              <a:avLst/>
             </a:prstGeom>
             <a:solidFill>
-              <a:srgbClr val="0A3C8C"/>
+              <a:srgbClr val="0070C0"/>
             </a:solidFill>
             <a:ln w="19050">
               <a:solidFill>
-                <a:srgbClr val="0A3C8C"/>
+                <a:srgbClr val="0070C0"/>
               </a:solidFill>
             </a:ln>
           </p:spPr>
@@ -6270,7 +11712,7 @@
             <a:r>
               <a:rPr lang="de-DE" sz="1200" dirty="0">
                 <a:solidFill>
-                  <a:srgbClr val="0A3C8C"/>
+                  <a:sysClr val="windowText" lastClr="000000"/>
                 </a:solidFill>
               </a:rPr>
               <a:t>Database: </a:t>
@@ -6278,7 +11720,7 @@
             <a:r>
               <a:rPr lang="de-DE" sz="1200" b="1" dirty="0" err="1">
                 <a:solidFill>
-                  <a:srgbClr val="0A3C8C"/>
+                  <a:sysClr val="windowText" lastClr="000000"/>
                 </a:solidFill>
               </a:rPr>
               <a:t>deeptalk</a:t>
@@ -6286,13 +11728,13 @@
             <a:br>
               <a:rPr lang="de-DE" sz="1200" dirty="0">
                 <a:solidFill>
-                  <a:srgbClr val="0A3C8C"/>
+                  <a:sysClr val="windowText" lastClr="000000"/>
                 </a:solidFill>
               </a:rPr>
             </a:br>
             <a:endParaRPr lang="de-DE" sz="1200" dirty="0">
               <a:solidFill>
-                <a:srgbClr val="0A3C8C"/>
+                <a:sysClr val="windowText" lastClr="000000"/>
               </a:solidFill>
             </a:endParaRPr>
           </a:p>
@@ -6312,10 +11754,10 @@
         </p:nvGrpSpPr>
         <p:grpSpPr>
           <a:xfrm>
-            <a:off x="6065216" y="4496559"/>
-            <a:ext cx="2569141" cy="835250"/>
-            <a:chOff x="6068311" y="4905155"/>
-            <a:chExt cx="2569141" cy="835250"/>
+            <a:off x="6069670" y="4496559"/>
+            <a:ext cx="2572238" cy="835250"/>
+            <a:chOff x="6072765" y="4905155"/>
+            <a:chExt cx="2572238" cy="835250"/>
           </a:xfrm>
         </p:grpSpPr>
         <p:sp>
@@ -6341,13 +11783,13 @@
               </a:avLst>
             </a:prstGeom>
             <a:solidFill>
-              <a:srgbClr val="0A3C8C">
+              <a:srgbClr val="BCE1FC">
                 <a:alpha val="36863"/>
               </a:srgbClr>
             </a:solidFill>
             <a:ln w="19050">
               <a:solidFill>
-                <a:srgbClr val="0A3C8C"/>
+                <a:srgbClr val="0070C0"/>
               </a:solidFill>
             </a:ln>
           </p:spPr>
@@ -6382,7 +11824,7 @@
         </p:sp>
         <p:sp>
           <p:nvSpPr>
-            <p:cNvPr id="77" name="Rechteck: abgerundete Ecken 76">
+            <p:cNvPr id="77" name="Rechteck 76">
               <a:extLst>
                 <a:ext uri="{FF2B5EF4-FFF2-40B4-BE49-F238E27FC236}">
                   <a16:creationId xmlns:a16="http://schemas.microsoft.com/office/drawing/2014/main" id="{1EBB3884-9DB1-4FB8-A77F-0D669850A681}"/>
@@ -6397,17 +11839,15 @@
               <a:off x="6072765" y="4905155"/>
               <a:ext cx="2438935" cy="504823"/>
             </a:xfrm>
-            <a:prstGeom prst="roundRect">
-              <a:avLst>
-                <a:gd name="adj" fmla="val 4208"/>
-              </a:avLst>
+            <a:prstGeom prst="rect">
+              <a:avLst/>
             </a:prstGeom>
             <a:solidFill>
-              <a:srgbClr val="0A3C8C"/>
+              <a:srgbClr val="0070C0"/>
             </a:solidFill>
             <a:ln w="19050">
               <a:solidFill>
-                <a:srgbClr val="0A3C8C"/>
+                <a:srgbClr val="0070C0"/>
               </a:solidFill>
             </a:ln>
           </p:spPr>
@@ -6438,7 +11878,7 @@
                     <a:schemeClr val="bg1"/>
                   </a:solidFill>
                 </a:rPr>
-                <a:t>Postgres</a:t>
+                <a:t>postgres</a:t>
               </a:r>
               <a:r>
                 <a:rPr lang="de-DE" sz="1600" dirty="0">
@@ -6485,7 +11925,7 @@
           </p:nvSpPr>
           <p:spPr>
             <a:xfrm>
-              <a:off x="6068311" y="5409978"/>
+              <a:off x="6075862" y="5410517"/>
               <a:ext cx="2569141" cy="276999"/>
             </a:xfrm>
             <a:prstGeom prst="rect">
@@ -6500,19 +11940,11 @@
             <a:lstStyle/>
             <a:p>
               <a:r>
-                <a:rPr lang="de-DE" sz="1200" dirty="0" err="1">
-                  <a:solidFill>
-                    <a:srgbClr val="0A3C8C"/>
-                  </a:solidFill>
-                </a:rPr>
+                <a:rPr lang="de-DE" sz="1200" dirty="0" err="1"/>
                 <a:t>psql</a:t>
               </a:r>
               <a:r>
-                <a:rPr lang="de-DE" sz="1200" dirty="0">
-                  <a:solidFill>
-                    <a:srgbClr val="0A3C8C"/>
-                  </a:solidFill>
-                </a:rPr>
+                <a:rPr lang="de-DE" sz="1200" dirty="0"/>
                 <a:t> –h $POSTGRES_HOST …</a:t>
               </a:r>
             </a:p>
@@ -6531,7 +11963,6 @@
           <p:cNvCxnSpPr>
             <a:cxnSpLocks/>
             <a:stCxn id="40" idx="2"/>
-            <a:endCxn id="77" idx="0"/>
           </p:cNvCxnSpPr>
           <p:nvPr/>
         </p:nvCxnSpPr>
@@ -6545,7 +11976,7 @@
           </a:prstGeom>
           <a:ln w="28575">
             <a:solidFill>
-              <a:srgbClr val="0A3C8C"/>
+              <a:srgbClr val="0070C0"/>
             </a:solidFill>
             <a:tailEnd type="triangle"/>
           </a:ln>
@@ -6578,7 +12009,7 @@
 </p:sld>
 </file>
 
-<file path=ppt/slides/slide7.xml><?xml version="1.0" encoding="utf-8"?>
+<file path=ppt/slides/slide8.xml><?xml version="1.0" encoding="utf-8"?>
 <p:sld xmlns:a="http://schemas.openxmlformats.org/drawingml/2006/main" xmlns:r="http://schemas.openxmlformats.org/officeDocument/2006/relationships" xmlns:p="http://schemas.openxmlformats.org/presentationml/2006/main">
   <p:cSld>
     <p:spTree>
@@ -6618,8 +12049,11 @@
           <a:p>
             <a:r>
               <a:rPr lang="de-DE" dirty="0"/>
-              <a:t>Setup 2: </a:t>
-            </a:r>
+              <a:t>Beispiel I:</a:t>
+            </a:r>
+            <a:br>
+              <a:rPr lang="de-DE" dirty="0"/>
+            </a:br>
             <a:r>
               <a:rPr lang="de-DE" dirty="0" err="1"/>
               <a:t>ConfigMap</a:t>
@@ -6671,13 +12105,13 @@
               </a:avLst>
             </a:prstGeom>
             <a:solidFill>
-              <a:srgbClr val="0A3C8C">
+              <a:srgbClr val="BCE1FC">
                 <a:alpha val="36863"/>
               </a:srgbClr>
             </a:solidFill>
             <a:ln w="19050">
               <a:solidFill>
-                <a:srgbClr val="0A3C8C"/>
+                <a:srgbClr val="0070C0"/>
               </a:solidFill>
             </a:ln>
           </p:spPr>
@@ -6712,7 +12146,7 @@
         </p:sp>
         <p:sp>
           <p:nvSpPr>
-            <p:cNvPr id="88" name="Rechteck: abgerundete Ecken 87">
+            <p:cNvPr id="88" name="Rechteck 87">
               <a:extLst>
                 <a:ext uri="{FF2B5EF4-FFF2-40B4-BE49-F238E27FC236}">
                   <a16:creationId xmlns:a16="http://schemas.microsoft.com/office/drawing/2014/main" id="{7BD4C93C-DECF-4326-9600-293213F70B8A}"/>
@@ -6727,17 +12161,15 @@
               <a:off x="485433" y="4497098"/>
               <a:ext cx="2438935" cy="504823"/>
             </a:xfrm>
-            <a:prstGeom prst="roundRect">
-              <a:avLst>
-                <a:gd name="adj" fmla="val 4208"/>
-              </a:avLst>
+            <a:prstGeom prst="rect">
+              <a:avLst/>
             </a:prstGeom>
             <a:solidFill>
-              <a:srgbClr val="0A3C8C"/>
+              <a:srgbClr val="0070C0"/>
             </a:solidFill>
             <a:ln w="19050">
               <a:solidFill>
-                <a:srgbClr val="0A3C8C"/>
+                <a:srgbClr val="0070C0"/>
               </a:solidFill>
             </a:ln>
           </p:spPr>
@@ -6817,7 +12249,7 @@
         <p:spPr>
           <a:xfrm>
             <a:off x="485433" y="4984193"/>
-            <a:ext cx="1550424" cy="461665"/>
+            <a:ext cx="1550424" cy="276999"/>
           </a:xfrm>
           <a:prstGeom prst="rect">
             <a:avLst/>
@@ -6831,260 +12263,20 @@
           <a:lstStyle/>
           <a:p>
             <a:r>
-              <a:rPr lang="de-DE" sz="1200" dirty="0">
-                <a:solidFill>
-                  <a:srgbClr val="0A3C8C"/>
-                </a:solidFill>
-              </a:rPr>
+              <a:rPr lang="de-DE" sz="1200" dirty="0"/>
               <a:t>Database: </a:t>
             </a:r>
             <a:r>
-              <a:rPr lang="de-DE" sz="1200" b="1" dirty="0" err="1">
-                <a:solidFill>
-                  <a:srgbClr val="0A3C8C"/>
-                </a:solidFill>
-              </a:rPr>
+              <a:rPr lang="de-DE" sz="1200" b="1" dirty="0" err="1"/>
               <a:t>deeptalk</a:t>
             </a:r>
-            <a:br>
-              <a:rPr lang="de-DE" sz="1200" dirty="0">
-                <a:solidFill>
-                  <a:srgbClr val="0A3C8C"/>
-                </a:solidFill>
-              </a:rPr>
-            </a:br>
-            <a:endParaRPr lang="de-DE" sz="1200" dirty="0">
-              <a:solidFill>
-                <a:srgbClr val="0A3C8C"/>
-              </a:solidFill>
-            </a:endParaRPr>
+            <a:endParaRPr lang="de-DE" sz="1200" dirty="0"/>
           </a:p>
         </p:txBody>
       </p:sp>
-      <p:grpSp>
-        <p:nvGrpSpPr>
-          <p:cNvPr id="90" name="Gruppieren 89">
-            <a:extLst>
-              <a:ext uri="{FF2B5EF4-FFF2-40B4-BE49-F238E27FC236}">
-                <a16:creationId xmlns:a16="http://schemas.microsoft.com/office/drawing/2014/main" id="{41401948-DC9F-4DC6-9832-487BF4084554}"/>
-              </a:ext>
-            </a:extLst>
-          </p:cNvPr>
-          <p:cNvGrpSpPr/>
-          <p:nvPr/>
-        </p:nvGrpSpPr>
-        <p:grpSpPr>
-          <a:xfrm>
-            <a:off x="6081877" y="4496559"/>
-            <a:ext cx="2569141" cy="835250"/>
-            <a:chOff x="6068311" y="4905155"/>
-            <a:chExt cx="2569141" cy="835250"/>
-          </a:xfrm>
-        </p:grpSpPr>
-        <p:sp>
-          <p:nvSpPr>
-            <p:cNvPr id="91" name="Rechteck: abgerundete Ecken 90">
-              <a:extLst>
-                <a:ext uri="{FF2B5EF4-FFF2-40B4-BE49-F238E27FC236}">
-                  <a16:creationId xmlns:a16="http://schemas.microsoft.com/office/drawing/2014/main" id="{DDF293FB-8544-4E34-AA86-CD7A1640363E}"/>
-                </a:ext>
-              </a:extLst>
-            </p:cNvPr>
-            <p:cNvSpPr/>
-            <p:nvPr/>
-          </p:nvSpPr>
-          <p:spPr>
-            <a:xfrm>
-              <a:off x="6072765" y="5409978"/>
-              <a:ext cx="2438935" cy="330427"/>
-            </a:xfrm>
-            <a:prstGeom prst="roundRect">
-              <a:avLst>
-                <a:gd name="adj" fmla="val 4208"/>
-              </a:avLst>
-            </a:prstGeom>
-            <a:solidFill>
-              <a:srgbClr val="0A3C8C">
-                <a:alpha val="36863"/>
-              </a:srgbClr>
-            </a:solidFill>
-            <a:ln w="19050">
-              <a:solidFill>
-                <a:srgbClr val="0A3C8C"/>
-              </a:solidFill>
-            </a:ln>
-          </p:spPr>
-          <p:style>
-            <a:lnRef idx="2">
-              <a:schemeClr val="accent1">
-                <a:shade val="50000"/>
-              </a:schemeClr>
-            </a:lnRef>
-            <a:fillRef idx="1">
-              <a:schemeClr val="accent1"/>
-            </a:fillRef>
-            <a:effectRef idx="0">
-              <a:schemeClr val="accent1"/>
-            </a:effectRef>
-            <a:fontRef idx="minor">
-              <a:schemeClr val="lt1"/>
-            </a:fontRef>
-          </p:style>
-          <p:txBody>
-            <a:bodyPr rtlCol="0" anchor="ctr"/>
-            <a:lstStyle/>
-            <a:p>
-              <a:pPr algn="ctr"/>
-              <a:endParaRPr lang="de-DE" dirty="0">
-                <a:solidFill>
-                  <a:schemeClr val="bg1"/>
-                </a:solidFill>
-              </a:endParaRPr>
-            </a:p>
-          </p:txBody>
-        </p:sp>
-        <p:sp>
-          <p:nvSpPr>
-            <p:cNvPr id="92" name="Rechteck: abgerundete Ecken 91">
-              <a:extLst>
-                <a:ext uri="{FF2B5EF4-FFF2-40B4-BE49-F238E27FC236}">
-                  <a16:creationId xmlns:a16="http://schemas.microsoft.com/office/drawing/2014/main" id="{936BF6EF-9FC9-4D7E-96B0-7771C9B82D7C}"/>
-                </a:ext>
-              </a:extLst>
-            </p:cNvPr>
-            <p:cNvSpPr/>
-            <p:nvPr/>
-          </p:nvSpPr>
-          <p:spPr>
-            <a:xfrm>
-              <a:off x="6072765" y="4905155"/>
-              <a:ext cx="2438935" cy="504823"/>
-            </a:xfrm>
-            <a:prstGeom prst="roundRect">
-              <a:avLst>
-                <a:gd name="adj" fmla="val 4208"/>
-              </a:avLst>
-            </a:prstGeom>
-            <a:solidFill>
-              <a:srgbClr val="0A3C8C"/>
-            </a:solidFill>
-            <a:ln w="19050">
-              <a:solidFill>
-                <a:srgbClr val="0A3C8C"/>
-              </a:solidFill>
-            </a:ln>
-          </p:spPr>
-          <p:style>
-            <a:lnRef idx="2">
-              <a:schemeClr val="accent1">
-                <a:shade val="50000"/>
-              </a:schemeClr>
-            </a:lnRef>
-            <a:fillRef idx="1">
-              <a:schemeClr val="accent1"/>
-            </a:fillRef>
-            <a:effectRef idx="0">
-              <a:schemeClr val="accent1"/>
-            </a:effectRef>
-            <a:fontRef idx="minor">
-              <a:schemeClr val="lt1"/>
-            </a:fontRef>
-          </p:style>
-          <p:txBody>
-            <a:bodyPr rtlCol="0" anchor="ctr"/>
-            <a:lstStyle/>
-            <a:p>
-              <a:pPr algn="ctr"/>
-              <a:r>
-                <a:rPr lang="de-DE" sz="1600" dirty="0" err="1">
-                  <a:solidFill>
-                    <a:schemeClr val="bg1"/>
-                  </a:solidFill>
-                </a:rPr>
-                <a:t>Postgres</a:t>
-              </a:r>
-              <a:r>
-                <a:rPr lang="de-DE" sz="1600" dirty="0">
-                  <a:solidFill>
-                    <a:schemeClr val="bg1"/>
-                  </a:solidFill>
-                </a:rPr>
-                <a:t>-client-</a:t>
-              </a:r>
-              <a:br>
-                <a:rPr lang="de-DE" sz="1600" dirty="0">
-                  <a:solidFill>
-                    <a:schemeClr val="bg1"/>
-                  </a:solidFill>
-                </a:rPr>
-              </a:br>
-              <a:r>
-                <a:rPr lang="de-DE" sz="1600" dirty="0" err="1">
-                  <a:solidFill>
-                    <a:schemeClr val="bg1"/>
-                  </a:solidFill>
-                </a:rPr>
-                <a:t>Pod</a:t>
-              </a:r>
-              <a:endParaRPr lang="de-DE" sz="1600" dirty="0">
-                <a:solidFill>
-                  <a:schemeClr val="bg1"/>
-                </a:solidFill>
-              </a:endParaRPr>
-            </a:p>
-          </p:txBody>
-        </p:sp>
-        <p:sp>
-          <p:nvSpPr>
-            <p:cNvPr id="93" name="Textfeld 92">
-              <a:extLst>
-                <a:ext uri="{FF2B5EF4-FFF2-40B4-BE49-F238E27FC236}">
-                  <a16:creationId xmlns:a16="http://schemas.microsoft.com/office/drawing/2014/main" id="{57B1EC6F-D3AE-4CFE-BDBC-3BD1D5F87851}"/>
-                </a:ext>
-              </a:extLst>
-            </p:cNvPr>
-            <p:cNvSpPr txBox="1"/>
-            <p:nvPr/>
-          </p:nvSpPr>
-          <p:spPr>
-            <a:xfrm>
-              <a:off x="6068311" y="5409978"/>
-              <a:ext cx="2569141" cy="276999"/>
-            </a:xfrm>
-            <a:prstGeom prst="rect">
-              <a:avLst/>
-            </a:prstGeom>
-            <a:noFill/>
-          </p:spPr>
-          <p:txBody>
-            <a:bodyPr wrap="square" rtlCol="0">
-              <a:spAutoFit/>
-            </a:bodyPr>
-            <a:lstStyle/>
-            <a:p>
-              <a:r>
-                <a:rPr lang="de-DE" sz="1200" dirty="0" err="1">
-                  <a:solidFill>
-                    <a:srgbClr val="0A3C8C"/>
-                  </a:solidFill>
-                </a:rPr>
-                <a:t>psql</a:t>
-              </a:r>
-              <a:r>
-                <a:rPr lang="de-DE" sz="1200" dirty="0">
-                  <a:solidFill>
-                    <a:srgbClr val="0A3C8C"/>
-                  </a:solidFill>
-                </a:rPr>
-                <a:t> –h $POSTGRES_HOST …</a:t>
-              </a:r>
-            </a:p>
-          </p:txBody>
-        </p:sp>
-      </p:grpSp>
       <p:sp>
         <p:nvSpPr>
-          <p:cNvPr id="94" name="Rechteck: abgerundete Ecken 93">
+          <p:cNvPr id="94" name="Rechteck 93">
             <a:extLst>
               <a:ext uri="{FF2B5EF4-FFF2-40B4-BE49-F238E27FC236}">
                 <a16:creationId xmlns:a16="http://schemas.microsoft.com/office/drawing/2014/main" id="{0FD18A2A-B943-4D27-9D65-9FFD96CDEC6A}"/>
@@ -7099,17 +12291,15 @@
             <a:off x="6084210" y="3407589"/>
             <a:ext cx="2438934" cy="504824"/>
           </a:xfrm>
-          <a:prstGeom prst="roundRect">
-            <a:avLst>
-              <a:gd name="adj" fmla="val 4208"/>
-            </a:avLst>
+          <a:prstGeom prst="rect">
+            <a:avLst/>
           </a:prstGeom>
           <a:solidFill>
-            <a:srgbClr val="0A3C8C"/>
+            <a:srgbClr val="0070C0"/>
           </a:solidFill>
           <a:ln w="19050">
             <a:solidFill>
-              <a:srgbClr val="0A3C8C"/>
+              <a:srgbClr val="0070C0"/>
             </a:solidFill>
           </a:ln>
         </p:spPr>
@@ -7168,7 +12358,7 @@
       </p:sp>
       <p:sp>
         <p:nvSpPr>
-          <p:cNvPr id="95" name="Rechteck: abgerundete Ecken 94">
+          <p:cNvPr id="95" name="Rechteck 94">
             <a:extLst>
               <a:ext uri="{FF2B5EF4-FFF2-40B4-BE49-F238E27FC236}">
                 <a16:creationId xmlns:a16="http://schemas.microsoft.com/office/drawing/2014/main" id="{B275C1E1-68CF-4DE6-AD0D-6FB1D1FC6220}"/>
@@ -7183,17 +12373,15 @@
             <a:off x="492981" y="3417756"/>
             <a:ext cx="2438935" cy="504824"/>
           </a:xfrm>
-          <a:prstGeom prst="roundRect">
-            <a:avLst>
-              <a:gd name="adj" fmla="val 4208"/>
-            </a:avLst>
+          <a:prstGeom prst="rect">
+            <a:avLst/>
           </a:prstGeom>
           <a:solidFill>
-            <a:srgbClr val="0A3C8C"/>
+            <a:srgbClr val="0070C0"/>
           </a:solidFill>
           <a:ln w="19050">
             <a:solidFill>
-              <a:srgbClr val="0A3C8C"/>
+              <a:srgbClr val="0070C0"/>
             </a:solidFill>
           </a:ln>
         </p:spPr>
@@ -7261,7 +12449,6 @@
           </p:cNvPr>
           <p:cNvCxnSpPr>
             <a:cxnSpLocks/>
-            <a:endCxn id="95" idx="0"/>
           </p:cNvCxnSpPr>
           <p:nvPr/>
         </p:nvCxnSpPr>
@@ -7275,7 +12462,7 @@
           </a:prstGeom>
           <a:ln w="28575">
             <a:solidFill>
-              <a:srgbClr val="0A3C8C"/>
+              <a:srgbClr val="0070C0"/>
             </a:solidFill>
             <a:tailEnd type="triangle"/>
           </a:ln>
@@ -7306,8 +12493,6 @@
           </p:cNvPr>
           <p:cNvCxnSpPr>
             <a:cxnSpLocks/>
-            <a:stCxn id="95" idx="2"/>
-            <a:endCxn id="88" idx="0"/>
           </p:cNvCxnSpPr>
           <p:nvPr/>
         </p:nvCxnSpPr>
@@ -7321,7 +12506,7 @@
           </a:prstGeom>
           <a:ln w="28575">
             <a:solidFill>
-              <a:srgbClr val="0A3C8C"/>
+              <a:srgbClr val="0070C0"/>
             </a:solidFill>
             <a:tailEnd type="triangle"/>
           </a:ln>
@@ -7352,8 +12537,6 @@
           </p:cNvPr>
           <p:cNvCxnSpPr>
             <a:cxnSpLocks/>
-            <a:stCxn id="94" idx="2"/>
-            <a:endCxn id="92" idx="0"/>
           </p:cNvCxnSpPr>
           <p:nvPr/>
         </p:nvCxnSpPr>
@@ -7367,7 +12550,7 @@
           </a:prstGeom>
           <a:ln w="28575">
             <a:solidFill>
-              <a:srgbClr val="0A3C8C"/>
+              <a:srgbClr val="0070C0"/>
             </a:solidFill>
             <a:tailEnd type="triangle"/>
           </a:ln>
@@ -7509,7 +12692,6 @@
           </p:cNvPr>
           <p:cNvCxnSpPr>
             <a:cxnSpLocks/>
-            <a:stCxn id="95" idx="3"/>
           </p:cNvCxnSpPr>
           <p:nvPr/>
         </p:nvCxnSpPr>
@@ -7525,7 +12707,7 @@
           </a:prstGeom>
           <a:ln w="28575">
             <a:solidFill>
-              <a:srgbClr val="0A3C8C"/>
+              <a:srgbClr val="0070C0"/>
             </a:solidFill>
             <a:tailEnd type="triangle"/>
           </a:ln>
@@ -7556,7 +12738,6 @@
           </p:cNvPr>
           <p:cNvCxnSpPr>
             <a:cxnSpLocks/>
-            <a:stCxn id="94" idx="1"/>
           </p:cNvCxnSpPr>
           <p:nvPr/>
         </p:nvCxnSpPr>
@@ -7572,7 +12753,7 @@
           </a:prstGeom>
           <a:ln w="28575">
             <a:solidFill>
-              <a:srgbClr val="0A3C8C"/>
+              <a:srgbClr val="0070C0"/>
             </a:solidFill>
             <a:tailEnd type="triangle"/>
           </a:ln>
@@ -7594,7 +12775,7 @@
       </p:cxnSp>
       <p:sp>
         <p:nvSpPr>
-          <p:cNvPr id="112" name="Rechteck: abgerundete Ecken 111">
+          <p:cNvPr id="112" name="Rechteck 111">
             <a:extLst>
               <a:ext uri="{FF2B5EF4-FFF2-40B4-BE49-F238E27FC236}">
                 <a16:creationId xmlns:a16="http://schemas.microsoft.com/office/drawing/2014/main" id="{17FE75FB-FD05-4332-867E-C6895D17EF25}"/>
@@ -7609,17 +12790,15 @@
             <a:off x="492981" y="2338416"/>
             <a:ext cx="2438935" cy="504823"/>
           </a:xfrm>
-          <a:prstGeom prst="roundRect">
-            <a:avLst>
-              <a:gd name="adj" fmla="val 4208"/>
-            </a:avLst>
+          <a:prstGeom prst="rect">
+            <a:avLst/>
           </a:prstGeom>
           <a:solidFill>
-            <a:srgbClr val="0A3C8C"/>
+            <a:srgbClr val="0070C0"/>
           </a:solidFill>
           <a:ln w="19050">
             <a:solidFill>
-              <a:srgbClr val="0A3C8C"/>
+              <a:srgbClr val="0070C0"/>
             </a:solidFill>
           </a:ln>
         </p:spPr>
@@ -7721,13 +12900,13 @@
               </a:avLst>
             </a:prstGeom>
             <a:solidFill>
-              <a:srgbClr val="0A3C8C">
+              <a:srgbClr val="BCE1FC">
                 <a:alpha val="36863"/>
               </a:srgbClr>
             </a:solidFill>
             <a:ln w="19050">
               <a:solidFill>
-                <a:srgbClr val="0A3C8C"/>
+                <a:srgbClr val="0070C0"/>
               </a:solidFill>
             </a:ln>
           </p:spPr>
@@ -7762,7 +12941,7 @@
         </p:sp>
         <p:sp>
           <p:nvSpPr>
-            <p:cNvPr id="115" name="Rechteck: abgerundete Ecken 114">
+            <p:cNvPr id="115" name="Rechteck 114">
               <a:extLst>
                 <a:ext uri="{FF2B5EF4-FFF2-40B4-BE49-F238E27FC236}">
                   <a16:creationId xmlns:a16="http://schemas.microsoft.com/office/drawing/2014/main" id="{EB2D5A86-902C-41B3-97DE-1B3DCBA11EA1}"/>
@@ -7777,17 +12956,15 @@
               <a:off x="6072765" y="3025173"/>
               <a:ext cx="2438934" cy="504824"/>
             </a:xfrm>
-            <a:prstGeom prst="roundRect">
-              <a:avLst>
-                <a:gd name="adj" fmla="val 4208"/>
-              </a:avLst>
+            <a:prstGeom prst="rect">
+              <a:avLst/>
             </a:prstGeom>
             <a:solidFill>
-              <a:srgbClr val="0A3C8C"/>
+              <a:srgbClr val="0070C0"/>
             </a:solidFill>
             <a:ln w="19050">
               <a:solidFill>
-                <a:srgbClr val="0A3C8C"/>
+                <a:srgbClr val="0070C0"/>
               </a:solidFill>
             </a:ln>
           </p:spPr>
@@ -7881,62 +13058,248 @@
           <a:lstStyle/>
           <a:p>
             <a:r>
-              <a:rPr lang="de-DE" sz="1200" dirty="0">
-                <a:solidFill>
-                  <a:srgbClr val="0A3C8C"/>
-                </a:solidFill>
-              </a:rPr>
+              <a:rPr lang="de-DE" sz="1200" dirty="0"/>
               <a:t>POSTGRES_HOST</a:t>
             </a:r>
           </a:p>
           <a:p>
             <a:r>
-              <a:rPr lang="de-DE" sz="1200" dirty="0">
-                <a:solidFill>
-                  <a:srgbClr val="0A3C8C"/>
-                </a:solidFill>
-              </a:rPr>
+              <a:rPr lang="de-DE" sz="1200" dirty="0"/>
               <a:t>POSTGRES_DB</a:t>
             </a:r>
           </a:p>
           <a:p>
             <a:r>
-              <a:rPr lang="de-DE" sz="1200" dirty="0">
-                <a:solidFill>
-                  <a:srgbClr val="0A3C8C"/>
-                </a:solidFill>
-              </a:rPr>
+              <a:rPr lang="de-DE" sz="1200" dirty="0"/>
               <a:t>POSTGRES_USER</a:t>
             </a:r>
             <a:br>
-              <a:rPr lang="de-DE" sz="1200" dirty="0">
-                <a:solidFill>
-                  <a:srgbClr val="0A3C8C"/>
-                </a:solidFill>
-              </a:rPr>
+              <a:rPr lang="de-DE" sz="1200" dirty="0"/>
             </a:br>
             <a:r>
-              <a:rPr lang="de-DE" sz="1200" dirty="0">
-                <a:solidFill>
-                  <a:srgbClr val="0A3C8C"/>
-                </a:solidFill>
-              </a:rPr>
+              <a:rPr lang="de-DE" sz="1200" dirty="0"/>
               <a:t>POSTGRES_PASSWORD</a:t>
             </a:r>
           </a:p>
           <a:p>
             <a:r>
-              <a:rPr lang="de-DE" sz="1200" dirty="0">
-                <a:solidFill>
-                  <a:srgbClr val="0A3C8C"/>
-                </a:solidFill>
-              </a:rPr>
+              <a:rPr lang="de-DE" sz="1200" dirty="0"/>
               <a:t>PGPASSWORD</a:t>
             </a:r>
-            <a:endParaRPr lang="de-DE" sz="1200" dirty="0"/>
           </a:p>
         </p:txBody>
       </p:sp>
+      <p:grpSp>
+        <p:nvGrpSpPr>
+          <p:cNvPr id="26" name="Gruppieren 25">
+            <a:extLst>
+              <a:ext uri="{FF2B5EF4-FFF2-40B4-BE49-F238E27FC236}">
+                <a16:creationId xmlns:a16="http://schemas.microsoft.com/office/drawing/2014/main" id="{C5BAE535-8A04-43EE-91DE-4E1DE021214D}"/>
+              </a:ext>
+            </a:extLst>
+          </p:cNvPr>
+          <p:cNvGrpSpPr/>
+          <p:nvPr/>
+        </p:nvGrpSpPr>
+        <p:grpSpPr>
+          <a:xfrm>
+            <a:off x="6069670" y="4496559"/>
+            <a:ext cx="2572238" cy="835250"/>
+            <a:chOff x="6072765" y="4905155"/>
+            <a:chExt cx="2572238" cy="835250"/>
+          </a:xfrm>
+        </p:grpSpPr>
+        <p:sp>
+          <p:nvSpPr>
+            <p:cNvPr id="27" name="Rechteck: abgerundete Ecken 26">
+              <a:extLst>
+                <a:ext uri="{FF2B5EF4-FFF2-40B4-BE49-F238E27FC236}">
+                  <a16:creationId xmlns:a16="http://schemas.microsoft.com/office/drawing/2014/main" id="{20153A19-4CC2-4F67-8D61-624E56E3618B}"/>
+                </a:ext>
+              </a:extLst>
+            </p:cNvPr>
+            <p:cNvSpPr/>
+            <p:nvPr/>
+          </p:nvSpPr>
+          <p:spPr>
+            <a:xfrm>
+              <a:off x="6072765" y="5409978"/>
+              <a:ext cx="2438935" cy="330427"/>
+            </a:xfrm>
+            <a:prstGeom prst="roundRect">
+              <a:avLst>
+                <a:gd name="adj" fmla="val 4208"/>
+              </a:avLst>
+            </a:prstGeom>
+            <a:solidFill>
+              <a:srgbClr val="BCE1FC">
+                <a:alpha val="36863"/>
+              </a:srgbClr>
+            </a:solidFill>
+            <a:ln w="19050">
+              <a:solidFill>
+                <a:srgbClr val="0070C0"/>
+              </a:solidFill>
+            </a:ln>
+          </p:spPr>
+          <p:style>
+            <a:lnRef idx="2">
+              <a:schemeClr val="accent1">
+                <a:shade val="50000"/>
+              </a:schemeClr>
+            </a:lnRef>
+            <a:fillRef idx="1">
+              <a:schemeClr val="accent1"/>
+            </a:fillRef>
+            <a:effectRef idx="0">
+              <a:schemeClr val="accent1"/>
+            </a:effectRef>
+            <a:fontRef idx="minor">
+              <a:schemeClr val="lt1"/>
+            </a:fontRef>
+          </p:style>
+          <p:txBody>
+            <a:bodyPr rtlCol="0" anchor="ctr"/>
+            <a:lstStyle/>
+            <a:p>
+              <a:pPr algn="ctr"/>
+              <a:endParaRPr lang="de-DE" dirty="0">
+                <a:solidFill>
+                  <a:schemeClr val="bg1"/>
+                </a:solidFill>
+              </a:endParaRPr>
+            </a:p>
+          </p:txBody>
+        </p:sp>
+        <p:sp>
+          <p:nvSpPr>
+            <p:cNvPr id="28" name="Rechteck 27">
+              <a:extLst>
+                <a:ext uri="{FF2B5EF4-FFF2-40B4-BE49-F238E27FC236}">
+                  <a16:creationId xmlns:a16="http://schemas.microsoft.com/office/drawing/2014/main" id="{3A4C2194-A5AA-4CF2-AC69-CBBE80D581C1}"/>
+                </a:ext>
+              </a:extLst>
+            </p:cNvPr>
+            <p:cNvSpPr/>
+            <p:nvPr/>
+          </p:nvSpPr>
+          <p:spPr>
+            <a:xfrm>
+              <a:off x="6072765" y="4905155"/>
+              <a:ext cx="2438935" cy="504823"/>
+            </a:xfrm>
+            <a:prstGeom prst="rect">
+              <a:avLst/>
+            </a:prstGeom>
+            <a:solidFill>
+              <a:srgbClr val="0070C0"/>
+            </a:solidFill>
+            <a:ln w="19050">
+              <a:solidFill>
+                <a:srgbClr val="0070C0"/>
+              </a:solidFill>
+            </a:ln>
+          </p:spPr>
+          <p:style>
+            <a:lnRef idx="2">
+              <a:schemeClr val="accent1">
+                <a:shade val="50000"/>
+              </a:schemeClr>
+            </a:lnRef>
+            <a:fillRef idx="1">
+              <a:schemeClr val="accent1"/>
+            </a:fillRef>
+            <a:effectRef idx="0">
+              <a:schemeClr val="accent1"/>
+            </a:effectRef>
+            <a:fontRef idx="minor">
+              <a:schemeClr val="lt1"/>
+            </a:fontRef>
+          </p:style>
+          <p:txBody>
+            <a:bodyPr rtlCol="0" anchor="ctr"/>
+            <a:lstStyle/>
+            <a:p>
+              <a:pPr algn="ctr"/>
+              <a:r>
+                <a:rPr lang="de-DE" sz="1600" dirty="0" err="1">
+                  <a:solidFill>
+                    <a:schemeClr val="bg1"/>
+                  </a:solidFill>
+                </a:rPr>
+                <a:t>postgres</a:t>
+              </a:r>
+              <a:r>
+                <a:rPr lang="de-DE" sz="1600" dirty="0">
+                  <a:solidFill>
+                    <a:schemeClr val="bg1"/>
+                  </a:solidFill>
+                </a:rPr>
+                <a:t>-client-</a:t>
+              </a:r>
+              <a:br>
+                <a:rPr lang="de-DE" sz="1600" dirty="0">
+                  <a:solidFill>
+                    <a:schemeClr val="bg1"/>
+                  </a:solidFill>
+                </a:rPr>
+              </a:br>
+              <a:r>
+                <a:rPr lang="de-DE" sz="1600" dirty="0" err="1">
+                  <a:solidFill>
+                    <a:schemeClr val="bg1"/>
+                  </a:solidFill>
+                </a:rPr>
+                <a:t>Pod</a:t>
+              </a:r>
+              <a:endParaRPr lang="de-DE" sz="1600" dirty="0">
+                <a:solidFill>
+                  <a:schemeClr val="bg1"/>
+                </a:solidFill>
+              </a:endParaRPr>
+            </a:p>
+          </p:txBody>
+        </p:sp>
+        <p:sp>
+          <p:nvSpPr>
+            <p:cNvPr id="29" name="Textfeld 28">
+              <a:extLst>
+                <a:ext uri="{FF2B5EF4-FFF2-40B4-BE49-F238E27FC236}">
+                  <a16:creationId xmlns:a16="http://schemas.microsoft.com/office/drawing/2014/main" id="{9D819523-B845-41FC-A52C-A1367B3AFA99}"/>
+                </a:ext>
+              </a:extLst>
+            </p:cNvPr>
+            <p:cNvSpPr txBox="1"/>
+            <p:nvPr/>
+          </p:nvSpPr>
+          <p:spPr>
+            <a:xfrm>
+              <a:off x="6075862" y="5410517"/>
+              <a:ext cx="2569141" cy="276999"/>
+            </a:xfrm>
+            <a:prstGeom prst="rect">
+              <a:avLst/>
+            </a:prstGeom>
+            <a:noFill/>
+          </p:spPr>
+          <p:txBody>
+            <a:bodyPr wrap="square" rtlCol="0">
+              <a:spAutoFit/>
+            </a:bodyPr>
+            <a:lstStyle/>
+            <a:p>
+              <a:r>
+                <a:rPr lang="de-DE" sz="1200" dirty="0" err="1"/>
+                <a:t>psql</a:t>
+              </a:r>
+              <a:r>
+                <a:rPr lang="de-DE" sz="1200" dirty="0"/>
+                <a:t> –h $POSTGRES_HOST …</a:t>
+              </a:r>
+            </a:p>
+          </p:txBody>
+        </p:sp>
+      </p:grpSp>
     </p:spTree>
     <p:extLst>
       <p:ext uri="{BB962C8B-B14F-4D97-AF65-F5344CB8AC3E}">
@@ -7950,7 +13313,7 @@
 </p:sld>
 </file>
 
-<file path=ppt/slides/slide8.xml><?xml version="1.0" encoding="utf-8"?>
+<file path=ppt/slides/slide9.xml><?xml version="1.0" encoding="utf-8"?>
 <p:sld xmlns:a="http://schemas.openxmlformats.org/drawingml/2006/main" xmlns:r="http://schemas.openxmlformats.org/officeDocument/2006/relationships" xmlns:p="http://schemas.openxmlformats.org/presentationml/2006/main">
   <p:cSld>
     <p:spTree>
@@ -7990,8 +13353,11 @@
           <a:p>
             <a:r>
               <a:rPr lang="de-DE" dirty="0"/>
-              <a:t>Setup 3: </a:t>
-            </a:r>
+              <a:t>Beispiel I:</a:t>
+            </a:r>
+            <a:br>
+              <a:rPr lang="de-DE" dirty="0"/>
+            </a:br>
             <a:r>
               <a:rPr lang="de-DE" dirty="0" err="1"/>
               <a:t>ConfigMap</a:t>
@@ -8046,13 +13412,13 @@
               </a:avLst>
             </a:prstGeom>
             <a:solidFill>
-              <a:srgbClr val="0A3C8C">
+              <a:srgbClr val="BCE1FC">
                 <a:alpha val="36863"/>
               </a:srgbClr>
             </a:solidFill>
             <a:ln w="19050">
               <a:solidFill>
-                <a:srgbClr val="0A3C8C"/>
+                <a:srgbClr val="0070C0"/>
               </a:solidFill>
             </a:ln>
           </p:spPr>
@@ -8087,7 +13453,7 @@
         </p:sp>
         <p:sp>
           <p:nvSpPr>
-            <p:cNvPr id="25" name="Rechteck: abgerundete Ecken 24">
+            <p:cNvPr id="25" name="Rechteck 24">
               <a:extLst>
                 <a:ext uri="{FF2B5EF4-FFF2-40B4-BE49-F238E27FC236}">
                   <a16:creationId xmlns:a16="http://schemas.microsoft.com/office/drawing/2014/main" id="{3EF7CF8F-9D5C-4A5B-9CC4-0EEEDDCE674E}"/>
@@ -8102,17 +13468,15 @@
               <a:off x="485433" y="4497098"/>
               <a:ext cx="2438935" cy="504823"/>
             </a:xfrm>
-            <a:prstGeom prst="roundRect">
-              <a:avLst>
-                <a:gd name="adj" fmla="val 4208"/>
-              </a:avLst>
+            <a:prstGeom prst="rect">
+              <a:avLst/>
             </a:prstGeom>
             <a:solidFill>
-              <a:srgbClr val="0A3C8C"/>
+              <a:srgbClr val="0070C0"/>
             </a:solidFill>
             <a:ln w="19050">
               <a:solidFill>
-                <a:srgbClr val="0A3C8C"/>
+                <a:srgbClr val="0070C0"/>
               </a:solidFill>
             </a:ln>
           </p:spPr>
@@ -8179,7 +13543,7 @@
       </p:grpSp>
       <p:sp>
         <p:nvSpPr>
-          <p:cNvPr id="27" name="Rechteck: abgerundete Ecken 26">
+          <p:cNvPr id="27" name="Rechteck 26">
             <a:extLst>
               <a:ext uri="{FF2B5EF4-FFF2-40B4-BE49-F238E27FC236}">
                 <a16:creationId xmlns:a16="http://schemas.microsoft.com/office/drawing/2014/main" id="{B8DF4A26-A759-4AE3-A41B-090E53BB921D}"/>
@@ -8194,17 +13558,15 @@
             <a:off x="492981" y="2338416"/>
             <a:ext cx="2438935" cy="504823"/>
           </a:xfrm>
-          <a:prstGeom prst="roundRect">
-            <a:avLst>
-              <a:gd name="adj" fmla="val 4208"/>
-            </a:avLst>
+          <a:prstGeom prst="rect">
+            <a:avLst/>
           </a:prstGeom>
           <a:solidFill>
-            <a:srgbClr val="0A3C8C"/>
+            <a:srgbClr val="0070C0"/>
           </a:solidFill>
           <a:ln w="19050">
             <a:solidFill>
-              <a:srgbClr val="0A3C8C"/>
+              <a:srgbClr val="0070C0"/>
             </a:solidFill>
           </a:ln>
         </p:spPr>
@@ -8292,260 +13654,23 @@
           <a:lstStyle/>
           <a:p>
             <a:r>
-              <a:rPr lang="de-DE" sz="1200" dirty="0">
-                <a:solidFill>
-                  <a:srgbClr val="0A3C8C"/>
-                </a:solidFill>
-              </a:rPr>
+              <a:rPr lang="de-DE" sz="1200" dirty="0"/>
               <a:t>Database: </a:t>
             </a:r>
             <a:r>
-              <a:rPr lang="de-DE" sz="1200" b="1" dirty="0" err="1">
-                <a:solidFill>
-                  <a:srgbClr val="0A3C8C"/>
-                </a:solidFill>
-              </a:rPr>
+              <a:rPr lang="de-DE" sz="1200" b="1" dirty="0" err="1"/>
               <a:t>deeptalk</a:t>
             </a:r>
             <a:br>
-              <a:rPr lang="de-DE" sz="1200" dirty="0">
-                <a:solidFill>
-                  <a:srgbClr val="0A3C8C"/>
-                </a:solidFill>
-              </a:rPr>
+              <a:rPr lang="de-DE" sz="1200" dirty="0"/>
             </a:br>
-            <a:endParaRPr lang="de-DE" sz="1200" dirty="0">
-              <a:solidFill>
-                <a:srgbClr val="0A3C8C"/>
-              </a:solidFill>
-            </a:endParaRPr>
+            <a:endParaRPr lang="de-DE" sz="1200" dirty="0"/>
           </a:p>
         </p:txBody>
       </p:sp>
-      <p:grpSp>
-        <p:nvGrpSpPr>
-          <p:cNvPr id="16" name="Gruppieren 15">
-            <a:extLst>
-              <a:ext uri="{FF2B5EF4-FFF2-40B4-BE49-F238E27FC236}">
-                <a16:creationId xmlns:a16="http://schemas.microsoft.com/office/drawing/2014/main" id="{0FB389E6-14B2-4EC6-BA9B-B35A69D6CDB5}"/>
-              </a:ext>
-            </a:extLst>
-          </p:cNvPr>
-          <p:cNvGrpSpPr/>
-          <p:nvPr/>
-        </p:nvGrpSpPr>
-        <p:grpSpPr>
-          <a:xfrm>
-            <a:off x="6081877" y="4496559"/>
-            <a:ext cx="2569141" cy="835250"/>
-            <a:chOff x="6068311" y="4905155"/>
-            <a:chExt cx="2569141" cy="835250"/>
-          </a:xfrm>
-        </p:grpSpPr>
-        <p:sp>
-          <p:nvSpPr>
-            <p:cNvPr id="48" name="Rechteck: abgerundete Ecken 47">
-              <a:extLst>
-                <a:ext uri="{FF2B5EF4-FFF2-40B4-BE49-F238E27FC236}">
-                  <a16:creationId xmlns:a16="http://schemas.microsoft.com/office/drawing/2014/main" id="{53E162FD-43E1-4EFA-99A7-930903297D2D}"/>
-                </a:ext>
-              </a:extLst>
-            </p:cNvPr>
-            <p:cNvSpPr/>
-            <p:nvPr/>
-          </p:nvSpPr>
-          <p:spPr>
-            <a:xfrm>
-              <a:off x="6072765" y="5409978"/>
-              <a:ext cx="2438935" cy="330427"/>
-            </a:xfrm>
-            <a:prstGeom prst="roundRect">
-              <a:avLst>
-                <a:gd name="adj" fmla="val 4208"/>
-              </a:avLst>
-            </a:prstGeom>
-            <a:solidFill>
-              <a:srgbClr val="0A3C8C">
-                <a:alpha val="36863"/>
-              </a:srgbClr>
-            </a:solidFill>
-            <a:ln w="19050">
-              <a:solidFill>
-                <a:srgbClr val="0A3C8C"/>
-              </a:solidFill>
-            </a:ln>
-          </p:spPr>
-          <p:style>
-            <a:lnRef idx="2">
-              <a:schemeClr val="accent1">
-                <a:shade val="50000"/>
-              </a:schemeClr>
-            </a:lnRef>
-            <a:fillRef idx="1">
-              <a:schemeClr val="accent1"/>
-            </a:fillRef>
-            <a:effectRef idx="0">
-              <a:schemeClr val="accent1"/>
-            </a:effectRef>
-            <a:fontRef idx="minor">
-              <a:schemeClr val="lt1"/>
-            </a:fontRef>
-          </p:style>
-          <p:txBody>
-            <a:bodyPr rtlCol="0" anchor="ctr"/>
-            <a:lstStyle/>
-            <a:p>
-              <a:pPr algn="ctr"/>
-              <a:endParaRPr lang="de-DE" dirty="0">
-                <a:solidFill>
-                  <a:schemeClr val="bg1"/>
-                </a:solidFill>
-              </a:endParaRPr>
-            </a:p>
-          </p:txBody>
-        </p:sp>
-        <p:sp>
-          <p:nvSpPr>
-            <p:cNvPr id="31" name="Rechteck: abgerundete Ecken 30">
-              <a:extLst>
-                <a:ext uri="{FF2B5EF4-FFF2-40B4-BE49-F238E27FC236}">
-                  <a16:creationId xmlns:a16="http://schemas.microsoft.com/office/drawing/2014/main" id="{D4BBFFAA-B3B9-4AEA-8CBF-C1C96AD28DDF}"/>
-                </a:ext>
-              </a:extLst>
-            </p:cNvPr>
-            <p:cNvSpPr/>
-            <p:nvPr/>
-          </p:nvSpPr>
-          <p:spPr>
-            <a:xfrm>
-              <a:off x="6072765" y="4905155"/>
-              <a:ext cx="2438935" cy="504823"/>
-            </a:xfrm>
-            <a:prstGeom prst="roundRect">
-              <a:avLst>
-                <a:gd name="adj" fmla="val 4208"/>
-              </a:avLst>
-            </a:prstGeom>
-            <a:solidFill>
-              <a:srgbClr val="0A3C8C"/>
-            </a:solidFill>
-            <a:ln w="19050">
-              <a:solidFill>
-                <a:srgbClr val="0A3C8C"/>
-              </a:solidFill>
-            </a:ln>
-          </p:spPr>
-          <p:style>
-            <a:lnRef idx="2">
-              <a:schemeClr val="accent1">
-                <a:shade val="50000"/>
-              </a:schemeClr>
-            </a:lnRef>
-            <a:fillRef idx="1">
-              <a:schemeClr val="accent1"/>
-            </a:fillRef>
-            <a:effectRef idx="0">
-              <a:schemeClr val="accent1"/>
-            </a:effectRef>
-            <a:fontRef idx="minor">
-              <a:schemeClr val="lt1"/>
-            </a:fontRef>
-          </p:style>
-          <p:txBody>
-            <a:bodyPr rtlCol="0" anchor="ctr"/>
-            <a:lstStyle/>
-            <a:p>
-              <a:pPr algn="ctr"/>
-              <a:r>
-                <a:rPr lang="de-DE" sz="1600" dirty="0" err="1">
-                  <a:solidFill>
-                    <a:schemeClr val="bg1"/>
-                  </a:solidFill>
-                </a:rPr>
-                <a:t>Postgres</a:t>
-              </a:r>
-              <a:r>
-                <a:rPr lang="de-DE" sz="1600" dirty="0">
-                  <a:solidFill>
-                    <a:schemeClr val="bg1"/>
-                  </a:solidFill>
-                </a:rPr>
-                <a:t>-client-</a:t>
-              </a:r>
-              <a:br>
-                <a:rPr lang="de-DE" sz="1600" dirty="0">
-                  <a:solidFill>
-                    <a:schemeClr val="bg1"/>
-                  </a:solidFill>
-                </a:rPr>
-              </a:br>
-              <a:r>
-                <a:rPr lang="de-DE" sz="1600" dirty="0" err="1">
-                  <a:solidFill>
-                    <a:schemeClr val="bg1"/>
-                  </a:solidFill>
-                </a:rPr>
-                <a:t>Pod</a:t>
-              </a:r>
-              <a:endParaRPr lang="de-DE" sz="1600" dirty="0">
-                <a:solidFill>
-                  <a:schemeClr val="bg1"/>
-                </a:solidFill>
-              </a:endParaRPr>
-            </a:p>
-          </p:txBody>
-        </p:sp>
-        <p:sp>
-          <p:nvSpPr>
-            <p:cNvPr id="50" name="Textfeld 49">
-              <a:extLst>
-                <a:ext uri="{FF2B5EF4-FFF2-40B4-BE49-F238E27FC236}">
-                  <a16:creationId xmlns:a16="http://schemas.microsoft.com/office/drawing/2014/main" id="{7E09C762-947B-4F85-BAC2-F6794541B6D8}"/>
-                </a:ext>
-              </a:extLst>
-            </p:cNvPr>
-            <p:cNvSpPr txBox="1"/>
-            <p:nvPr/>
-          </p:nvSpPr>
-          <p:spPr>
-            <a:xfrm>
-              <a:off x="6068311" y="5409978"/>
-              <a:ext cx="2569141" cy="276999"/>
-            </a:xfrm>
-            <a:prstGeom prst="rect">
-              <a:avLst/>
-            </a:prstGeom>
-            <a:noFill/>
-          </p:spPr>
-          <p:txBody>
-            <a:bodyPr wrap="square" rtlCol="0">
-              <a:spAutoFit/>
-            </a:bodyPr>
-            <a:lstStyle/>
-            <a:p>
-              <a:r>
-                <a:rPr lang="de-DE" sz="1200" dirty="0" err="1">
-                  <a:solidFill>
-                    <a:srgbClr val="0A3C8C"/>
-                  </a:solidFill>
-                </a:rPr>
-                <a:t>psql</a:t>
-              </a:r>
-              <a:r>
-                <a:rPr lang="de-DE" sz="1200" dirty="0">
-                  <a:solidFill>
-                    <a:srgbClr val="0A3C8C"/>
-                  </a:solidFill>
-                </a:rPr>
-                <a:t> –h $POSTGRES_HOST …</a:t>
-              </a:r>
-            </a:p>
-          </p:txBody>
-        </p:sp>
-      </p:grpSp>
       <p:sp>
         <p:nvSpPr>
-          <p:cNvPr id="29" name="Rechteck: abgerundete Ecken 28">
+          <p:cNvPr id="29" name="Rechteck 28">
             <a:extLst>
               <a:ext uri="{FF2B5EF4-FFF2-40B4-BE49-F238E27FC236}">
                 <a16:creationId xmlns:a16="http://schemas.microsoft.com/office/drawing/2014/main" id="{5A312579-C06E-4A9A-B15E-A59C1FA72B19}"/>
@@ -8560,17 +13685,15 @@
             <a:off x="6084210" y="3407589"/>
             <a:ext cx="2438934" cy="504824"/>
           </a:xfrm>
-          <a:prstGeom prst="roundRect">
-            <a:avLst>
-              <a:gd name="adj" fmla="val 4208"/>
-            </a:avLst>
+          <a:prstGeom prst="rect">
+            <a:avLst/>
           </a:prstGeom>
           <a:solidFill>
-            <a:srgbClr val="0A3C8C"/>
+            <a:srgbClr val="0070C0"/>
           </a:solidFill>
           <a:ln w="19050">
             <a:solidFill>
-              <a:srgbClr val="0A3C8C"/>
+              <a:srgbClr val="0070C0"/>
             </a:solidFill>
           </a:ln>
         </p:spPr>
@@ -8629,7 +13752,7 @@
       </p:sp>
       <p:sp>
         <p:nvSpPr>
-          <p:cNvPr id="21" name="Rechteck: abgerundete Ecken 20">
+          <p:cNvPr id="21" name="Rechteck 20">
             <a:extLst>
               <a:ext uri="{FF2B5EF4-FFF2-40B4-BE49-F238E27FC236}">
                 <a16:creationId xmlns:a16="http://schemas.microsoft.com/office/drawing/2014/main" id="{52FCFF20-6BFD-4AC4-89C8-55EB9060213B}"/>
@@ -8644,17 +13767,15 @@
             <a:off x="492981" y="3417756"/>
             <a:ext cx="2438935" cy="504824"/>
           </a:xfrm>
-          <a:prstGeom prst="roundRect">
-            <a:avLst>
-              <a:gd name="adj" fmla="val 4208"/>
-            </a:avLst>
+          <a:prstGeom prst="rect">
+            <a:avLst/>
           </a:prstGeom>
           <a:solidFill>
-            <a:srgbClr val="0A3C8C"/>
+            <a:srgbClr val="0070C0"/>
           </a:solidFill>
           <a:ln w="19050">
             <a:solidFill>
-              <a:srgbClr val="0A3C8C"/>
+              <a:srgbClr val="0070C0"/>
             </a:solidFill>
           </a:ln>
         </p:spPr>
@@ -8722,8 +13843,6 @@
           </p:cNvPr>
           <p:cNvCxnSpPr>
             <a:cxnSpLocks/>
-            <a:stCxn id="27" idx="2"/>
-            <a:endCxn id="21" idx="0"/>
           </p:cNvCxnSpPr>
           <p:nvPr/>
         </p:nvCxnSpPr>
@@ -8737,7 +13856,7 @@
           </a:prstGeom>
           <a:ln w="28575">
             <a:solidFill>
-              <a:srgbClr val="0A3C8C"/>
+              <a:srgbClr val="0070C0"/>
             </a:solidFill>
             <a:tailEnd type="triangle"/>
           </a:ln>
@@ -8768,8 +13887,6 @@
           </p:cNvPr>
           <p:cNvCxnSpPr>
             <a:cxnSpLocks/>
-            <a:stCxn id="21" idx="2"/>
-            <a:endCxn id="25" idx="0"/>
           </p:cNvCxnSpPr>
           <p:nvPr/>
         </p:nvCxnSpPr>
@@ -8783,7 +13900,7 @@
           </a:prstGeom>
           <a:ln w="28575">
             <a:solidFill>
-              <a:srgbClr val="0A3C8C"/>
+              <a:srgbClr val="0070C0"/>
             </a:solidFill>
             <a:tailEnd type="triangle"/>
           </a:ln>
@@ -8814,8 +13931,6 @@
           </p:cNvPr>
           <p:cNvCxnSpPr>
             <a:cxnSpLocks/>
-            <a:stCxn id="29" idx="2"/>
-            <a:endCxn id="31" idx="0"/>
           </p:cNvCxnSpPr>
           <p:nvPr/>
         </p:nvCxnSpPr>
@@ -8829,7 +13944,7 @@
           </a:prstGeom>
           <a:ln w="28575">
             <a:solidFill>
-              <a:srgbClr val="0A3C8C"/>
+              <a:srgbClr val="0070C0"/>
             </a:solidFill>
             <a:tailEnd type="triangle"/>
           </a:ln>
@@ -8863,10 +13978,10 @@
         </p:nvGrpSpPr>
         <p:grpSpPr>
           <a:xfrm>
-            <a:off x="3651081" y="3691206"/>
-            <a:ext cx="2022720" cy="1333291"/>
-            <a:chOff x="6046492" y="3025173"/>
-            <a:chExt cx="2468806" cy="1333291"/>
+            <a:off x="3651190" y="3691206"/>
+            <a:ext cx="2022610" cy="1177766"/>
+            <a:chOff x="6046626" y="3025173"/>
+            <a:chExt cx="2468672" cy="1177766"/>
           </a:xfrm>
         </p:grpSpPr>
         <p:grpSp>
@@ -8883,10 +13998,10 @@
           </p:nvGrpSpPr>
           <p:grpSpPr>
             <a:xfrm>
-              <a:off x="6046492" y="3476097"/>
-              <a:ext cx="2468806" cy="882367"/>
-              <a:chOff x="436853" y="3755401"/>
-              <a:chExt cx="2468806" cy="882367"/>
+              <a:off x="6046626" y="3476097"/>
+              <a:ext cx="2468672" cy="726842"/>
+              <a:chOff x="436987" y="3755401"/>
+              <a:chExt cx="2468672" cy="726842"/>
             </a:xfrm>
           </p:grpSpPr>
           <p:sp>
@@ -8912,13 +14027,13 @@
                 </a:avLst>
               </a:prstGeom>
               <a:solidFill>
-                <a:srgbClr val="0A3C8C">
+                <a:srgbClr val="BCE1FC">
                   <a:alpha val="36863"/>
                 </a:srgbClr>
               </a:solidFill>
               <a:ln w="19050">
                 <a:solidFill>
-                  <a:srgbClr val="0A3C8C"/>
+                  <a:srgbClr val="0070C0"/>
                 </a:solidFill>
               </a:ln>
             </p:spPr>
@@ -8965,8 +14080,8 @@
             </p:nvSpPr>
             <p:spPr>
               <a:xfrm>
-                <a:off x="436853" y="3806771"/>
-                <a:ext cx="2438935" cy="830997"/>
+                <a:off x="436987" y="3807121"/>
+                <a:ext cx="2438935" cy="646331"/>
               </a:xfrm>
               <a:prstGeom prst="rect">
                 <a:avLst/>
@@ -8982,7 +14097,7 @@
                 <a:r>
                   <a:rPr lang="de-DE" sz="1200" dirty="0">
                     <a:solidFill>
-                      <a:srgbClr val="0A3C8C"/>
+                      <a:sysClr val="windowText" lastClr="000000"/>
                     </a:solidFill>
                   </a:rPr>
                   <a:t>POSTGRES_USER</a:t>
@@ -8990,14 +14105,14 @@
                 <a:br>
                   <a:rPr lang="de-DE" sz="1200" dirty="0">
                     <a:solidFill>
-                      <a:srgbClr val="0A3C8C"/>
+                      <a:sysClr val="windowText" lastClr="000000"/>
                     </a:solidFill>
                   </a:rPr>
                 </a:br>
                 <a:r>
                   <a:rPr lang="de-DE" sz="1200" dirty="0">
                     <a:solidFill>
-                      <a:srgbClr val="0A3C8C"/>
+                      <a:sysClr val="windowText" lastClr="000000"/>
                     </a:solidFill>
                   </a:rPr>
                   <a:t>POSTGRES_PASSWORD</a:t>
@@ -9007,22 +14122,18 @@
                 <a:r>
                   <a:rPr lang="de-DE" sz="1200" dirty="0">
                     <a:solidFill>
-                      <a:srgbClr val="0A3C8C"/>
+                      <a:sysClr val="windowText" lastClr="000000"/>
                     </a:solidFill>
                   </a:rPr>
                   <a:t>PGPASSWORD</a:t>
                 </a:r>
-                <a:br>
-                  <a:rPr lang="de-DE" sz="1200" dirty="0"/>
-                </a:br>
-                <a:endParaRPr lang="de-DE" sz="1200" dirty="0"/>
               </a:p>
             </p:txBody>
           </p:sp>
         </p:grpSp>
         <p:sp>
           <p:nvSpPr>
-            <p:cNvPr id="36" name="Rechteck: abgerundete Ecken 35">
+            <p:cNvPr id="36" name="Rechteck 35">
               <a:extLst>
                 <a:ext uri="{FF2B5EF4-FFF2-40B4-BE49-F238E27FC236}">
                   <a16:creationId xmlns:a16="http://schemas.microsoft.com/office/drawing/2014/main" id="{DDA26E7A-8603-4BE3-A61E-E3D8FE254FF7}"/>
@@ -9037,17 +14148,15 @@
               <a:off x="6072765" y="3025173"/>
               <a:ext cx="2442533" cy="504824"/>
             </a:xfrm>
-            <a:prstGeom prst="roundRect">
-              <a:avLst>
-                <a:gd name="adj" fmla="val 4208"/>
-              </a:avLst>
+            <a:prstGeom prst="rect">
+              <a:avLst/>
             </a:prstGeom>
             <a:solidFill>
-              <a:srgbClr val="0A3C8C"/>
+              <a:srgbClr val="0070C0"/>
             </a:solidFill>
             <a:ln w="19050">
               <a:solidFill>
-                <a:srgbClr val="0A3C8C"/>
+                <a:srgbClr val="0070C0"/>
               </a:solidFill>
             </a:ln>
           </p:spPr>
@@ -9121,10 +14230,10 @@
         </p:nvGrpSpPr>
         <p:grpSpPr>
           <a:xfrm>
-            <a:off x="3656714" y="2497450"/>
-            <a:ext cx="2011455" cy="945619"/>
+            <a:off x="3656715" y="2497450"/>
+            <a:ext cx="2032211" cy="920650"/>
             <a:chOff x="6072765" y="3025173"/>
-            <a:chExt cx="2455056" cy="945619"/>
+            <a:chExt cx="2480389" cy="920650"/>
           </a:xfrm>
         </p:grpSpPr>
         <p:grpSp>
@@ -9142,9 +14251,9 @@
           <p:grpSpPr>
             <a:xfrm>
               <a:off x="6076363" y="3476098"/>
-              <a:ext cx="2451458" cy="494694"/>
+              <a:ext cx="2476791" cy="469725"/>
               <a:chOff x="466724" y="3755402"/>
-              <a:chExt cx="2451458" cy="494694"/>
+              <a:chExt cx="2476791" cy="469725"/>
             </a:xfrm>
           </p:grpSpPr>
           <p:sp>
@@ -9170,13 +14279,13 @@
                 </a:avLst>
               </a:prstGeom>
               <a:solidFill>
-                <a:srgbClr val="0A3C8C">
+                <a:srgbClr val="BCE1FC">
                   <a:alpha val="36863"/>
                 </a:srgbClr>
               </a:solidFill>
               <a:ln w="19050">
                 <a:solidFill>
-                  <a:srgbClr val="0A3C8C"/>
+                  <a:srgbClr val="0070C0"/>
                 </a:solidFill>
               </a:ln>
             </p:spPr>
@@ -9223,13 +14332,16 @@
             </p:nvSpPr>
             <p:spPr>
               <a:xfrm>
-                <a:off x="479248" y="3788431"/>
+                <a:off x="504581" y="3763462"/>
                 <a:ext cx="2438934" cy="461665"/>
               </a:xfrm>
               <a:prstGeom prst="rect">
                 <a:avLst/>
               </a:prstGeom>
               <a:noFill/>
+              <a:ln>
+                <a:noFill/>
+              </a:ln>
             </p:spPr>
             <p:txBody>
               <a:bodyPr wrap="square" rtlCol="0">
@@ -9240,7 +14352,7 @@
                 <a:r>
                   <a:rPr lang="de-DE" sz="1200" dirty="0">
                     <a:solidFill>
-                      <a:srgbClr val="0A3C8C"/>
+                      <a:sysClr val="windowText" lastClr="000000"/>
                     </a:solidFill>
                   </a:rPr>
                   <a:t>POSTGRES_HOST</a:t>
@@ -9250,19 +14362,18 @@
                 <a:r>
                   <a:rPr lang="de-DE" sz="1200" dirty="0">
                     <a:solidFill>
-                      <a:srgbClr val="0A3C8C"/>
+                      <a:sysClr val="windowText" lastClr="000000"/>
                     </a:solidFill>
                   </a:rPr>
                   <a:t>POSTGRES_DB</a:t>
                 </a:r>
-                <a:endParaRPr lang="de-DE" sz="1200" dirty="0"/>
               </a:p>
             </p:txBody>
           </p:sp>
         </p:grpSp>
         <p:sp>
           <p:nvSpPr>
-            <p:cNvPr id="55" name="Rechteck: abgerundete Ecken 54">
+            <p:cNvPr id="55" name="Rechteck 54">
               <a:extLst>
                 <a:ext uri="{FF2B5EF4-FFF2-40B4-BE49-F238E27FC236}">
                   <a16:creationId xmlns:a16="http://schemas.microsoft.com/office/drawing/2014/main" id="{86B1962C-5B16-4527-8A2C-78D849B9FC78}"/>
@@ -9277,17 +14388,15 @@
               <a:off x="6072765" y="3025173"/>
               <a:ext cx="2438934" cy="504824"/>
             </a:xfrm>
-            <a:prstGeom prst="roundRect">
-              <a:avLst>
-                <a:gd name="adj" fmla="val 4208"/>
-              </a:avLst>
+            <a:prstGeom prst="rect">
+              <a:avLst/>
             </a:prstGeom>
             <a:solidFill>
-              <a:srgbClr val="0A3C8C"/>
+              <a:srgbClr val="0070C0"/>
             </a:solidFill>
             <a:ln w="19050">
               <a:solidFill>
-                <a:srgbClr val="0A3C8C"/>
+                <a:srgbClr val="0070C0"/>
               </a:solidFill>
             </a:ln>
           </p:spPr>
@@ -9474,8 +14583,6 @@
           </p:cNvPr>
           <p:cNvCxnSpPr>
             <a:cxnSpLocks/>
-            <a:stCxn id="21" idx="3"/>
-            <a:endCxn id="55" idx="1"/>
           </p:cNvCxnSpPr>
           <p:nvPr/>
         </p:nvCxnSpPr>
@@ -9491,7 +14598,7 @@
           </a:prstGeom>
           <a:ln w="28575">
             <a:solidFill>
-              <a:srgbClr val="0A3C8C"/>
+              <a:srgbClr val="0070C0"/>
             </a:solidFill>
             <a:tailEnd type="triangle"/>
           </a:ln>
@@ -9522,8 +14629,6 @@
           </p:cNvPr>
           <p:cNvCxnSpPr>
             <a:cxnSpLocks/>
-            <a:stCxn id="29" idx="1"/>
-            <a:endCxn id="55" idx="3"/>
           </p:cNvCxnSpPr>
           <p:nvPr/>
         </p:nvCxnSpPr>
@@ -9539,7 +14644,7 @@
           </a:prstGeom>
           <a:ln w="28575">
             <a:solidFill>
-              <a:srgbClr val="0A3C8C"/>
+              <a:srgbClr val="0070C0"/>
             </a:solidFill>
             <a:tailEnd type="triangle"/>
           </a:ln>
@@ -9570,8 +14675,6 @@
           </p:cNvPr>
           <p:cNvCxnSpPr>
             <a:cxnSpLocks/>
-            <a:stCxn id="21" idx="3"/>
-            <a:endCxn id="36" idx="1"/>
           </p:cNvCxnSpPr>
           <p:nvPr/>
         </p:nvCxnSpPr>
@@ -9587,7 +14690,7 @@
           </a:prstGeom>
           <a:ln w="28575">
             <a:solidFill>
-              <a:srgbClr val="0A3C8C"/>
+              <a:srgbClr val="0070C0"/>
             </a:solidFill>
             <a:tailEnd type="triangle"/>
           </a:ln>
@@ -9618,8 +14721,6 @@
           </p:cNvPr>
           <p:cNvCxnSpPr>
             <a:cxnSpLocks/>
-            <a:stCxn id="29" idx="1"/>
-            <a:endCxn id="36" idx="3"/>
           </p:cNvCxnSpPr>
           <p:nvPr/>
         </p:nvCxnSpPr>
@@ -9630,12 +14731,12 @@
           </a:xfrm>
           <a:prstGeom prst="bentConnector3">
             <a:avLst>
-              <a:gd name="adj1" fmla="val 50000"/>
+              <a:gd name="adj1" fmla="val 54244"/>
             </a:avLst>
           </a:prstGeom>
           <a:ln w="28575">
             <a:solidFill>
-              <a:srgbClr val="0A3C8C"/>
+              <a:srgbClr val="0070C0"/>
             </a:solidFill>
             <a:tailEnd type="triangle"/>
           </a:ln>
@@ -9655,120 +14756,221 @@
           </a:fontRef>
         </p:style>
       </p:cxnSp>
+      <p:grpSp>
+        <p:nvGrpSpPr>
+          <p:cNvPr id="34" name="Gruppieren 33">
+            <a:extLst>
+              <a:ext uri="{FF2B5EF4-FFF2-40B4-BE49-F238E27FC236}">
+                <a16:creationId xmlns:a16="http://schemas.microsoft.com/office/drawing/2014/main" id="{268D339A-DF8C-4A38-A654-5A3DB17DE573}"/>
+              </a:ext>
+            </a:extLst>
+          </p:cNvPr>
+          <p:cNvGrpSpPr/>
+          <p:nvPr/>
+        </p:nvGrpSpPr>
+        <p:grpSpPr>
+          <a:xfrm>
+            <a:off x="6069670" y="4496559"/>
+            <a:ext cx="2572238" cy="835250"/>
+            <a:chOff x="6072765" y="4905155"/>
+            <a:chExt cx="2572238" cy="835250"/>
+          </a:xfrm>
+        </p:grpSpPr>
+        <p:sp>
+          <p:nvSpPr>
+            <p:cNvPr id="39" name="Rechteck: abgerundete Ecken 38">
+              <a:extLst>
+                <a:ext uri="{FF2B5EF4-FFF2-40B4-BE49-F238E27FC236}">
+                  <a16:creationId xmlns:a16="http://schemas.microsoft.com/office/drawing/2014/main" id="{045AD565-6A9E-4C65-8ADE-8614CBFAB360}"/>
+                </a:ext>
+              </a:extLst>
+            </p:cNvPr>
+            <p:cNvSpPr/>
+            <p:nvPr/>
+          </p:nvSpPr>
+          <p:spPr>
+            <a:xfrm>
+              <a:off x="6072765" y="5409978"/>
+              <a:ext cx="2438935" cy="330427"/>
+            </a:xfrm>
+            <a:prstGeom prst="roundRect">
+              <a:avLst>
+                <a:gd name="adj" fmla="val 4208"/>
+              </a:avLst>
+            </a:prstGeom>
+            <a:solidFill>
+              <a:srgbClr val="BCE1FC">
+                <a:alpha val="36863"/>
+              </a:srgbClr>
+            </a:solidFill>
+            <a:ln w="19050">
+              <a:solidFill>
+                <a:srgbClr val="0070C0"/>
+              </a:solidFill>
+            </a:ln>
+          </p:spPr>
+          <p:style>
+            <a:lnRef idx="2">
+              <a:schemeClr val="accent1">
+                <a:shade val="50000"/>
+              </a:schemeClr>
+            </a:lnRef>
+            <a:fillRef idx="1">
+              <a:schemeClr val="accent1"/>
+            </a:fillRef>
+            <a:effectRef idx="0">
+              <a:schemeClr val="accent1"/>
+            </a:effectRef>
+            <a:fontRef idx="minor">
+              <a:schemeClr val="lt1"/>
+            </a:fontRef>
+          </p:style>
+          <p:txBody>
+            <a:bodyPr rtlCol="0" anchor="ctr"/>
+            <a:lstStyle/>
+            <a:p>
+              <a:pPr algn="ctr"/>
+              <a:endParaRPr lang="de-DE" dirty="0">
+                <a:solidFill>
+                  <a:schemeClr val="bg1"/>
+                </a:solidFill>
+              </a:endParaRPr>
+            </a:p>
+          </p:txBody>
+        </p:sp>
+        <p:sp>
+          <p:nvSpPr>
+            <p:cNvPr id="40" name="Rechteck 39">
+              <a:extLst>
+                <a:ext uri="{FF2B5EF4-FFF2-40B4-BE49-F238E27FC236}">
+                  <a16:creationId xmlns:a16="http://schemas.microsoft.com/office/drawing/2014/main" id="{DDF3C197-A641-4CA7-B398-4091B3923FE9}"/>
+                </a:ext>
+              </a:extLst>
+            </p:cNvPr>
+            <p:cNvSpPr/>
+            <p:nvPr/>
+          </p:nvSpPr>
+          <p:spPr>
+            <a:xfrm>
+              <a:off x="6072765" y="4905155"/>
+              <a:ext cx="2438935" cy="504823"/>
+            </a:xfrm>
+            <a:prstGeom prst="rect">
+              <a:avLst/>
+            </a:prstGeom>
+            <a:solidFill>
+              <a:srgbClr val="0070C0"/>
+            </a:solidFill>
+            <a:ln w="19050">
+              <a:solidFill>
+                <a:srgbClr val="0070C0"/>
+              </a:solidFill>
+            </a:ln>
+          </p:spPr>
+          <p:style>
+            <a:lnRef idx="2">
+              <a:schemeClr val="accent1">
+                <a:shade val="50000"/>
+              </a:schemeClr>
+            </a:lnRef>
+            <a:fillRef idx="1">
+              <a:schemeClr val="accent1"/>
+            </a:fillRef>
+            <a:effectRef idx="0">
+              <a:schemeClr val="accent1"/>
+            </a:effectRef>
+            <a:fontRef idx="minor">
+              <a:schemeClr val="lt1"/>
+            </a:fontRef>
+          </p:style>
+          <p:txBody>
+            <a:bodyPr rtlCol="0" anchor="ctr"/>
+            <a:lstStyle/>
+            <a:p>
+              <a:pPr algn="ctr"/>
+              <a:r>
+                <a:rPr lang="de-DE" sz="1600" dirty="0" err="1">
+                  <a:solidFill>
+                    <a:schemeClr val="bg1"/>
+                  </a:solidFill>
+                </a:rPr>
+                <a:t>postgres</a:t>
+              </a:r>
+              <a:r>
+                <a:rPr lang="de-DE" sz="1600" dirty="0">
+                  <a:solidFill>
+                    <a:schemeClr val="bg1"/>
+                  </a:solidFill>
+                </a:rPr>
+                <a:t>-client-</a:t>
+              </a:r>
+              <a:br>
+                <a:rPr lang="de-DE" sz="1600" dirty="0">
+                  <a:solidFill>
+                    <a:schemeClr val="bg1"/>
+                  </a:solidFill>
+                </a:rPr>
+              </a:br>
+              <a:r>
+                <a:rPr lang="de-DE" sz="1600" dirty="0" err="1">
+                  <a:solidFill>
+                    <a:schemeClr val="bg1"/>
+                  </a:solidFill>
+                </a:rPr>
+                <a:t>Pod</a:t>
+              </a:r>
+              <a:endParaRPr lang="de-DE" sz="1600" dirty="0">
+                <a:solidFill>
+                  <a:schemeClr val="bg1"/>
+                </a:solidFill>
+              </a:endParaRPr>
+            </a:p>
+          </p:txBody>
+        </p:sp>
+        <p:sp>
+          <p:nvSpPr>
+            <p:cNvPr id="41" name="Textfeld 40">
+              <a:extLst>
+                <a:ext uri="{FF2B5EF4-FFF2-40B4-BE49-F238E27FC236}">
+                  <a16:creationId xmlns:a16="http://schemas.microsoft.com/office/drawing/2014/main" id="{EC7B8654-6D20-40FB-A711-D17DC8CC52B2}"/>
+                </a:ext>
+              </a:extLst>
+            </p:cNvPr>
+            <p:cNvSpPr txBox="1"/>
+            <p:nvPr/>
+          </p:nvSpPr>
+          <p:spPr>
+            <a:xfrm>
+              <a:off x="6075862" y="5410517"/>
+              <a:ext cx="2569141" cy="276999"/>
+            </a:xfrm>
+            <a:prstGeom prst="rect">
+              <a:avLst/>
+            </a:prstGeom>
+            <a:noFill/>
+          </p:spPr>
+          <p:txBody>
+            <a:bodyPr wrap="square" rtlCol="0">
+              <a:spAutoFit/>
+            </a:bodyPr>
+            <a:lstStyle/>
+            <a:p>
+              <a:r>
+                <a:rPr lang="de-DE" sz="1200" dirty="0" err="1"/>
+                <a:t>psql</a:t>
+              </a:r>
+              <a:r>
+                <a:rPr lang="de-DE" sz="1200" dirty="0"/>
+                <a:t> –h $POSTGRES_HOST …</a:t>
+              </a:r>
+            </a:p>
+          </p:txBody>
+        </p:sp>
+      </p:grpSp>
     </p:spTree>
     <p:extLst>
       <p:ext uri="{BB962C8B-B14F-4D97-AF65-F5344CB8AC3E}">
         <p14:creationId xmlns:p14="http://schemas.microsoft.com/office/powerpoint/2010/main" val="479878947"/>
-      </p:ext>
-    </p:extLst>
-  </p:cSld>
-  <p:clrMapOvr>
-    <a:masterClrMapping/>
-  </p:clrMapOvr>
-</p:sld>
-</file>
-
-<file path=ppt/slides/slide9.xml><?xml version="1.0" encoding="utf-8"?>
-<p:sld xmlns:a="http://schemas.openxmlformats.org/drawingml/2006/main" xmlns:r="http://schemas.openxmlformats.org/officeDocument/2006/relationships" xmlns:p="http://schemas.openxmlformats.org/presentationml/2006/main">
-  <p:cSld>
-    <p:spTree>
-      <p:nvGrpSpPr>
-        <p:cNvPr id="1" name=""/>
-        <p:cNvGrpSpPr/>
-        <p:nvPr/>
-      </p:nvGrpSpPr>
-      <p:grpSpPr>
-        <a:xfrm>
-          <a:off x="0" y="0"/>
-          <a:ext cx="0" cy="0"/>
-          <a:chOff x="0" y="0"/>
-          <a:chExt cx="0" cy="0"/>
-        </a:xfrm>
-      </p:grpSpPr>
-      <p:sp>
-        <p:nvSpPr>
-          <p:cNvPr id="3" name="Titel 2">
-            <a:extLst>
-              <a:ext uri="{FF2B5EF4-FFF2-40B4-BE49-F238E27FC236}">
-                <a16:creationId xmlns:a16="http://schemas.microsoft.com/office/drawing/2014/main" id="{087F43E8-4C31-4A76-8542-C36B59914730}"/>
-              </a:ext>
-            </a:extLst>
-          </p:cNvPr>
-          <p:cNvSpPr>
-            <a:spLocks noGrp="1"/>
-          </p:cNvSpPr>
-          <p:nvPr>
-            <p:ph type="title"/>
-          </p:nvPr>
-        </p:nvSpPr>
-        <p:spPr/>
-        <p:txBody>
-          <a:bodyPr/>
-          <a:lstStyle/>
-          <a:p>
-            <a:r>
-              <a:rPr lang="de-DE" dirty="0"/>
-              <a:t>Zusammenfassung</a:t>
-            </a:r>
-          </a:p>
-        </p:txBody>
-      </p:sp>
-      <p:sp>
-        <p:nvSpPr>
-          <p:cNvPr id="4" name="Inhaltsplatzhalter 3">
-            <a:extLst>
-              <a:ext uri="{FF2B5EF4-FFF2-40B4-BE49-F238E27FC236}">
-                <a16:creationId xmlns:a16="http://schemas.microsoft.com/office/drawing/2014/main" id="{BCD6F537-4122-45A0-B4D8-37DDA00DDECC}"/>
-              </a:ext>
-            </a:extLst>
-          </p:cNvPr>
-          <p:cNvSpPr>
-            <a:spLocks noGrp="1"/>
-          </p:cNvSpPr>
-          <p:nvPr>
-            <p:ph idx="1"/>
-          </p:nvPr>
-        </p:nvSpPr>
-        <p:spPr/>
-        <p:txBody>
-          <a:bodyPr/>
-          <a:lstStyle/>
-          <a:p>
-            <a:pPr marL="285750" indent="-285750">
-              <a:buFont typeface="Arial" panose="020B0604020202020204" pitchFamily="34" charset="0"/>
-              <a:buChar char="•"/>
-            </a:pPr>
-            <a:r>
-              <a:rPr lang="de-DE" dirty="0"/>
-              <a:t>Best Practices Secrets:</a:t>
-            </a:r>
-          </a:p>
-          <a:p>
-            <a:pPr marL="552450" lvl="1" indent="-285750">
-              <a:buFont typeface="Arial" panose="020B0604020202020204" pitchFamily="34" charset="0"/>
-              <a:buChar char="•"/>
-            </a:pPr>
-            <a:r>
-              <a:rPr lang="de-DE" dirty="0"/>
-              <a:t>Zugriff auf Secrets einschränken</a:t>
-            </a:r>
-          </a:p>
-          <a:p>
-            <a:pPr marL="552450" lvl="1" indent="-285750">
-              <a:buFont typeface="Arial" panose="020B0604020202020204" pitchFamily="34" charset="0"/>
-              <a:buChar char="•"/>
-            </a:pPr>
-            <a:r>
-              <a:rPr lang="de-DE" dirty="0"/>
-              <a:t>Keine Manifeste verwenden / speichern</a:t>
-            </a:r>
-          </a:p>
-        </p:txBody>
-      </p:sp>
-    </p:spTree>
-    <p:extLst>
-      <p:ext uri="{BB962C8B-B14F-4D97-AF65-F5344CB8AC3E}">
-        <p14:creationId xmlns:p14="http://schemas.microsoft.com/office/powerpoint/2010/main" val="1683466741"/>
       </p:ext>
     </p:extLst>
   </p:cSld>
